--- a/Documents/ImgCatalogRIA.pptx
+++ b/Documents/ImgCatalogRIA.pptx
@@ -7,28 +7,26 @@
     <p:sldMasterId id="2147483672" r:id="rId3"/>
   </p:sldMasterIdLst>
   <p:notesMasterIdLst>
-    <p:notesMasterId r:id="rId23"/>
+    <p:notesMasterId r:id="rId21"/>
   </p:notesMasterIdLst>
   <p:sldIdLst>
     <p:sldId id="256" r:id="rId4"/>
     <p:sldId id="257" r:id="rId5"/>
-    <p:sldId id="258" r:id="rId6"/>
-    <p:sldId id="267" r:id="rId7"/>
-    <p:sldId id="276" r:id="rId8"/>
-    <p:sldId id="277" r:id="rId9"/>
-    <p:sldId id="269" r:id="rId10"/>
-    <p:sldId id="271" r:id="rId11"/>
-    <p:sldId id="278" r:id="rId12"/>
-    <p:sldId id="272" r:id="rId13"/>
-    <p:sldId id="260" r:id="rId14"/>
-    <p:sldId id="285" r:id="rId15"/>
-    <p:sldId id="284" r:id="rId16"/>
-    <p:sldId id="263" r:id="rId17"/>
-    <p:sldId id="275" r:id="rId18"/>
-    <p:sldId id="261" r:id="rId19"/>
-    <p:sldId id="288" r:id="rId20"/>
-    <p:sldId id="287" r:id="rId21"/>
-    <p:sldId id="286" r:id="rId22"/>
+    <p:sldId id="289" r:id="rId6"/>
+    <p:sldId id="258" r:id="rId7"/>
+    <p:sldId id="290" r:id="rId8"/>
+    <p:sldId id="291" r:id="rId9"/>
+    <p:sldId id="277" r:id="rId10"/>
+    <p:sldId id="292" r:id="rId11"/>
+    <p:sldId id="293" r:id="rId12"/>
+    <p:sldId id="261" r:id="rId13"/>
+    <p:sldId id="285" r:id="rId14"/>
+    <p:sldId id="284" r:id="rId15"/>
+    <p:sldId id="263" r:id="rId16"/>
+    <p:sldId id="275" r:id="rId17"/>
+    <p:sldId id="288" r:id="rId18"/>
+    <p:sldId id="287" r:id="rId19"/>
+    <p:sldId id="286" r:id="rId20"/>
   </p:sldIdLst>
   <p:sldSz cx="12192000" cy="6858000"/>
   <p:notesSz cx="6858000" cy="9144000"/>
@@ -127,6 +125,11 @@
       </a:defRPr>
     </a:lvl9pPr>
   </p:defaultTextStyle>
+  <p:extLst>
+    <p:ext uri="{EFAFB233-063F-42B5-8137-9DF3F51BA10A}">
+      <p15:sldGuideLst xmlns:p15="http://schemas.microsoft.com/office/powerpoint/2012/main"/>
+    </p:ext>
+  </p:extLst>
 </p:presentation>
 </file>
 
@@ -212,7 +215,7 @@
           <a:p>
             <a:fld id="{8385B1BC-E043-46EB-B0DE-096DB6346D10}" type="datetimeFigureOut">
               <a:rPr lang="it-IT" smtClean="0"/>
-              <a:t>19/08/2021</a:t>
+              <a:t>01/09/2021</a:t>
             </a:fld>
             <a:endParaRPr lang="it-IT"/>
           </a:p>
@@ -834,7 +837,7 @@
           <a:p>
             <a:fld id="{487AF601-87C2-46CD-BB30-028CD33F9010}" type="datetimeFigureOut">
               <a:rPr lang="it-IT" smtClean="0"/>
-              <a:t>19/08/2021</a:t>
+              <a:t>01/09/2021</a:t>
             </a:fld>
             <a:endParaRPr lang="it-IT"/>
           </a:p>
@@ -1032,7 +1035,7 @@
           <a:p>
             <a:fld id="{487AF601-87C2-46CD-BB30-028CD33F9010}" type="datetimeFigureOut">
               <a:rPr lang="it-IT" smtClean="0"/>
-              <a:t>19/08/2021</a:t>
+              <a:t>01/09/2021</a:t>
             </a:fld>
             <a:endParaRPr lang="it-IT"/>
           </a:p>
@@ -1240,7 +1243,7 @@
           <a:p>
             <a:fld id="{487AF601-87C2-46CD-BB30-028CD33F9010}" type="datetimeFigureOut">
               <a:rPr lang="it-IT" smtClean="0"/>
-              <a:t>19/08/2021</a:t>
+              <a:t>01/09/2021</a:t>
             </a:fld>
             <a:endParaRPr lang="it-IT"/>
           </a:p>
@@ -1444,7 +1447,7 @@
           <a:p>
             <a:fld id="{4CAA9714-E498-4BB1-946F-9B4AA3A4C648}" type="datetimeFigureOut">
               <a:rPr lang="en-GB" smtClean="0"/>
-              <a:t>19/08/2021</a:t>
+              <a:t>01/09/2021</a:t>
             </a:fld>
             <a:endParaRPr lang="en-GB"/>
           </a:p>
@@ -1614,7 +1617,7 @@
           <a:p>
             <a:fld id="{4CAA9714-E498-4BB1-946F-9B4AA3A4C648}" type="datetimeFigureOut">
               <a:rPr lang="en-GB" smtClean="0"/>
-              <a:t>19/08/2021</a:t>
+              <a:t>01/09/2021</a:t>
             </a:fld>
             <a:endParaRPr lang="en-GB"/>
           </a:p>
@@ -1858,7 +1861,7 @@
           <a:p>
             <a:fld id="{4CAA9714-E498-4BB1-946F-9B4AA3A4C648}" type="datetimeFigureOut">
               <a:rPr lang="en-GB" smtClean="0"/>
-              <a:t>19/08/2021</a:t>
+              <a:t>01/09/2021</a:t>
             </a:fld>
             <a:endParaRPr lang="en-GB"/>
           </a:p>
@@ -2090,7 +2093,7 @@
           <a:p>
             <a:fld id="{4CAA9714-E498-4BB1-946F-9B4AA3A4C648}" type="datetimeFigureOut">
               <a:rPr lang="en-GB" smtClean="0"/>
-              <a:t>19/08/2021</a:t>
+              <a:t>01/09/2021</a:t>
             </a:fld>
             <a:endParaRPr lang="en-GB"/>
           </a:p>
@@ -2457,7 +2460,7 @@
           <a:p>
             <a:fld id="{4CAA9714-E498-4BB1-946F-9B4AA3A4C648}" type="datetimeFigureOut">
               <a:rPr lang="en-GB" smtClean="0"/>
-              <a:t>19/08/2021</a:t>
+              <a:t>01/09/2021</a:t>
             </a:fld>
             <a:endParaRPr lang="en-GB"/>
           </a:p>
@@ -2575,7 +2578,7 @@
           <a:p>
             <a:fld id="{4CAA9714-E498-4BB1-946F-9B4AA3A4C648}" type="datetimeFigureOut">
               <a:rPr lang="en-GB" smtClean="0"/>
-              <a:t>19/08/2021</a:t>
+              <a:t>01/09/2021</a:t>
             </a:fld>
             <a:endParaRPr lang="en-GB"/>
           </a:p>
@@ -2670,7 +2673,7 @@
           <a:p>
             <a:fld id="{4CAA9714-E498-4BB1-946F-9B4AA3A4C648}" type="datetimeFigureOut">
               <a:rPr lang="en-GB" smtClean="0"/>
-              <a:t>19/08/2021</a:t>
+              <a:t>01/09/2021</a:t>
             </a:fld>
             <a:endParaRPr lang="en-GB"/>
           </a:p>
@@ -2947,7 +2950,7 @@
           <a:p>
             <a:fld id="{4CAA9714-E498-4BB1-946F-9B4AA3A4C648}" type="datetimeFigureOut">
               <a:rPr lang="en-GB" smtClean="0"/>
-              <a:t>19/08/2021</a:t>
+              <a:t>01/09/2021</a:t>
             </a:fld>
             <a:endParaRPr lang="en-GB"/>
           </a:p>
@@ -3133,7 +3136,7 @@
           <a:p>
             <a:fld id="{487AF601-87C2-46CD-BB30-028CD33F9010}" type="datetimeFigureOut">
               <a:rPr lang="it-IT" smtClean="0"/>
-              <a:t>19/08/2021</a:t>
+              <a:t>01/09/2021</a:t>
             </a:fld>
             <a:endParaRPr lang="it-IT"/>
           </a:p>
@@ -3402,7 +3405,7 @@
           <a:p>
             <a:fld id="{4CAA9714-E498-4BB1-946F-9B4AA3A4C648}" type="datetimeFigureOut">
               <a:rPr lang="en-GB" smtClean="0"/>
-              <a:t>19/08/2021</a:t>
+              <a:t>01/09/2021</a:t>
             </a:fld>
             <a:endParaRPr lang="en-GB"/>
           </a:p>
@@ -3572,7 +3575,7 @@
           <a:p>
             <a:fld id="{4CAA9714-E498-4BB1-946F-9B4AA3A4C648}" type="datetimeFigureOut">
               <a:rPr lang="en-GB" smtClean="0"/>
-              <a:t>19/08/2021</a:t>
+              <a:t>01/09/2021</a:t>
             </a:fld>
             <a:endParaRPr lang="en-GB"/>
           </a:p>
@@ -3752,7 +3755,7 @@
           <a:p>
             <a:fld id="{4CAA9714-E498-4BB1-946F-9B4AA3A4C648}" type="datetimeFigureOut">
               <a:rPr lang="en-GB" smtClean="0"/>
-              <a:t>19/08/2021</a:t>
+              <a:t>01/09/2021</a:t>
             </a:fld>
             <a:endParaRPr lang="en-GB"/>
           </a:p>
@@ -9131,7 +9134,7 @@
           <a:p>
             <a:fld id="{487AF601-87C2-46CD-BB30-028CD33F9010}" type="datetimeFigureOut">
               <a:rPr lang="it-IT" smtClean="0"/>
-              <a:t>19/08/2021</a:t>
+              <a:t>01/09/2021</a:t>
             </a:fld>
             <a:endParaRPr lang="it-IT"/>
           </a:p>
@@ -12575,7 +12578,7 @@
           <a:p>
             <a:fld id="{487AF601-87C2-46CD-BB30-028CD33F9010}" type="datetimeFigureOut">
               <a:rPr lang="it-IT" smtClean="0"/>
-              <a:t>19/08/2021</a:t>
+              <a:t>01/09/2021</a:t>
             </a:fld>
             <a:endParaRPr lang="it-IT"/>
           </a:p>
@@ -12987,7 +12990,7 @@
           <a:p>
             <a:fld id="{487AF601-87C2-46CD-BB30-028CD33F9010}" type="datetimeFigureOut">
               <a:rPr lang="it-IT" smtClean="0"/>
-              <a:t>19/08/2021</a:t>
+              <a:t>01/09/2021</a:t>
             </a:fld>
             <a:endParaRPr lang="it-IT"/>
           </a:p>
@@ -13128,7 +13131,7 @@
           <a:p>
             <a:fld id="{487AF601-87C2-46CD-BB30-028CD33F9010}" type="datetimeFigureOut">
               <a:rPr lang="it-IT" smtClean="0"/>
-              <a:t>19/08/2021</a:t>
+              <a:t>01/09/2021</a:t>
             </a:fld>
             <a:endParaRPr lang="it-IT"/>
           </a:p>
@@ -13241,7 +13244,7 @@
           <a:p>
             <a:fld id="{487AF601-87C2-46CD-BB30-028CD33F9010}" type="datetimeFigureOut">
               <a:rPr lang="it-IT" smtClean="0"/>
-              <a:t>19/08/2021</a:t>
+              <a:t>01/09/2021</a:t>
             </a:fld>
             <a:endParaRPr lang="it-IT"/>
           </a:p>
@@ -13552,7 +13555,7 @@
           <a:p>
             <a:fld id="{487AF601-87C2-46CD-BB30-028CD33F9010}" type="datetimeFigureOut">
               <a:rPr lang="it-IT" smtClean="0"/>
-              <a:t>19/08/2021</a:t>
+              <a:t>01/09/2021</a:t>
             </a:fld>
             <a:endParaRPr lang="it-IT"/>
           </a:p>
@@ -13840,7 +13843,7 @@
           <a:p>
             <a:fld id="{487AF601-87C2-46CD-BB30-028CD33F9010}" type="datetimeFigureOut">
               <a:rPr lang="it-IT" smtClean="0"/>
-              <a:t>19/08/2021</a:t>
+              <a:t>01/09/2021</a:t>
             </a:fld>
             <a:endParaRPr lang="it-IT"/>
           </a:p>
@@ -14081,7 +14084,7 @@
           <a:p>
             <a:fld id="{487AF601-87C2-46CD-BB30-028CD33F9010}" type="datetimeFigureOut">
               <a:rPr lang="it-IT" smtClean="0"/>
-              <a:t>19/08/2021</a:t>
+              <a:t>01/09/2021</a:t>
             </a:fld>
             <a:endParaRPr lang="it-IT"/>
           </a:p>
@@ -14633,7 +14636,7 @@
           <a:p>
             <a:fld id="{4CAA9714-E498-4BB1-946F-9B4AA3A4C648}" type="datetimeFigureOut">
               <a:rPr lang="en-GB" smtClean="0"/>
-              <a:t>19/08/2021</a:t>
+              <a:t>01/09/2021</a:t>
             </a:fld>
             <a:endParaRPr lang="en-GB"/>
           </a:p>
@@ -16749,10 +16752,10 @@
       </p:grpSpPr>
       <p:sp>
         <p:nvSpPr>
-          <p:cNvPr id="2" name="Titolo 1">
+          <p:cNvPr id="4" name="Titolo 3">
             <a:extLst>
               <a:ext uri="{FF2B5EF4-FFF2-40B4-BE49-F238E27FC236}">
-                <a16:creationId xmlns:a16="http://schemas.microsoft.com/office/drawing/2014/main" id="{8691FC51-C450-45C0-A04D-732908FE1EE1}"/>
+                <a16:creationId xmlns:a16="http://schemas.microsoft.com/office/drawing/2014/main" id="{1FCB77A5-9E96-45C2-9637-8D4C2FF2A2F8}"/>
               </a:ext>
             </a:extLst>
           </p:cNvPr>
@@ -16763,21 +16766,40 @@
             <p:ph type="ctrTitle"/>
           </p:nvPr>
         </p:nvSpPr>
-        <p:spPr/>
+        <p:spPr>
+          <a:xfrm>
+            <a:off x="746503" y="1467428"/>
+            <a:ext cx="10844463" cy="2387600"/>
+          </a:xfrm>
+        </p:spPr>
         <p:txBody>
           <a:bodyPr/>
           <a:lstStyle/>
           <a:p>
-            <a:endParaRPr lang="it-IT"/>
-          </a:p>
-        </p:txBody>
-      </p:sp>
-      <p:sp>
-        <p:nvSpPr>
-          <p:cNvPr id="3" name="Sottotitolo 2">
+            <a:r>
+              <a:rPr lang="it-IT" b="1" dirty="0"/>
+              <a:t>Tecnologie Informatiche per il Web</a:t>
+            </a:r>
+            <a:br>
+              <a:rPr lang="it-IT" dirty="0"/>
+            </a:br>
+            <a:r>
+              <a:rPr lang="it-IT" dirty="0"/>
+              <a:t> </a:t>
+            </a:r>
+            <a:r>
+              <a:rPr lang="it-IT" sz="3200" dirty="0"/>
+              <a:t>AA. 2020/21</a:t>
+            </a:r>
+          </a:p>
+        </p:txBody>
+      </p:sp>
+      <p:sp>
+        <p:nvSpPr>
+          <p:cNvPr id="5" name="Sottotitolo 4">
             <a:extLst>
               <a:ext uri="{FF2B5EF4-FFF2-40B4-BE49-F238E27FC236}">
-                <a16:creationId xmlns:a16="http://schemas.microsoft.com/office/drawing/2014/main" id="{E781539C-04ED-4FEE-8766-582EB36F08A3}"/>
+                <a16:creationId xmlns:a16="http://schemas.microsoft.com/office/drawing/2014/main" id="{5101101A-F2BF-427B-91DF-F4729F2EDA6E}"/>
               </a:ext>
             </a:extLst>
           </p:cNvPr>
@@ -16788,19 +16810,43 @@
             <p:ph type="subTitle" idx="1"/>
           </p:nvPr>
         </p:nvSpPr>
-        <p:spPr/>
-        <p:txBody>
-          <a:bodyPr/>
+        <p:spPr>
+          <a:xfrm>
+            <a:off x="1596734" y="4347874"/>
+            <a:ext cx="9144000" cy="1655762"/>
+          </a:xfrm>
+        </p:spPr>
+        <p:txBody>
+          <a:bodyPr>
+            <a:normAutofit/>
+          </a:bodyPr>
           <a:lstStyle/>
           <a:p>
-            <a:endParaRPr lang="it-IT"/>
+            <a:r>
+              <a:rPr lang="it-IT" dirty="0"/>
+              <a:t>Docente: Piero Fraternali</a:t>
+            </a:r>
+          </a:p>
+          <a:p>
+            <a:pPr>
+              <a:lnSpc>
+                <a:spcPct val="100000"/>
+              </a:lnSpc>
+            </a:pPr>
+            <a:endParaRPr lang="it-IT" sz="800" dirty="0"/>
+          </a:p>
+          <a:p>
+            <a:r>
+              <a:rPr lang="it-IT" dirty="0"/>
+              <a:t>Studente: Zheng Maria Yu</a:t>
+            </a:r>
           </a:p>
         </p:txBody>
       </p:sp>
     </p:spTree>
     <p:extLst>
       <p:ext uri="{BB962C8B-B14F-4D97-AF65-F5344CB8AC3E}">
-        <p14:creationId xmlns:p14="http://schemas.microsoft.com/office/powerpoint/2010/main" val="3582323252"/>
+        <p14:creationId xmlns:p14="http://schemas.microsoft.com/office/powerpoint/2010/main" val="1642796590"/>
       </p:ext>
     </p:extLst>
   </p:cSld>
@@ -16829,10 +16875,10 @@
       </p:grpSpPr>
       <p:sp>
         <p:nvSpPr>
-          <p:cNvPr id="4" name="Titolo 3">
+          <p:cNvPr id="2" name="Titolo 1">
             <a:extLst>
               <a:ext uri="{FF2B5EF4-FFF2-40B4-BE49-F238E27FC236}">
-                <a16:creationId xmlns:a16="http://schemas.microsoft.com/office/drawing/2014/main" id="{85E9091D-F543-4CDC-A17B-B04B87A77565}"/>
+                <a16:creationId xmlns:a16="http://schemas.microsoft.com/office/drawing/2014/main" id="{36F20C24-C8EC-4969-99B8-B17B8E39B4A2}"/>
               </a:ext>
             </a:extLst>
           </p:cNvPr>
@@ -16843,29 +16889,29 @@
             <p:ph type="title"/>
           </p:nvPr>
         </p:nvSpPr>
-        <p:spPr>
-          <a:xfrm>
-            <a:off x="838200" y="-16769"/>
-            <a:ext cx="10515600" cy="1325563"/>
-          </a:xfrm>
-        </p:spPr>
+        <p:spPr/>
         <p:txBody>
           <a:bodyPr/>
           <a:lstStyle/>
           <a:p>
             <a:r>
               <a:rPr lang="it-IT" dirty="0"/>
-              <a:t>Analisi dei requisiti dell’applicazione</a:t>
-            </a:r>
-          </a:p>
-        </p:txBody>
-      </p:sp>
-      <p:sp>
-        <p:nvSpPr>
-          <p:cNvPr id="5" name="Segnaposto contenuto 4">
+              <a:t>Versione con </a:t>
+            </a:r>
+            <a:r>
+              <a:rPr lang="it-IT" dirty="0" err="1"/>
+              <a:t>Javascript</a:t>
+            </a:r>
+            <a:endParaRPr lang="it-IT" dirty="0"/>
+          </a:p>
+        </p:txBody>
+      </p:sp>
+      <p:sp>
+        <p:nvSpPr>
+          <p:cNvPr id="3" name="Segnaposto contenuto 2">
             <a:extLst>
               <a:ext uri="{FF2B5EF4-FFF2-40B4-BE49-F238E27FC236}">
-                <a16:creationId xmlns:a16="http://schemas.microsoft.com/office/drawing/2014/main" id="{9A62D560-AFED-473C-80C1-8F270C53A78E}"/>
+                <a16:creationId xmlns:a16="http://schemas.microsoft.com/office/drawing/2014/main" id="{C7010E9C-DD2C-4451-8DF7-9D8250D61CE7}"/>
               </a:ext>
             </a:extLst>
           </p:cNvPr>
@@ -16878,13 +16924,13 @@
         </p:nvSpPr>
         <p:spPr>
           <a:xfrm>
-            <a:off x="838200" y="1090862"/>
-            <a:ext cx="10515600" cy="5213685"/>
+            <a:off x="838200" y="1459832"/>
+            <a:ext cx="10515600" cy="4717131"/>
           </a:xfrm>
         </p:spPr>
         <p:txBody>
           <a:bodyPr>
-            <a:normAutofit/>
+            <a:normAutofit fontScale="85000" lnSpcReduction="20000"/>
           </a:bodyPr>
           <a:lstStyle/>
           <a:p>
@@ -16892,54 +16938,8 @@
               <a:buNone/>
             </a:pPr>
             <a:r>
-              <a:rPr lang="it-IT" sz="2000" dirty="0"/>
-              <a:t>Un’applicazione permette all’utente di gestire una tassonomia di classificazione utile per etichettare immagini allo scopo di consentire la ricerca in base alla categoria. Dopo il </a:t>
-            </a:r>
-            <a:r>
-              <a:rPr lang="it-IT" sz="2000" dirty="0">
-                <a:solidFill>
-                  <a:schemeClr val="accent4">
-                    <a:lumMod val="75000"/>
-                  </a:schemeClr>
-                </a:solidFill>
-              </a:rPr>
-              <a:t>login</a:t>
-            </a:r>
-            <a:r>
-              <a:rPr lang="it-IT" sz="2000" dirty="0"/>
-              <a:t>, l’utente </a:t>
-            </a:r>
-            <a:r>
-              <a:rPr lang="it-IT" sz="2000" dirty="0">
-                <a:solidFill>
-                  <a:srgbClr val="0070C0"/>
-                </a:solidFill>
-              </a:rPr>
-              <a:t>accede a una pagina </a:t>
-            </a:r>
-            <a:r>
-              <a:rPr lang="it-IT" sz="2000" dirty="0">
-                <a:solidFill>
-                  <a:srgbClr val="FF0000"/>
-                </a:solidFill>
-              </a:rPr>
-              <a:t>HOME</a:t>
-            </a:r>
-            <a:r>
-              <a:rPr lang="it-IT" sz="2000" dirty="0"/>
-              <a:t> in cui compare </a:t>
-            </a:r>
-            <a:r>
-              <a:rPr lang="it-IT" sz="2000" dirty="0">
-                <a:solidFill>
-                  <a:srgbClr val="00B050"/>
-                </a:solidFill>
-              </a:rPr>
-              <a:t>un albero gerarchico di categorie</a:t>
-            </a:r>
-            <a:r>
-              <a:rPr lang="it-IT" sz="2000" dirty="0"/>
-              <a:t>. Le categorie non dipendono dall’utente e sono in comune tra tutti gli utenti. Le categorie hanno nomi distinti.</a:t>
+              <a:rPr lang="it-IT" dirty="0"/>
+              <a:t>Si realizzi un’applicazione client server web che estende e/o modifica le specifiche precedenti come segue:</a:t>
             </a:r>
           </a:p>
           <a:p>
@@ -16947,70 +16947,8 @@
               <a:buNone/>
             </a:pPr>
             <a:r>
-              <a:rPr lang="it-IT" sz="2000" dirty="0"/>
-              <a:t>L’utente può </a:t>
-            </a:r>
-            <a:r>
-              <a:rPr lang="it-IT" sz="2000" dirty="0">
-                <a:solidFill>
-                  <a:schemeClr val="accent4">
-                    <a:lumMod val="75000"/>
-                  </a:schemeClr>
-                </a:solidFill>
-              </a:rPr>
-              <a:t>inserire una nuova categoria nell’albero</a:t>
-            </a:r>
-            <a:r>
-              <a:rPr lang="it-IT" sz="2000" dirty="0"/>
-              <a:t>. Per fare ciò usa </a:t>
-            </a:r>
-            <a:r>
-              <a:rPr lang="it-IT" sz="2000" dirty="0">
-                <a:solidFill>
-                  <a:srgbClr val="00B050"/>
-                </a:solidFill>
-              </a:rPr>
-              <a:t>una </a:t>
-            </a:r>
-            <a:r>
-              <a:rPr lang="it-IT" sz="2000" dirty="0" err="1">
-                <a:solidFill>
-                  <a:srgbClr val="00B050"/>
-                </a:solidFill>
-              </a:rPr>
-              <a:t>form</a:t>
-            </a:r>
-            <a:r>
-              <a:rPr lang="it-IT" sz="2000" dirty="0">
-                <a:solidFill>
-                  <a:srgbClr val="00B050"/>
-                </a:solidFill>
-              </a:rPr>
-              <a:t> </a:t>
-            </a:r>
-            <a:r>
-              <a:rPr lang="it-IT" sz="2000" dirty="0"/>
-              <a:t>nella pagina HOME in cui specifica il nome della nuova categoria e sceglie la categoria padre. L’</a:t>
-            </a:r>
-            <a:r>
-              <a:rPr lang="it-IT" sz="2000" dirty="0">
-                <a:solidFill>
-                  <a:srgbClr val="0070C0"/>
-                </a:solidFill>
-              </a:rPr>
-              <a:t>invio</a:t>
-            </a:r>
-            <a:r>
-              <a:rPr lang="it-IT" sz="2000" dirty="0"/>
-              <a:t> della nuova categoria comporta l’aggiornamento dell’albero: la nuova categoria è appesa alla categoria padre come ultimo </a:t>
-            </a:r>
-            <a:r>
-              <a:rPr lang="it-IT" sz="2000" dirty="0" err="1"/>
-              <a:t>sottoelemento</a:t>
-            </a:r>
-            <a:r>
-              <a:rPr lang="it-IT" sz="2000" dirty="0"/>
-              <a:t>. Alla nuova categoria viene assegnato un codice numerico che ne riflette la posizione. Per ogni categoria il numero massimo di sottocategorie è 9.</a:t>
+              <a:rPr lang="it-IT" dirty="0"/>
+              <a:t>● Dopo il login dell’utente, l’intera applicazione è realizzata con un’unica pagina.</a:t>
             </a:r>
           </a:p>
           <a:p>
@@ -17018,70 +16956,8 @@
               <a:buNone/>
             </a:pPr>
             <a:r>
-              <a:rPr lang="it-IT" sz="2000" dirty="0"/>
-              <a:t>Dopo la creazione di una categoria, la pagina HOME mostra l’albero aggiornato. L’utente può </a:t>
-            </a:r>
-            <a:r>
-              <a:rPr lang="it-IT" sz="2000" dirty="0">
-                <a:solidFill>
-                  <a:schemeClr val="accent4">
-                    <a:lumMod val="75000"/>
-                  </a:schemeClr>
-                </a:solidFill>
-              </a:rPr>
-              <a:t>spostare di posizione una categoria</a:t>
-            </a:r>
-            <a:r>
-              <a:rPr lang="it-IT" sz="2000" dirty="0"/>
-              <a:t>: per fare ciò </a:t>
-            </a:r>
-            <a:r>
-              <a:rPr lang="it-IT" sz="2000" dirty="0">
-                <a:solidFill>
-                  <a:srgbClr val="0070C0"/>
-                </a:solidFill>
-              </a:rPr>
-              <a:t>clicca</a:t>
-            </a:r>
-            <a:r>
-              <a:rPr lang="it-IT" sz="2000" dirty="0"/>
-              <a:t> sul </a:t>
-            </a:r>
-            <a:r>
-              <a:rPr lang="it-IT" sz="2000" dirty="0">
-                <a:solidFill>
-                  <a:srgbClr val="00B050"/>
-                </a:solidFill>
-              </a:rPr>
-              <a:t>link “sposta” </a:t>
-            </a:r>
-            <a:r>
-              <a:rPr lang="it-IT" sz="2000" dirty="0"/>
-              <a:t>associato alla categoria da spostare. A seguito di tale azione l’applicazione mostra, sempre nella HOME page, l’albero con evidenziato il sotto albero attestato sulla categoria da spostare: tutte le altre categorie hanno un </a:t>
-            </a:r>
-            <a:r>
-              <a:rPr lang="it-IT" sz="2000" dirty="0">
-                <a:solidFill>
-                  <a:srgbClr val="00B050"/>
-                </a:solidFill>
-              </a:rPr>
-              <a:t>link “sposta qui”</a:t>
-            </a:r>
-            <a:r>
-              <a:rPr lang="it-IT" sz="2000" dirty="0"/>
-              <a:t>. La </a:t>
-            </a:r>
-            <a:r>
-              <a:rPr lang="it-IT" sz="2000" dirty="0">
-                <a:solidFill>
-                  <a:srgbClr val="0070C0"/>
-                </a:solidFill>
-              </a:rPr>
-              <a:t>selezione di un link</a:t>
-            </a:r>
-            <a:r>
-              <a:rPr lang="it-IT" sz="2000" dirty="0"/>
-              <a:t> “sposta qui” comporta l’inserimento della categoria da spostare come ultimo figlio della categoria destinazione.</a:t>
+              <a:rPr lang="it-IT" dirty="0"/>
+              <a:t>● Ogni interazione dell’utente è gestita senza ricaricare completamente la pagina, ma produce l’invocazione asincrona del server e l’eventuale modifica del contenuto da aggiornare a seguito dell’evento. </a:t>
             </a:r>
           </a:p>
           <a:p>
@@ -17089,234 +16965,26 @@
               <a:buNone/>
             </a:pPr>
             <a:r>
-              <a:rPr lang="it-IT" sz="2000" dirty="0"/>
-              <a:t>Le modifiche effettuate da un utente e salvate nella base di dati diventano visibili agli altri utenti. Lo spostamento potrebbe creare un vuoto nella numerazione delle categorie figlie dello stesso padre.</a:t>
+              <a:rPr lang="it-IT" dirty="0"/>
+              <a:t>● La funzione di spostamento di una categoria è realizzata mediante drag &amp; drop.</a:t>
             </a:r>
           </a:p>
           <a:p>
             <a:pPr marL="0" indent="0">
               <a:buNone/>
             </a:pPr>
-            <a:endParaRPr lang="it-IT" sz="2000" dirty="0"/>
-          </a:p>
-        </p:txBody>
-      </p:sp>
-      <p:sp>
-        <p:nvSpPr>
-          <p:cNvPr id="2" name="CasellaDiTesto 1">
-            <a:extLst>
-              <a:ext uri="{FF2B5EF4-FFF2-40B4-BE49-F238E27FC236}">
-                <a16:creationId xmlns:a16="http://schemas.microsoft.com/office/drawing/2014/main" id="{96B10EFC-4989-4772-8382-6D7A253E87E1}"/>
-              </a:ext>
-            </a:extLst>
-          </p:cNvPr>
-          <p:cNvSpPr txBox="1"/>
-          <p:nvPr/>
-        </p:nvSpPr>
-        <p:spPr>
-          <a:xfrm>
-            <a:off x="838200" y="6448926"/>
-            <a:ext cx="3603551" cy="369332"/>
-          </a:xfrm>
-          <a:prstGeom prst="rect">
-            <a:avLst/>
-          </a:prstGeom>
-          <a:noFill/>
-        </p:spPr>
-        <p:txBody>
-          <a:bodyPr wrap="none" rtlCol="0">
-            <a:spAutoFit/>
-          </a:bodyPr>
-          <a:lstStyle/>
-          <a:p>
-            <a:pPr marL="0" marR="0" lvl="0" indent="0" algn="l" defTabSz="914400" rtl="0" eaLnBrk="1" fontAlgn="auto" latinLnBrk="0" hangingPunct="1">
-              <a:lnSpc>
-                <a:spcPct val="100000"/>
-              </a:lnSpc>
-              <a:spcBef>
-                <a:spcPts val="0"/>
-              </a:spcBef>
-              <a:spcAft>
-                <a:spcPts val="0"/>
-              </a:spcAft>
-              <a:buClrTx/>
-              <a:buSzTx/>
-              <a:buFontTx/>
-              <a:buNone/>
-              <a:tabLst/>
-              <a:defRPr/>
+            <a:r>
+              <a:rPr lang="it-IT" dirty="0"/>
+              <a:t>● A seguito del drop della categoria da spostare compare una finestra di dialogo con cui l’utente può confermare o cancellare lo spostamento. La conferma produce l’aggiornamento a lato client dell’albero.</a:t>
+            </a:r>
+          </a:p>
+          <a:p>
+            <a:pPr marL="0" indent="0">
+              <a:buNone/>
             </a:pPr>
             <a:r>
-              <a:rPr kumimoji="0" lang="it-IT" sz="1800" b="0" i="0" u="none" strike="noStrike" kern="1200" cap="none" spc="0" normalizeH="0" baseline="0" noProof="0" dirty="0">
-                <a:ln>
-                  <a:noFill/>
-                </a:ln>
-                <a:solidFill>
-                  <a:prstClr val="black"/>
-                </a:solidFill>
-                <a:effectLst/>
-                <a:uLnTx/>
-                <a:uFillTx/>
-                <a:latin typeface="Calibri" panose="020F0502020204030204"/>
-                <a:ea typeface="+mn-ea"/>
-                <a:cs typeface="+mn-cs"/>
-              </a:rPr>
-              <a:t>(</a:t>
-            </a:r>
-            <a:r>
-              <a:rPr kumimoji="0" lang="it-IT" sz="1800" b="1" i="0" u="none" strike="noStrike" kern="1200" cap="none" spc="0" normalizeH="0" baseline="0" noProof="0" dirty="0">
-                <a:ln>
-                  <a:noFill/>
-                </a:ln>
-                <a:solidFill>
-                  <a:srgbClr val="FF0000"/>
-                </a:solidFill>
-                <a:effectLst/>
-                <a:uLnTx/>
-                <a:uFillTx/>
-                <a:latin typeface="Calibri" panose="020F0502020204030204"/>
-                <a:ea typeface="+mn-ea"/>
-                <a:cs typeface="+mn-cs"/>
-              </a:rPr>
-              <a:t>Pagine</a:t>
-            </a:r>
-            <a:r>
-              <a:rPr kumimoji="0" lang="it-IT" sz="1800" b="0" i="0" u="none" strike="noStrike" kern="1200" cap="none" spc="0" normalizeH="0" baseline="0" noProof="0" dirty="0">
-                <a:ln>
-                  <a:noFill/>
-                </a:ln>
-                <a:solidFill>
-                  <a:prstClr val="black"/>
-                </a:solidFill>
-                <a:effectLst/>
-                <a:uLnTx/>
-                <a:uFillTx/>
-                <a:latin typeface="Calibri" panose="020F0502020204030204"/>
-                <a:ea typeface="+mn-ea"/>
-                <a:cs typeface="+mn-cs"/>
-              </a:rPr>
-              <a:t>, </a:t>
-            </a:r>
-            <a:r>
-              <a:rPr kumimoji="0" lang="it-IT" sz="1800" b="1" i="0" u="none" strike="noStrike" kern="1200" cap="none" spc="0" normalizeH="0" baseline="0" noProof="0" dirty="0">
-                <a:ln>
-                  <a:noFill/>
-                </a:ln>
-                <a:solidFill>
-                  <a:srgbClr val="00B050"/>
-                </a:solidFill>
-                <a:effectLst/>
-                <a:uLnTx/>
-                <a:uFillTx/>
-                <a:latin typeface="Calibri" panose="020F0502020204030204"/>
-                <a:ea typeface="+mn-ea"/>
-                <a:cs typeface="+mn-cs"/>
-              </a:rPr>
-              <a:t>componenti</a:t>
-            </a:r>
-            <a:r>
-              <a:rPr kumimoji="0" lang="it-IT" sz="1800" b="0" i="0" u="none" strike="noStrike" kern="1200" cap="none" spc="0" normalizeH="0" baseline="0" noProof="0" dirty="0">
-                <a:ln>
-                  <a:noFill/>
-                </a:ln>
-                <a:solidFill>
-                  <a:prstClr val="black"/>
-                </a:solidFill>
-                <a:effectLst/>
-                <a:uLnTx/>
-                <a:uFillTx/>
-                <a:latin typeface="Calibri" panose="020F0502020204030204"/>
-                <a:ea typeface="+mn-ea"/>
-                <a:cs typeface="+mn-cs"/>
-              </a:rPr>
-              <a:t>, </a:t>
-            </a:r>
-            <a:r>
-              <a:rPr kumimoji="0" lang="it-IT" sz="1800" b="1" i="0" u="none" strike="noStrike" kern="1200" cap="none" spc="0" normalizeH="0" baseline="0" noProof="0" dirty="0">
-                <a:ln>
-                  <a:noFill/>
-                </a:ln>
-                <a:solidFill>
-                  <a:srgbClr val="0070C0"/>
-                </a:solidFill>
-                <a:effectLst/>
-                <a:uLnTx/>
-                <a:uFillTx/>
-                <a:latin typeface="Calibri" panose="020F0502020204030204"/>
-                <a:ea typeface="+mn-ea"/>
-                <a:cs typeface="+mn-cs"/>
-              </a:rPr>
-              <a:t>eventi</a:t>
-            </a:r>
-            <a:r>
-              <a:rPr kumimoji="0" lang="it-IT" sz="1800" b="0" i="0" u="none" strike="noStrike" kern="1200" cap="none" spc="0" normalizeH="0" baseline="0" noProof="0" dirty="0">
-                <a:ln>
-                  <a:noFill/>
-                </a:ln>
-                <a:solidFill>
-                  <a:prstClr val="black"/>
-                </a:solidFill>
-                <a:effectLst/>
-                <a:uLnTx/>
-                <a:uFillTx/>
-                <a:latin typeface="Calibri" panose="020F0502020204030204"/>
-                <a:ea typeface="+mn-ea"/>
-                <a:cs typeface="+mn-cs"/>
-              </a:rPr>
-              <a:t>,</a:t>
-            </a:r>
-            <a:r>
-              <a:rPr kumimoji="0" lang="it-IT" sz="1800" b="0" i="0" u="none" strike="noStrike" kern="1200" cap="none" spc="0" normalizeH="0" baseline="0" noProof="0" dirty="0">
-                <a:ln>
-                  <a:noFill/>
-                </a:ln>
-                <a:solidFill>
-                  <a:srgbClr val="0070C0"/>
-                </a:solidFill>
-                <a:effectLst/>
-                <a:uLnTx/>
-                <a:uFillTx/>
-                <a:latin typeface="Calibri" panose="020F0502020204030204"/>
-                <a:ea typeface="+mn-ea"/>
-                <a:cs typeface="+mn-cs"/>
-              </a:rPr>
-              <a:t> </a:t>
-            </a:r>
-            <a:r>
-              <a:rPr kumimoji="0" lang="it-IT" sz="1800" b="1" i="0" u="none" strike="noStrike" kern="1200" cap="none" spc="0" normalizeH="0" baseline="0" noProof="0" dirty="0">
-                <a:ln>
-                  <a:noFill/>
-                </a:ln>
-                <a:solidFill>
-                  <a:srgbClr val="FFC000">
-                    <a:lumMod val="75000"/>
-                  </a:srgbClr>
-                </a:solidFill>
-                <a:effectLst/>
-                <a:uLnTx/>
-                <a:uFillTx/>
-                <a:latin typeface="Calibri" panose="020F0502020204030204"/>
-                <a:ea typeface="+mn-ea"/>
-                <a:cs typeface="+mn-cs"/>
-              </a:rPr>
-              <a:t>azioni</a:t>
-            </a:r>
-            <a:r>
-              <a:rPr kumimoji="0" lang="it-IT" sz="1800" b="0" i="0" u="none" strike="noStrike" kern="1200" cap="none" spc="0" normalizeH="0" baseline="0" noProof="0" dirty="0">
-                <a:ln>
-                  <a:noFill/>
-                </a:ln>
-                <a:solidFill>
-                  <a:prstClr val="black"/>
-                </a:solidFill>
-                <a:effectLst/>
-                <a:uLnTx/>
-                <a:uFillTx/>
-                <a:latin typeface="Calibri" panose="020F0502020204030204"/>
-                <a:ea typeface="+mn-ea"/>
-                <a:cs typeface="+mn-cs"/>
-              </a:rPr>
-              <a:t>)</a:t>
+              <a:rPr lang="it-IT" dirty="0"/>
+              <a:t>● L’utente realizza spostamenti anche multipli a lato client. A seguito del primo spostamento compare un bottone SALVA la cui pressione provoca l’invio al server dell’elenco degli spostamenti realizzati (NON dell’intero albero). L’invio degli spostamenti produce l’aggiornamento dell’albero nella base dei dati e la comparsa di un messaggio di conferma dell’avvenuto salvataggio.</a:t>
             </a:r>
           </a:p>
         </p:txBody>
@@ -17324,7 +16992,7 @@
     </p:spTree>
     <p:extLst>
       <p:ext uri="{BB962C8B-B14F-4D97-AF65-F5344CB8AC3E}">
-        <p14:creationId xmlns:p14="http://schemas.microsoft.com/office/powerpoint/2010/main" val="655870872"/>
+        <p14:creationId xmlns:p14="http://schemas.microsoft.com/office/powerpoint/2010/main" val="2607107032"/>
       </p:ext>
     </p:extLst>
   </p:cSld>
@@ -17335,111 +17003,6 @@
 </file>
 
 <file path=ppt/slides/slide11.xml><?xml version="1.0" encoding="utf-8"?>
-<p:sld xmlns:a="http://schemas.openxmlformats.org/drawingml/2006/main" xmlns:r="http://schemas.openxmlformats.org/officeDocument/2006/relationships" xmlns:p="http://schemas.openxmlformats.org/presentationml/2006/main">
-  <p:cSld>
-    <p:spTree>
-      <p:nvGrpSpPr>
-        <p:cNvPr id="1" name=""/>
-        <p:cNvGrpSpPr/>
-        <p:nvPr/>
-      </p:nvGrpSpPr>
-      <p:grpSpPr>
-        <a:xfrm>
-          <a:off x="0" y="0"/>
-          <a:ext cx="0" cy="0"/>
-          <a:chOff x="0" y="0"/>
-          <a:chExt cx="0" cy="0"/>
-        </a:xfrm>
-      </p:grpSpPr>
-      <p:sp>
-        <p:nvSpPr>
-          <p:cNvPr id="2" name="Titolo 1">
-            <a:extLst>
-              <a:ext uri="{FF2B5EF4-FFF2-40B4-BE49-F238E27FC236}">
-                <a16:creationId xmlns:a16="http://schemas.microsoft.com/office/drawing/2014/main" id="{6007D813-4A39-4AA9-992F-632FE8BE3EB3}"/>
-              </a:ext>
-            </a:extLst>
-          </p:cNvPr>
-          <p:cNvSpPr>
-            <a:spLocks noGrp="1"/>
-          </p:cNvSpPr>
-          <p:nvPr>
-            <p:ph type="title"/>
-          </p:nvPr>
-        </p:nvSpPr>
-        <p:spPr/>
-        <p:txBody>
-          <a:bodyPr/>
-          <a:lstStyle/>
-          <a:p>
-            <a:r>
-              <a:rPr lang="it-IT" dirty="0"/>
-              <a:t>Completamento delle specifiche</a:t>
-            </a:r>
-          </a:p>
-        </p:txBody>
-      </p:sp>
-      <p:sp>
-        <p:nvSpPr>
-          <p:cNvPr id="3" name="Segnaposto contenuto 2">
-            <a:extLst>
-              <a:ext uri="{FF2B5EF4-FFF2-40B4-BE49-F238E27FC236}">
-                <a16:creationId xmlns:a16="http://schemas.microsoft.com/office/drawing/2014/main" id="{D9E45FC6-B724-4116-BDFB-097E35E31870}"/>
-              </a:ext>
-            </a:extLst>
-          </p:cNvPr>
-          <p:cNvSpPr>
-            <a:spLocks noGrp="1"/>
-          </p:cNvSpPr>
-          <p:nvPr>
-            <p:ph idx="1"/>
-          </p:nvPr>
-        </p:nvSpPr>
-        <p:spPr/>
-        <p:txBody>
-          <a:bodyPr/>
-          <a:lstStyle/>
-          <a:p>
-            <a:pPr>
-              <a:buFontTx/>
-              <a:buChar char="-"/>
-            </a:pPr>
-            <a:r>
-              <a:rPr lang="it-IT" dirty="0"/>
-              <a:t>Si effettua il login nella </a:t>
-            </a:r>
-            <a:r>
-              <a:rPr lang="it-IT" dirty="0">
-                <a:solidFill>
-                  <a:srgbClr val="FF0000"/>
-                </a:solidFill>
-              </a:rPr>
-              <a:t>pagina di default</a:t>
-            </a:r>
-          </a:p>
-          <a:p>
-            <a:pPr>
-              <a:buFontTx/>
-              <a:buChar char="-"/>
-            </a:pPr>
-            <a:endParaRPr lang="it-IT" dirty="0"/>
-          </a:p>
-        </p:txBody>
-      </p:sp>
-    </p:spTree>
-    <p:extLst>
-      <p:ext uri="{BB962C8B-B14F-4D97-AF65-F5344CB8AC3E}">
-        <p14:creationId xmlns:p14="http://schemas.microsoft.com/office/powerpoint/2010/main" val="672476522"/>
-      </p:ext>
-    </p:extLst>
-  </p:cSld>
-  <p:clrMapOvr>
-    <a:masterClrMapping/>
-  </p:clrMapOvr>
-</p:sld>
-</file>
-
-<file path=ppt/slides/slide12.xml><?xml version="1.0" encoding="utf-8"?>
 <p:sld xmlns:a="http://schemas.openxmlformats.org/drawingml/2006/main" xmlns:r="http://schemas.openxmlformats.org/officeDocument/2006/relationships" xmlns:p="http://schemas.openxmlformats.org/presentationml/2006/main">
   <p:cSld>
     <p:spTree>
@@ -18834,7 +18397,7 @@
 </p:sld>
 </file>
 
-<file path=ppt/slides/slide13.xml><?xml version="1.0" encoding="utf-8"?>
+<file path=ppt/slides/slide12.xml><?xml version="1.0" encoding="utf-8"?>
 <p:sld xmlns:a="http://schemas.openxmlformats.org/drawingml/2006/main" xmlns:r="http://schemas.openxmlformats.org/officeDocument/2006/relationships" xmlns:p="http://schemas.openxmlformats.org/presentationml/2006/main">
   <p:cSld>
     <p:spTree>
@@ -22065,6 +21628,89 @@
 </p:sld>
 </file>
 
+<file path=ppt/slides/slide13.xml><?xml version="1.0" encoding="utf-8"?>
+<p:sld xmlns:a="http://schemas.openxmlformats.org/drawingml/2006/main" xmlns:r="http://schemas.openxmlformats.org/officeDocument/2006/relationships" xmlns:p="http://schemas.openxmlformats.org/presentationml/2006/main">
+  <p:cSld>
+    <p:spTree>
+      <p:nvGrpSpPr>
+        <p:cNvPr id="1" name=""/>
+        <p:cNvGrpSpPr/>
+        <p:nvPr/>
+      </p:nvGrpSpPr>
+      <p:grpSpPr>
+        <a:xfrm>
+          <a:off x="0" y="0"/>
+          <a:ext cx="0" cy="0"/>
+          <a:chOff x="0" y="0"/>
+          <a:chExt cx="0" cy="0"/>
+        </a:xfrm>
+      </p:grpSpPr>
+      <p:sp>
+        <p:nvSpPr>
+          <p:cNvPr id="2" name="Titolo 1">
+            <a:extLst>
+              <a:ext uri="{FF2B5EF4-FFF2-40B4-BE49-F238E27FC236}">
+                <a16:creationId xmlns:a16="http://schemas.microsoft.com/office/drawing/2014/main" id="{1B3176B3-2BF8-42BD-BBE1-5ED359B21BD0}"/>
+              </a:ext>
+            </a:extLst>
+          </p:cNvPr>
+          <p:cNvSpPr>
+            <a:spLocks noGrp="1"/>
+          </p:cNvSpPr>
+          <p:nvPr>
+            <p:ph type="title"/>
+          </p:nvPr>
+        </p:nvSpPr>
+        <p:spPr/>
+        <p:txBody>
+          <a:bodyPr/>
+          <a:lstStyle/>
+          <a:p>
+            <a:r>
+              <a:rPr lang="it-IT" dirty="0"/>
+              <a:t>Progettazione dell’applicazione</a:t>
+            </a:r>
+          </a:p>
+        </p:txBody>
+      </p:sp>
+      <p:sp>
+        <p:nvSpPr>
+          <p:cNvPr id="3" name="Segnaposto contenuto 2">
+            <a:extLst>
+              <a:ext uri="{FF2B5EF4-FFF2-40B4-BE49-F238E27FC236}">
+                <a16:creationId xmlns:a16="http://schemas.microsoft.com/office/drawing/2014/main" id="{F1848E88-5E3F-4A30-890E-9DAB5285AFBA}"/>
+              </a:ext>
+            </a:extLst>
+          </p:cNvPr>
+          <p:cNvSpPr>
+            <a:spLocks noGrp="1"/>
+          </p:cNvSpPr>
+          <p:nvPr>
+            <p:ph idx="1"/>
+          </p:nvPr>
+        </p:nvSpPr>
+        <p:spPr/>
+        <p:txBody>
+          <a:bodyPr/>
+          <a:lstStyle/>
+          <a:p>
+            <a:endParaRPr lang="it-IT"/>
+          </a:p>
+        </p:txBody>
+      </p:sp>
+    </p:spTree>
+    <p:extLst>
+      <p:ext uri="{BB962C8B-B14F-4D97-AF65-F5344CB8AC3E}">
+        <p14:creationId xmlns:p14="http://schemas.microsoft.com/office/powerpoint/2010/main" val="2392166204"/>
+      </p:ext>
+    </p:extLst>
+  </p:cSld>
+  <p:clrMapOvr>
+    <a:masterClrMapping/>
+  </p:clrMapOvr>
+</p:sld>
+</file>
+
 <file path=ppt/slides/slide14.xml><?xml version="1.0" encoding="utf-8"?>
 <p:sld xmlns:a="http://schemas.openxmlformats.org/drawingml/2006/main" xmlns:r="http://schemas.openxmlformats.org/officeDocument/2006/relationships" xmlns:p="http://schemas.openxmlformats.org/presentationml/2006/main">
   <p:cSld>
@@ -22087,7 +21733,7 @@
           <p:cNvPr id="2" name="Titolo 1">
             <a:extLst>
               <a:ext uri="{FF2B5EF4-FFF2-40B4-BE49-F238E27FC236}">
-                <a16:creationId xmlns:a16="http://schemas.microsoft.com/office/drawing/2014/main" id="{1B3176B3-2BF8-42BD-BBE1-5ED359B21BD0}"/>
+                <a16:creationId xmlns:a16="http://schemas.microsoft.com/office/drawing/2014/main" id="{2F72BC08-9961-4F69-B13F-37D06F02B329}"/>
               </a:ext>
             </a:extLst>
           </p:cNvPr>
@@ -22098,14 +21744,19 @@
             <p:ph type="title"/>
           </p:nvPr>
         </p:nvSpPr>
-        <p:spPr/>
+        <p:spPr>
+          <a:xfrm>
+            <a:off x="838200" y="204703"/>
+            <a:ext cx="10515600" cy="1325563"/>
+          </a:xfrm>
+        </p:spPr>
         <p:txBody>
           <a:bodyPr/>
           <a:lstStyle/>
           <a:p>
             <a:r>
               <a:rPr lang="it-IT" dirty="0"/>
-              <a:t>Progettazione dell’applicazione</a:t>
+              <a:t>Componenti</a:t>
             </a:r>
           </a:p>
         </p:txBody>
@@ -22115,7 +21766,7 @@
           <p:cNvPr id="3" name="Segnaposto contenuto 2">
             <a:extLst>
               <a:ext uri="{FF2B5EF4-FFF2-40B4-BE49-F238E27FC236}">
-                <a16:creationId xmlns:a16="http://schemas.microsoft.com/office/drawing/2014/main" id="{F1848E88-5E3F-4A30-890E-9DAB5285AFBA}"/>
+                <a16:creationId xmlns:a16="http://schemas.microsoft.com/office/drawing/2014/main" id="{B6F1163A-414F-4A7D-9A28-79BE2B5AF522}"/>
               </a:ext>
             </a:extLst>
           </p:cNvPr>
@@ -22123,22 +21774,398 @@
             <a:spLocks noGrp="1"/>
           </p:cNvSpPr>
           <p:nvPr>
-            <p:ph idx="1"/>
+            <p:ph sz="half" idx="1"/>
           </p:nvPr>
         </p:nvSpPr>
-        <p:spPr/>
-        <p:txBody>
-          <a:bodyPr/>
+        <p:spPr>
+          <a:xfrm>
+            <a:off x="577516" y="1411705"/>
+            <a:ext cx="5442284" cy="4765258"/>
+          </a:xfrm>
+        </p:spPr>
+        <p:txBody>
+          <a:bodyPr>
+            <a:normAutofit fontScale="92500" lnSpcReduction="10000"/>
+          </a:bodyPr>
           <a:lstStyle/>
           <a:p>
-            <a:endParaRPr lang="it-IT"/>
+            <a:r>
+              <a:rPr lang="it-IT" dirty="0"/>
+              <a:t>Model </a:t>
+            </a:r>
+            <a:r>
+              <a:rPr lang="it-IT" dirty="0" err="1"/>
+              <a:t>objects</a:t>
+            </a:r>
+            <a:r>
+              <a:rPr lang="it-IT" dirty="0"/>
+              <a:t> (</a:t>
+            </a:r>
+            <a:r>
+              <a:rPr lang="it-IT" dirty="0" err="1"/>
+              <a:t>Beans</a:t>
+            </a:r>
+            <a:r>
+              <a:rPr lang="it-IT" dirty="0"/>
+              <a:t>)</a:t>
+            </a:r>
+          </a:p>
+          <a:p>
+            <a:pPr lvl="1">
+              <a:buFontTx/>
+              <a:buChar char="-"/>
+            </a:pPr>
+            <a:r>
+              <a:rPr lang="it-IT" dirty="0"/>
+              <a:t>User</a:t>
+            </a:r>
+          </a:p>
+          <a:p>
+            <a:pPr lvl="1">
+              <a:buFontTx/>
+              <a:buChar char="-"/>
+            </a:pPr>
+            <a:r>
+              <a:rPr lang="it-IT" dirty="0" err="1"/>
+              <a:t>Category</a:t>
+            </a:r>
+            <a:endParaRPr lang="it-IT" dirty="0"/>
+          </a:p>
+          <a:p>
+            <a:r>
+              <a:rPr lang="it-IT" dirty="0"/>
+              <a:t>Data Access Objects (Classes)</a:t>
+            </a:r>
+          </a:p>
+          <a:p>
+            <a:pPr>
+              <a:buFontTx/>
+              <a:buChar char="-"/>
+            </a:pPr>
+            <a:r>
+              <a:rPr lang="it-IT" dirty="0" err="1"/>
+              <a:t>UserDAO</a:t>
+            </a:r>
+            <a:endParaRPr lang="it-IT" dirty="0"/>
+          </a:p>
+          <a:p>
+            <a:pPr lvl="1">
+              <a:buFontTx/>
+              <a:buChar char="-"/>
+            </a:pPr>
+            <a:r>
+              <a:rPr lang="it-IT" dirty="0" err="1"/>
+              <a:t>checkCredentials</a:t>
+            </a:r>
+            <a:r>
+              <a:rPr lang="it-IT" dirty="0"/>
+              <a:t>(</a:t>
+            </a:r>
+            <a:r>
+              <a:rPr lang="it-IT" dirty="0" err="1"/>
+              <a:t>username,password</a:t>
+            </a:r>
+            <a:r>
+              <a:rPr lang="it-IT" dirty="0"/>
+              <a:t>)</a:t>
+            </a:r>
+          </a:p>
+          <a:p>
+            <a:pPr>
+              <a:buFontTx/>
+              <a:buChar char="-"/>
+            </a:pPr>
+            <a:r>
+              <a:rPr lang="it-IT" dirty="0" err="1"/>
+              <a:t>CategoryDAO</a:t>
+            </a:r>
+            <a:endParaRPr lang="it-IT" dirty="0"/>
+          </a:p>
+          <a:p>
+            <a:pPr lvl="1">
+              <a:buFontTx/>
+              <a:buChar char="-"/>
+            </a:pPr>
+            <a:r>
+              <a:rPr lang="it-IT" dirty="0" err="1"/>
+              <a:t>findAllCategories</a:t>
+            </a:r>
+            <a:r>
+              <a:rPr lang="it-IT" dirty="0"/>
+              <a:t>()</a:t>
+            </a:r>
+          </a:p>
+          <a:p>
+            <a:pPr lvl="1">
+              <a:buFontTx/>
+              <a:buChar char="-"/>
+            </a:pPr>
+            <a:r>
+              <a:rPr lang="it-IT" dirty="0" err="1"/>
+              <a:t>findTopsAndSubtrees</a:t>
+            </a:r>
+            <a:r>
+              <a:rPr lang="it-IT" dirty="0"/>
+              <a:t>()</a:t>
+            </a:r>
+          </a:p>
+          <a:p>
+            <a:pPr lvl="1">
+              <a:buFontTx/>
+              <a:buChar char="-"/>
+            </a:pPr>
+            <a:r>
+              <a:rPr lang="it-IT" dirty="0" err="1"/>
+              <a:t>findSubclasses</a:t>
+            </a:r>
+            <a:r>
+              <a:rPr lang="it-IT" dirty="0"/>
+              <a:t>(</a:t>
+            </a:r>
+            <a:r>
+              <a:rPr lang="it-IT" dirty="0" err="1"/>
+              <a:t>category</a:t>
+            </a:r>
+            <a:r>
+              <a:rPr lang="it-IT" dirty="0"/>
+              <a:t>)</a:t>
+            </a:r>
+          </a:p>
+          <a:p>
+            <a:pPr lvl="1">
+              <a:buFontTx/>
+              <a:buChar char="-"/>
+            </a:pPr>
+            <a:r>
+              <a:rPr lang="it-IT" dirty="0" err="1"/>
+              <a:t>createCategory</a:t>
+            </a:r>
+            <a:r>
+              <a:rPr lang="it-IT" dirty="0"/>
+              <a:t>(</a:t>
+            </a:r>
+            <a:r>
+              <a:rPr lang="it-IT" dirty="0" err="1"/>
+              <a:t>name,fid</a:t>
+            </a:r>
+            <a:r>
+              <a:rPr lang="it-IT" dirty="0"/>
+              <a:t>)</a:t>
+            </a:r>
+          </a:p>
+          <a:p>
+            <a:pPr lvl="1">
+              <a:buFontTx/>
+              <a:buChar char="-"/>
+            </a:pPr>
+            <a:r>
+              <a:rPr lang="it-IT" dirty="0" err="1"/>
+              <a:t>moveCategory</a:t>
+            </a:r>
+            <a:r>
+              <a:rPr lang="it-IT" dirty="0"/>
+              <a:t>(</a:t>
+            </a:r>
+            <a:r>
+              <a:rPr lang="it-IT" dirty="0" err="1"/>
+              <a:t>cid,destid</a:t>
+            </a:r>
+            <a:r>
+              <a:rPr lang="it-IT" dirty="0"/>
+              <a:t>)</a:t>
+            </a:r>
+          </a:p>
+          <a:p>
+            <a:pPr marL="457200" lvl="1" indent="0">
+              <a:buNone/>
+            </a:pPr>
+            <a:endParaRPr lang="it-IT" dirty="0"/>
+          </a:p>
+          <a:p>
+            <a:pPr lvl="1">
+              <a:buFontTx/>
+              <a:buChar char="-"/>
+            </a:pPr>
+            <a:endParaRPr lang="it-IT" dirty="0"/>
+          </a:p>
+          <a:p>
+            <a:pPr marL="0" indent="0">
+              <a:buNone/>
+            </a:pPr>
+            <a:endParaRPr lang="it-IT" dirty="0"/>
+          </a:p>
+          <a:p>
+            <a:endParaRPr lang="it-IT" dirty="0"/>
+          </a:p>
+        </p:txBody>
+      </p:sp>
+      <p:sp>
+        <p:nvSpPr>
+          <p:cNvPr id="4" name="Segnaposto contenuto 3">
+            <a:extLst>
+              <a:ext uri="{FF2B5EF4-FFF2-40B4-BE49-F238E27FC236}">
+                <a16:creationId xmlns:a16="http://schemas.microsoft.com/office/drawing/2014/main" id="{214A45AE-1645-4998-A930-242D8B8E7F8C}"/>
+              </a:ext>
+            </a:extLst>
+          </p:cNvPr>
+          <p:cNvSpPr>
+            <a:spLocks noGrp="1"/>
+          </p:cNvSpPr>
+          <p:nvPr>
+            <p:ph sz="half" idx="2"/>
+          </p:nvPr>
+        </p:nvSpPr>
+        <p:spPr>
+          <a:xfrm>
+            <a:off x="6172200" y="1411705"/>
+            <a:ext cx="5442284" cy="4765258"/>
+          </a:xfrm>
+        </p:spPr>
+        <p:txBody>
+          <a:bodyPr>
+            <a:normAutofit fontScale="92500" lnSpcReduction="10000"/>
+          </a:bodyPr>
+          <a:lstStyle/>
+          <a:p>
+            <a:r>
+              <a:rPr lang="it-IT" dirty="0"/>
+              <a:t>Controllers (</a:t>
+            </a:r>
+            <a:r>
+              <a:rPr lang="it-IT" dirty="0" err="1"/>
+              <a:t>Servlets</a:t>
+            </a:r>
+            <a:r>
+              <a:rPr lang="it-IT" dirty="0"/>
+              <a:t>)</a:t>
+            </a:r>
+          </a:p>
+          <a:p>
+            <a:pPr lvl="1">
+              <a:buFontTx/>
+              <a:buChar char="-"/>
+            </a:pPr>
+            <a:r>
+              <a:rPr lang="it-IT" dirty="0"/>
+              <a:t>Login</a:t>
+            </a:r>
+          </a:p>
+          <a:p>
+            <a:pPr lvl="1">
+              <a:buFontTx/>
+              <a:buChar char="-"/>
+            </a:pPr>
+            <a:r>
+              <a:rPr lang="it-IT" dirty="0" err="1"/>
+              <a:t>GoToHomePage</a:t>
+            </a:r>
+            <a:endParaRPr lang="it-IT" dirty="0"/>
+          </a:p>
+          <a:p>
+            <a:pPr lvl="1">
+              <a:buFontTx/>
+              <a:buChar char="-"/>
+            </a:pPr>
+            <a:r>
+              <a:rPr lang="it-IT" dirty="0" err="1"/>
+              <a:t>CreateCategory</a:t>
+            </a:r>
+            <a:endParaRPr lang="it-IT" dirty="0"/>
+          </a:p>
+          <a:p>
+            <a:pPr lvl="1">
+              <a:buFontTx/>
+              <a:buChar char="-"/>
+            </a:pPr>
+            <a:r>
+              <a:rPr lang="it-IT" dirty="0" err="1"/>
+              <a:t>GoToMovePage</a:t>
+            </a:r>
+            <a:endParaRPr lang="it-IT" dirty="0"/>
+          </a:p>
+          <a:p>
+            <a:pPr lvl="1">
+              <a:buFontTx/>
+              <a:buChar char="-"/>
+            </a:pPr>
+            <a:r>
+              <a:rPr lang="it-IT" dirty="0" err="1"/>
+              <a:t>MoveCategory</a:t>
+            </a:r>
+            <a:endParaRPr lang="it-IT" dirty="0"/>
+          </a:p>
+          <a:p>
+            <a:pPr lvl="1">
+              <a:buFontTx/>
+              <a:buChar char="-"/>
+            </a:pPr>
+            <a:r>
+              <a:rPr lang="it-IT" dirty="0"/>
+              <a:t>Logout</a:t>
+            </a:r>
+          </a:p>
+          <a:p>
+            <a:pPr marL="0" indent="0">
+              <a:buNone/>
+            </a:pPr>
+            <a:endParaRPr lang="it-IT" dirty="0"/>
+          </a:p>
+          <a:p>
+            <a:r>
+              <a:rPr lang="it-IT" dirty="0" err="1"/>
+              <a:t>Views</a:t>
+            </a:r>
+            <a:r>
+              <a:rPr lang="it-IT" dirty="0"/>
+              <a:t> (Templates)</a:t>
+            </a:r>
+          </a:p>
+          <a:p>
+            <a:pPr lvl="1">
+              <a:buFontTx/>
+              <a:buChar char="-"/>
+            </a:pPr>
+            <a:r>
+              <a:rPr lang="it-IT" dirty="0"/>
+              <a:t>Home</a:t>
+            </a:r>
+          </a:p>
+          <a:p>
+            <a:pPr lvl="1">
+              <a:buFontTx/>
+              <a:buChar char="-"/>
+            </a:pPr>
+            <a:r>
+              <a:rPr lang="it-IT" dirty="0" err="1"/>
+              <a:t>Category</a:t>
+            </a:r>
+            <a:r>
+              <a:rPr lang="it-IT" dirty="0"/>
+              <a:t> </a:t>
+            </a:r>
+            <a:r>
+              <a:rPr lang="it-IT" dirty="0" err="1"/>
+              <a:t>tree</a:t>
+            </a:r>
+            <a:r>
+              <a:rPr lang="it-IT" dirty="0"/>
+              <a:t> (</a:t>
+            </a:r>
+            <a:r>
+              <a:rPr lang="it-IT" dirty="0" err="1"/>
+              <a:t>fragment</a:t>
+            </a:r>
+            <a:r>
+              <a:rPr lang="it-IT" dirty="0"/>
+              <a:t>)</a:t>
+            </a:r>
           </a:p>
         </p:txBody>
       </p:sp>
     </p:spTree>
     <p:extLst>
       <p:ext uri="{BB962C8B-B14F-4D97-AF65-F5344CB8AC3E}">
-        <p14:creationId xmlns:p14="http://schemas.microsoft.com/office/powerpoint/2010/main" val="2392166204"/>
+        <p14:creationId xmlns:p14="http://schemas.microsoft.com/office/powerpoint/2010/main" val="2273823986"/>
       </p:ext>
     </p:extLst>
   </p:cSld>
@@ -22170,7 +22197,7 @@
           <p:cNvPr id="2" name="Titolo 1">
             <a:extLst>
               <a:ext uri="{FF2B5EF4-FFF2-40B4-BE49-F238E27FC236}">
-                <a16:creationId xmlns:a16="http://schemas.microsoft.com/office/drawing/2014/main" id="{2F72BC08-9961-4F69-B13F-37D06F02B329}"/>
+                <a16:creationId xmlns:a16="http://schemas.microsoft.com/office/drawing/2014/main" id="{DFBFF9B4-CB2A-47A7-AC5D-27CAD2356169}"/>
               </a:ext>
             </a:extLst>
           </p:cNvPr>
@@ -22181,20 +22208,12 @@
             <p:ph type="title"/>
           </p:nvPr>
         </p:nvSpPr>
-        <p:spPr>
-          <a:xfrm>
-            <a:off x="838200" y="204703"/>
-            <a:ext cx="10515600" cy="1325563"/>
-          </a:xfrm>
-        </p:spPr>
+        <p:spPr/>
         <p:txBody>
           <a:bodyPr/>
           <a:lstStyle/>
           <a:p>
-            <a:r>
-              <a:rPr lang="it-IT" dirty="0"/>
-              <a:t>Componenti</a:t>
-            </a:r>
+            <a:endParaRPr lang="it-IT"/>
           </a:p>
         </p:txBody>
       </p:sp>
@@ -22203,7 +22222,7 @@
           <p:cNvPr id="3" name="Segnaposto contenuto 2">
             <a:extLst>
               <a:ext uri="{FF2B5EF4-FFF2-40B4-BE49-F238E27FC236}">
-                <a16:creationId xmlns:a16="http://schemas.microsoft.com/office/drawing/2014/main" id="{B6F1163A-414F-4A7D-9A28-79BE2B5AF522}"/>
+                <a16:creationId xmlns:a16="http://schemas.microsoft.com/office/drawing/2014/main" id="{2853E801-DD55-4A36-81BE-B2CD9B91E89B}"/>
               </a:ext>
             </a:extLst>
           </p:cNvPr>
@@ -22211,398 +22230,22 @@
             <a:spLocks noGrp="1"/>
           </p:cNvSpPr>
           <p:nvPr>
-            <p:ph sz="half" idx="1"/>
+            <p:ph idx="1"/>
           </p:nvPr>
         </p:nvSpPr>
-        <p:spPr>
-          <a:xfrm>
-            <a:off x="577516" y="1411705"/>
-            <a:ext cx="5442284" cy="4765258"/>
-          </a:xfrm>
-        </p:spPr>
-        <p:txBody>
-          <a:bodyPr>
-            <a:normAutofit fontScale="92500" lnSpcReduction="10000"/>
-          </a:bodyPr>
+        <p:spPr/>
+        <p:txBody>
+          <a:bodyPr/>
           <a:lstStyle/>
           <a:p>
-            <a:r>
-              <a:rPr lang="it-IT" dirty="0"/>
-              <a:t>Model </a:t>
-            </a:r>
-            <a:r>
-              <a:rPr lang="it-IT" dirty="0" err="1"/>
-              <a:t>objects</a:t>
-            </a:r>
-            <a:r>
-              <a:rPr lang="it-IT" dirty="0"/>
-              <a:t> (</a:t>
-            </a:r>
-            <a:r>
-              <a:rPr lang="it-IT" dirty="0" err="1"/>
-              <a:t>Beans</a:t>
-            </a:r>
-            <a:r>
-              <a:rPr lang="it-IT" dirty="0"/>
-              <a:t>)</a:t>
-            </a:r>
-          </a:p>
-          <a:p>
-            <a:pPr lvl="1">
-              <a:buFontTx/>
-              <a:buChar char="-"/>
-            </a:pPr>
-            <a:r>
-              <a:rPr lang="it-IT" dirty="0"/>
-              <a:t>User</a:t>
-            </a:r>
-          </a:p>
-          <a:p>
-            <a:pPr lvl="1">
-              <a:buFontTx/>
-              <a:buChar char="-"/>
-            </a:pPr>
-            <a:r>
-              <a:rPr lang="it-IT" dirty="0" err="1"/>
-              <a:t>Category</a:t>
-            </a:r>
-            <a:endParaRPr lang="it-IT" dirty="0"/>
-          </a:p>
-          <a:p>
-            <a:r>
-              <a:rPr lang="it-IT" dirty="0"/>
-              <a:t>Data Access Objects (Classes)</a:t>
-            </a:r>
-          </a:p>
-          <a:p>
-            <a:pPr>
-              <a:buFontTx/>
-              <a:buChar char="-"/>
-            </a:pPr>
-            <a:r>
-              <a:rPr lang="it-IT" dirty="0" err="1"/>
-              <a:t>UserDAO</a:t>
-            </a:r>
-            <a:endParaRPr lang="it-IT" dirty="0"/>
-          </a:p>
-          <a:p>
-            <a:pPr lvl="1">
-              <a:buFontTx/>
-              <a:buChar char="-"/>
-            </a:pPr>
-            <a:r>
-              <a:rPr lang="it-IT" dirty="0" err="1"/>
-              <a:t>checkCredentials</a:t>
-            </a:r>
-            <a:r>
-              <a:rPr lang="it-IT" dirty="0"/>
-              <a:t>(</a:t>
-            </a:r>
-            <a:r>
-              <a:rPr lang="it-IT" dirty="0" err="1"/>
-              <a:t>username,password</a:t>
-            </a:r>
-            <a:r>
-              <a:rPr lang="it-IT" dirty="0"/>
-              <a:t>)</a:t>
-            </a:r>
-          </a:p>
-          <a:p>
-            <a:pPr>
-              <a:buFontTx/>
-              <a:buChar char="-"/>
-            </a:pPr>
-            <a:r>
-              <a:rPr lang="it-IT" dirty="0" err="1"/>
-              <a:t>CategoryDAO</a:t>
-            </a:r>
-            <a:endParaRPr lang="it-IT" dirty="0"/>
-          </a:p>
-          <a:p>
-            <a:pPr lvl="1">
-              <a:buFontTx/>
-              <a:buChar char="-"/>
-            </a:pPr>
-            <a:r>
-              <a:rPr lang="it-IT" dirty="0" err="1"/>
-              <a:t>findAllCategories</a:t>
-            </a:r>
-            <a:r>
-              <a:rPr lang="it-IT" dirty="0"/>
-              <a:t>()</a:t>
-            </a:r>
-          </a:p>
-          <a:p>
-            <a:pPr lvl="1">
-              <a:buFontTx/>
-              <a:buChar char="-"/>
-            </a:pPr>
-            <a:r>
-              <a:rPr lang="it-IT" dirty="0" err="1"/>
-              <a:t>findTopsAndSubtrees</a:t>
-            </a:r>
-            <a:r>
-              <a:rPr lang="it-IT" dirty="0"/>
-              <a:t>()</a:t>
-            </a:r>
-          </a:p>
-          <a:p>
-            <a:pPr lvl="1">
-              <a:buFontTx/>
-              <a:buChar char="-"/>
-            </a:pPr>
-            <a:r>
-              <a:rPr lang="it-IT" dirty="0" err="1"/>
-              <a:t>findSubclasses</a:t>
-            </a:r>
-            <a:r>
-              <a:rPr lang="it-IT" dirty="0"/>
-              <a:t>(</a:t>
-            </a:r>
-            <a:r>
-              <a:rPr lang="it-IT" dirty="0" err="1"/>
-              <a:t>category</a:t>
-            </a:r>
-            <a:r>
-              <a:rPr lang="it-IT" dirty="0"/>
-              <a:t>)</a:t>
-            </a:r>
-          </a:p>
-          <a:p>
-            <a:pPr lvl="1">
-              <a:buFontTx/>
-              <a:buChar char="-"/>
-            </a:pPr>
-            <a:r>
-              <a:rPr lang="it-IT" dirty="0" err="1"/>
-              <a:t>createCategory</a:t>
-            </a:r>
-            <a:r>
-              <a:rPr lang="it-IT" dirty="0"/>
-              <a:t>(</a:t>
-            </a:r>
-            <a:r>
-              <a:rPr lang="it-IT" dirty="0" err="1"/>
-              <a:t>name,fid</a:t>
-            </a:r>
-            <a:r>
-              <a:rPr lang="it-IT" dirty="0"/>
-              <a:t>)</a:t>
-            </a:r>
-          </a:p>
-          <a:p>
-            <a:pPr lvl="1">
-              <a:buFontTx/>
-              <a:buChar char="-"/>
-            </a:pPr>
-            <a:r>
-              <a:rPr lang="it-IT" dirty="0" err="1"/>
-              <a:t>moveCategory</a:t>
-            </a:r>
-            <a:r>
-              <a:rPr lang="it-IT" dirty="0"/>
-              <a:t>(</a:t>
-            </a:r>
-            <a:r>
-              <a:rPr lang="it-IT" dirty="0" err="1"/>
-              <a:t>cid,destid</a:t>
-            </a:r>
-            <a:r>
-              <a:rPr lang="it-IT" dirty="0"/>
-              <a:t>)</a:t>
-            </a:r>
-          </a:p>
-          <a:p>
-            <a:pPr marL="457200" lvl="1" indent="0">
-              <a:buNone/>
-            </a:pPr>
-            <a:endParaRPr lang="it-IT" dirty="0"/>
-          </a:p>
-          <a:p>
-            <a:pPr lvl="1">
-              <a:buFontTx/>
-              <a:buChar char="-"/>
-            </a:pPr>
-            <a:endParaRPr lang="it-IT" dirty="0"/>
-          </a:p>
-          <a:p>
-            <a:pPr marL="0" indent="0">
-              <a:buNone/>
-            </a:pPr>
-            <a:endParaRPr lang="it-IT" dirty="0"/>
-          </a:p>
-          <a:p>
-            <a:endParaRPr lang="it-IT" dirty="0"/>
-          </a:p>
-        </p:txBody>
-      </p:sp>
-      <p:sp>
-        <p:nvSpPr>
-          <p:cNvPr id="4" name="Segnaposto contenuto 3">
-            <a:extLst>
-              <a:ext uri="{FF2B5EF4-FFF2-40B4-BE49-F238E27FC236}">
-                <a16:creationId xmlns:a16="http://schemas.microsoft.com/office/drawing/2014/main" id="{214A45AE-1645-4998-A930-242D8B8E7F8C}"/>
-              </a:ext>
-            </a:extLst>
-          </p:cNvPr>
-          <p:cNvSpPr>
-            <a:spLocks noGrp="1"/>
-          </p:cNvSpPr>
-          <p:nvPr>
-            <p:ph sz="half" idx="2"/>
-          </p:nvPr>
-        </p:nvSpPr>
-        <p:spPr>
-          <a:xfrm>
-            <a:off x="6172200" y="1411705"/>
-            <a:ext cx="5442284" cy="4765258"/>
-          </a:xfrm>
-        </p:spPr>
-        <p:txBody>
-          <a:bodyPr>
-            <a:normAutofit fontScale="92500" lnSpcReduction="10000"/>
-          </a:bodyPr>
-          <a:lstStyle/>
-          <a:p>
-            <a:r>
-              <a:rPr lang="it-IT" dirty="0"/>
-              <a:t>Controllers (</a:t>
-            </a:r>
-            <a:r>
-              <a:rPr lang="it-IT" dirty="0" err="1"/>
-              <a:t>Servlets</a:t>
-            </a:r>
-            <a:r>
-              <a:rPr lang="it-IT" dirty="0"/>
-              <a:t>)</a:t>
-            </a:r>
-          </a:p>
-          <a:p>
-            <a:pPr lvl="1">
-              <a:buFontTx/>
-              <a:buChar char="-"/>
-            </a:pPr>
-            <a:r>
-              <a:rPr lang="it-IT" dirty="0"/>
-              <a:t>Login</a:t>
-            </a:r>
-          </a:p>
-          <a:p>
-            <a:pPr lvl="1">
-              <a:buFontTx/>
-              <a:buChar char="-"/>
-            </a:pPr>
-            <a:r>
-              <a:rPr lang="it-IT" dirty="0" err="1"/>
-              <a:t>GoToHomePage</a:t>
-            </a:r>
-            <a:endParaRPr lang="it-IT" dirty="0"/>
-          </a:p>
-          <a:p>
-            <a:pPr lvl="1">
-              <a:buFontTx/>
-              <a:buChar char="-"/>
-            </a:pPr>
-            <a:r>
-              <a:rPr lang="it-IT" dirty="0" err="1"/>
-              <a:t>CreateCategory</a:t>
-            </a:r>
-            <a:endParaRPr lang="it-IT" dirty="0"/>
-          </a:p>
-          <a:p>
-            <a:pPr lvl="1">
-              <a:buFontTx/>
-              <a:buChar char="-"/>
-            </a:pPr>
-            <a:r>
-              <a:rPr lang="it-IT" dirty="0" err="1"/>
-              <a:t>GoToMovePage</a:t>
-            </a:r>
-            <a:endParaRPr lang="it-IT" dirty="0"/>
-          </a:p>
-          <a:p>
-            <a:pPr lvl="1">
-              <a:buFontTx/>
-              <a:buChar char="-"/>
-            </a:pPr>
-            <a:r>
-              <a:rPr lang="it-IT" dirty="0" err="1"/>
-              <a:t>MoveCategory</a:t>
-            </a:r>
-            <a:endParaRPr lang="it-IT" dirty="0"/>
-          </a:p>
-          <a:p>
-            <a:pPr lvl="1">
-              <a:buFontTx/>
-              <a:buChar char="-"/>
-            </a:pPr>
-            <a:r>
-              <a:rPr lang="it-IT" dirty="0"/>
-              <a:t>Logout</a:t>
-            </a:r>
-          </a:p>
-          <a:p>
-            <a:pPr marL="0" indent="0">
-              <a:buNone/>
-            </a:pPr>
-            <a:endParaRPr lang="it-IT" dirty="0"/>
-          </a:p>
-          <a:p>
-            <a:r>
-              <a:rPr lang="it-IT" dirty="0" err="1"/>
-              <a:t>Views</a:t>
-            </a:r>
-            <a:r>
-              <a:rPr lang="it-IT" dirty="0"/>
-              <a:t> (Templates)</a:t>
-            </a:r>
-          </a:p>
-          <a:p>
-            <a:pPr lvl="1">
-              <a:buFontTx/>
-              <a:buChar char="-"/>
-            </a:pPr>
-            <a:r>
-              <a:rPr lang="it-IT" dirty="0"/>
-              <a:t>Home</a:t>
-            </a:r>
-          </a:p>
-          <a:p>
-            <a:pPr lvl="1">
-              <a:buFontTx/>
-              <a:buChar char="-"/>
-            </a:pPr>
-            <a:r>
-              <a:rPr lang="it-IT" dirty="0" err="1"/>
-              <a:t>Category</a:t>
-            </a:r>
-            <a:r>
-              <a:rPr lang="it-IT" dirty="0"/>
-              <a:t> </a:t>
-            </a:r>
-            <a:r>
-              <a:rPr lang="it-IT" dirty="0" err="1"/>
-              <a:t>tree</a:t>
-            </a:r>
-            <a:r>
-              <a:rPr lang="it-IT" dirty="0"/>
-              <a:t> (</a:t>
-            </a:r>
-            <a:r>
-              <a:rPr lang="it-IT" dirty="0" err="1"/>
-              <a:t>fragment</a:t>
-            </a:r>
-            <a:r>
-              <a:rPr lang="it-IT" dirty="0"/>
-              <a:t>)</a:t>
-            </a:r>
+            <a:endParaRPr lang="it-IT"/>
           </a:p>
         </p:txBody>
       </p:sp>
     </p:spTree>
     <p:extLst>
       <p:ext uri="{BB962C8B-B14F-4D97-AF65-F5344CB8AC3E}">
-        <p14:creationId xmlns:p14="http://schemas.microsoft.com/office/powerpoint/2010/main" val="2273823986"/>
+        <p14:creationId xmlns:p14="http://schemas.microsoft.com/office/powerpoint/2010/main" val="3607931624"/>
       </p:ext>
     </p:extLst>
   </p:cSld>
@@ -22634,232 +22277,6 @@
           <p:cNvPr id="2" name="Titolo 1">
             <a:extLst>
               <a:ext uri="{FF2B5EF4-FFF2-40B4-BE49-F238E27FC236}">
-                <a16:creationId xmlns:a16="http://schemas.microsoft.com/office/drawing/2014/main" id="{36F20C24-C8EC-4969-99B8-B17B8E39B4A2}"/>
-              </a:ext>
-            </a:extLst>
-          </p:cNvPr>
-          <p:cNvSpPr>
-            <a:spLocks noGrp="1"/>
-          </p:cNvSpPr>
-          <p:nvPr>
-            <p:ph type="title"/>
-          </p:nvPr>
-        </p:nvSpPr>
-        <p:spPr/>
-        <p:txBody>
-          <a:bodyPr/>
-          <a:lstStyle/>
-          <a:p>
-            <a:r>
-              <a:rPr lang="it-IT" dirty="0"/>
-              <a:t>Versione con </a:t>
-            </a:r>
-            <a:r>
-              <a:rPr lang="it-IT" dirty="0" err="1"/>
-              <a:t>Javascript</a:t>
-            </a:r>
-            <a:endParaRPr lang="it-IT" dirty="0"/>
-          </a:p>
-        </p:txBody>
-      </p:sp>
-      <p:sp>
-        <p:nvSpPr>
-          <p:cNvPr id="3" name="Segnaposto contenuto 2">
-            <a:extLst>
-              <a:ext uri="{FF2B5EF4-FFF2-40B4-BE49-F238E27FC236}">
-                <a16:creationId xmlns:a16="http://schemas.microsoft.com/office/drawing/2014/main" id="{C7010E9C-DD2C-4451-8DF7-9D8250D61CE7}"/>
-              </a:ext>
-            </a:extLst>
-          </p:cNvPr>
-          <p:cNvSpPr>
-            <a:spLocks noGrp="1"/>
-          </p:cNvSpPr>
-          <p:nvPr>
-            <p:ph idx="1"/>
-          </p:nvPr>
-        </p:nvSpPr>
-        <p:spPr>
-          <a:xfrm>
-            <a:off x="838200" y="1459832"/>
-            <a:ext cx="10515600" cy="4717131"/>
-          </a:xfrm>
-        </p:spPr>
-        <p:txBody>
-          <a:bodyPr>
-            <a:normAutofit fontScale="85000" lnSpcReduction="20000"/>
-          </a:bodyPr>
-          <a:lstStyle/>
-          <a:p>
-            <a:pPr marL="0" indent="0">
-              <a:buNone/>
-            </a:pPr>
-            <a:r>
-              <a:rPr lang="it-IT" dirty="0"/>
-              <a:t>Si realizzi un’applicazione client server web che estende e/o modifica le specifiche precedenti come segue:</a:t>
-            </a:r>
-          </a:p>
-          <a:p>
-            <a:pPr marL="0" indent="0">
-              <a:buNone/>
-            </a:pPr>
-            <a:r>
-              <a:rPr lang="it-IT" dirty="0"/>
-              <a:t>● Dopo il login dell’utente, l’intera applicazione è realizzata con un’unica pagina.</a:t>
-            </a:r>
-          </a:p>
-          <a:p>
-            <a:pPr marL="0" indent="0">
-              <a:buNone/>
-            </a:pPr>
-            <a:r>
-              <a:rPr lang="it-IT" dirty="0"/>
-              <a:t>● Ogni interazione dell’utente è gestita senza ricaricare completamente la pagina, ma produce l’invocazione asincrona del server e l’eventuale modifica del contenuto da aggiornare a seguito dell’evento. </a:t>
-            </a:r>
-          </a:p>
-          <a:p>
-            <a:pPr marL="0" indent="0">
-              <a:buNone/>
-            </a:pPr>
-            <a:r>
-              <a:rPr lang="it-IT" dirty="0"/>
-              <a:t>● La funzione di spostamento di una categoria è realizzata mediante drag &amp; drop.</a:t>
-            </a:r>
-          </a:p>
-          <a:p>
-            <a:pPr marL="0" indent="0">
-              <a:buNone/>
-            </a:pPr>
-            <a:r>
-              <a:rPr lang="it-IT" dirty="0"/>
-              <a:t>● A seguito del drop della categoria da spostare compare una finestra di dialogo con cui l’utente può confermare o cancellare lo spostamento. La conferma produce l’aggiornamento a lato client dell’albero.</a:t>
-            </a:r>
-          </a:p>
-          <a:p>
-            <a:pPr marL="0" indent="0">
-              <a:buNone/>
-            </a:pPr>
-            <a:r>
-              <a:rPr lang="it-IT" dirty="0"/>
-              <a:t>● L’utente realizza spostamenti anche multipli a lato client. A seguito del primo spostamento compare un bottone SALVA la cui pressione provoca l’invio al server dell’elenco degli spostamenti realizzati (NON dell’intero albero). L’invio degli spostamenti produce l’aggiornamento dell’albero nella base dei dati e la comparsa di un messaggio di conferma dell’avvenuto salvataggio.</a:t>
-            </a:r>
-          </a:p>
-        </p:txBody>
-      </p:sp>
-    </p:spTree>
-    <p:extLst>
-      <p:ext uri="{BB962C8B-B14F-4D97-AF65-F5344CB8AC3E}">
-        <p14:creationId xmlns:p14="http://schemas.microsoft.com/office/powerpoint/2010/main" val="2607107032"/>
-      </p:ext>
-    </p:extLst>
-  </p:cSld>
-  <p:clrMapOvr>
-    <a:masterClrMapping/>
-  </p:clrMapOvr>
-</p:sld>
-</file>
-
-<file path=ppt/slides/slide17.xml><?xml version="1.0" encoding="utf-8"?>
-<p:sld xmlns:a="http://schemas.openxmlformats.org/drawingml/2006/main" xmlns:r="http://schemas.openxmlformats.org/officeDocument/2006/relationships" xmlns:p="http://schemas.openxmlformats.org/presentationml/2006/main">
-  <p:cSld>
-    <p:spTree>
-      <p:nvGrpSpPr>
-        <p:cNvPr id="1" name=""/>
-        <p:cNvGrpSpPr/>
-        <p:nvPr/>
-      </p:nvGrpSpPr>
-      <p:grpSpPr>
-        <a:xfrm>
-          <a:off x="0" y="0"/>
-          <a:ext cx="0" cy="0"/>
-          <a:chOff x="0" y="0"/>
-          <a:chExt cx="0" cy="0"/>
-        </a:xfrm>
-      </p:grpSpPr>
-      <p:sp>
-        <p:nvSpPr>
-          <p:cNvPr id="2" name="Titolo 1">
-            <a:extLst>
-              <a:ext uri="{FF2B5EF4-FFF2-40B4-BE49-F238E27FC236}">
-                <a16:creationId xmlns:a16="http://schemas.microsoft.com/office/drawing/2014/main" id="{DFBFF9B4-CB2A-47A7-AC5D-27CAD2356169}"/>
-              </a:ext>
-            </a:extLst>
-          </p:cNvPr>
-          <p:cNvSpPr>
-            <a:spLocks noGrp="1"/>
-          </p:cNvSpPr>
-          <p:nvPr>
-            <p:ph type="title"/>
-          </p:nvPr>
-        </p:nvSpPr>
-        <p:spPr/>
-        <p:txBody>
-          <a:bodyPr/>
-          <a:lstStyle/>
-          <a:p>
-            <a:endParaRPr lang="it-IT"/>
-          </a:p>
-        </p:txBody>
-      </p:sp>
-      <p:sp>
-        <p:nvSpPr>
-          <p:cNvPr id="3" name="Segnaposto contenuto 2">
-            <a:extLst>
-              <a:ext uri="{FF2B5EF4-FFF2-40B4-BE49-F238E27FC236}">
-                <a16:creationId xmlns:a16="http://schemas.microsoft.com/office/drawing/2014/main" id="{2853E801-DD55-4A36-81BE-B2CD9B91E89B}"/>
-              </a:ext>
-            </a:extLst>
-          </p:cNvPr>
-          <p:cNvSpPr>
-            <a:spLocks noGrp="1"/>
-          </p:cNvSpPr>
-          <p:nvPr>
-            <p:ph idx="1"/>
-          </p:nvPr>
-        </p:nvSpPr>
-        <p:spPr/>
-        <p:txBody>
-          <a:bodyPr/>
-          <a:lstStyle/>
-          <a:p>
-            <a:endParaRPr lang="it-IT"/>
-          </a:p>
-        </p:txBody>
-      </p:sp>
-    </p:spTree>
-    <p:extLst>
-      <p:ext uri="{BB962C8B-B14F-4D97-AF65-F5344CB8AC3E}">
-        <p14:creationId xmlns:p14="http://schemas.microsoft.com/office/powerpoint/2010/main" val="3607931624"/>
-      </p:ext>
-    </p:extLst>
-  </p:cSld>
-  <p:clrMapOvr>
-    <a:masterClrMapping/>
-  </p:clrMapOvr>
-</p:sld>
-</file>
-
-<file path=ppt/slides/slide18.xml><?xml version="1.0" encoding="utf-8"?>
-<p:sld xmlns:a="http://schemas.openxmlformats.org/drawingml/2006/main" xmlns:r="http://schemas.openxmlformats.org/officeDocument/2006/relationships" xmlns:p="http://schemas.openxmlformats.org/presentationml/2006/main">
-  <p:cSld>
-    <p:spTree>
-      <p:nvGrpSpPr>
-        <p:cNvPr id="1" name=""/>
-        <p:cNvGrpSpPr/>
-        <p:nvPr/>
-      </p:nvGrpSpPr>
-      <p:grpSpPr>
-        <a:xfrm>
-          <a:off x="0" y="0"/>
-          <a:ext cx="0" cy="0"/>
-          <a:chOff x="0" y="0"/>
-          <a:chExt cx="0" cy="0"/>
-        </a:xfrm>
-      </p:grpSpPr>
-      <p:sp>
-        <p:nvSpPr>
-          <p:cNvPr id="2" name="Titolo 1">
-            <a:extLst>
-              <a:ext uri="{FF2B5EF4-FFF2-40B4-BE49-F238E27FC236}">
                 <a16:creationId xmlns:a16="http://schemas.microsoft.com/office/drawing/2014/main" id="{37FB1445-4968-467B-A4D8-DA67E5F18841}"/>
               </a:ext>
             </a:extLst>
@@ -22918,7 +22335,7 @@
 </p:sld>
 </file>
 
-<file path=ppt/slides/slide19.xml><?xml version="1.0" encoding="utf-8"?>
+<file path=ppt/slides/slide17.xml><?xml version="1.0" encoding="utf-8"?>
 <p:sld xmlns:a="http://schemas.openxmlformats.org/drawingml/2006/main" xmlns:r="http://schemas.openxmlformats.org/officeDocument/2006/relationships" xmlns:p="http://schemas.openxmlformats.org/presentationml/2006/main">
   <p:cSld>
     <p:spTree>
@@ -23020,7 +22437,7 @@
           <p:cNvPr id="4" name="Titolo 3">
             <a:extLst>
               <a:ext uri="{FF2B5EF4-FFF2-40B4-BE49-F238E27FC236}">
-                <a16:creationId xmlns:a16="http://schemas.microsoft.com/office/drawing/2014/main" id="{1FCB77A5-9E96-45C2-9637-8D4C2FF2A2F8}"/>
+                <a16:creationId xmlns:a16="http://schemas.microsoft.com/office/drawing/2014/main" id="{85E9091D-F543-4CDC-A17B-B04B87A77565}"/>
               </a:ext>
             </a:extLst>
           </p:cNvPr>
@@ -23028,13 +22445,13 @@
             <a:spLocks noGrp="1"/>
           </p:cNvSpPr>
           <p:nvPr>
-            <p:ph type="ctrTitle"/>
+            <p:ph type="title"/>
           </p:nvPr>
         </p:nvSpPr>
         <p:spPr>
           <a:xfrm>
-            <a:off x="673768" y="1041400"/>
-            <a:ext cx="10844463" cy="2387600"/>
+            <a:off x="609600" y="130182"/>
+            <a:ext cx="10515600" cy="1325563"/>
           </a:xfrm>
         </p:spPr>
         <p:txBody>
@@ -23042,22 +22459,22 @@
           <a:lstStyle/>
           <a:p>
             <a:r>
-              <a:rPr lang="it-IT" dirty="0"/>
-              <a:t>Tecnologie Informatiche per il Web </a:t>
-            </a:r>
-            <a:r>
-              <a:rPr lang="it-IT" sz="3200" dirty="0"/>
-              <a:t>AA. 2020/21</a:t>
-            </a:r>
-          </a:p>
-        </p:txBody>
-      </p:sp>
-      <p:sp>
-        <p:nvSpPr>
-          <p:cNvPr id="5" name="Sottotitolo 4">
+              <a:rPr lang="it-IT" b="1" dirty="0"/>
+              <a:t>Catalogazione di immagini  </a:t>
+            </a:r>
+            <a:r>
+              <a:rPr lang="it-IT" sz="2800" dirty="0"/>
+              <a:t>– Versione RIA</a:t>
+            </a:r>
+          </a:p>
+        </p:txBody>
+      </p:sp>
+      <p:sp>
+        <p:nvSpPr>
+          <p:cNvPr id="5" name="Segnaposto contenuto 4">
             <a:extLst>
               <a:ext uri="{FF2B5EF4-FFF2-40B4-BE49-F238E27FC236}">
-                <a16:creationId xmlns:a16="http://schemas.microsoft.com/office/drawing/2014/main" id="{5101101A-F2BF-427B-91DF-F4729F2EDA6E}"/>
+                <a16:creationId xmlns:a16="http://schemas.microsoft.com/office/drawing/2014/main" id="{9A62D560-AFED-473C-80C1-8F270C53A78E}"/>
               </a:ext>
             </a:extLst>
           </p:cNvPr>
@@ -23065,13 +22482,13 @@
             <a:spLocks noGrp="1"/>
           </p:cNvSpPr>
           <p:nvPr>
-            <p:ph type="subTitle" idx="1"/>
+            <p:ph idx="1"/>
           </p:nvPr>
         </p:nvSpPr>
         <p:spPr>
           <a:xfrm>
-            <a:off x="1523999" y="3922880"/>
-            <a:ext cx="9144000" cy="1655762"/>
+            <a:off x="609600" y="1266414"/>
+            <a:ext cx="10972800" cy="5213685"/>
           </a:xfrm>
         </p:spPr>
         <p:txBody>
@@ -23080,26 +22497,69 @@
           </a:bodyPr>
           <a:lstStyle/>
           <a:p>
-            <a:r>
-              <a:rPr lang="it-IT" dirty="0"/>
-              <a:t>Docente: Prof. Piero Fraternali</a:t>
-            </a:r>
-          </a:p>
-          <a:p>
-            <a:endParaRPr lang="it-IT" dirty="0"/>
-          </a:p>
-          <a:p>
-            <a:r>
-              <a:rPr lang="it-IT" dirty="0"/>
-              <a:t>Studenti: Linda Zhu, Zheng Maria Yu</a:t>
-            </a:r>
+            <a:pPr marL="0" indent="0">
+              <a:buNone/>
+            </a:pPr>
+            <a:r>
+              <a:rPr lang="it-IT" sz="2000" dirty="0"/>
+              <a:t>Un’applicazione permette all’utente di gestire una tassonomia di classificazione utile per etichettare immagini allo scopo di consentire la ricerca in base alla categoria. Dopo il login, l’utente accede a una pagina HOME in cui compare un albero gerarchico di categorie. Le categorie non dipendono dall’utente e sono in comune tra tutti gli utenti. Le categorie hanno nomi distinti.</a:t>
+            </a:r>
+          </a:p>
+          <a:p>
+            <a:pPr marL="0" indent="0">
+              <a:buNone/>
+            </a:pPr>
+            <a:r>
+              <a:rPr lang="it-IT" sz="2000" dirty="0"/>
+              <a:t>L’utente può inserire una nuova categoria nell’albero. Per fare ciò usa una </a:t>
+            </a:r>
+            <a:r>
+              <a:rPr lang="it-IT" sz="2000" dirty="0" err="1"/>
+              <a:t>form</a:t>
+            </a:r>
+            <a:r>
+              <a:rPr lang="it-IT" sz="2000" dirty="0"/>
+              <a:t> nella pagina HOME in cui specifica il nome della nuova categoria e sceglie la categoria padre. L’invio della nuova categoria comporta l’aggiornamento dell’albero: la nuova categoria è appesa alla categoria padre come ultimo </a:t>
+            </a:r>
+            <a:r>
+              <a:rPr lang="it-IT" sz="2000" dirty="0" err="1"/>
+              <a:t>sottoelemento</a:t>
+            </a:r>
+            <a:r>
+              <a:rPr lang="it-IT" sz="2000" dirty="0"/>
+              <a:t>. Alla nuova categoria viene assegnato un codice numerico che ne riflette la posizione. Per ogni categoria il numero massimo di sottocategorie è 9.</a:t>
+            </a:r>
+          </a:p>
+          <a:p>
+            <a:pPr marL="0" indent="0">
+              <a:buNone/>
+            </a:pPr>
+            <a:r>
+              <a:rPr lang="it-IT" sz="2000" dirty="0"/>
+              <a:t>Dopo la creazione di una categoria, la pagina HOME mostra l’albero aggiornato. L’utente può spostare di posizione una categoria: per fare ciò clicca sul link “sposta” associato alla categoria da spostare. A seguito di tale azione l’applicazione mostra, sempre nella HOME page, l’albero con evidenziato il sotto albero attestato sulla categoria da spostare: tutte le altre categorie hanno un link “sposta qui”. La selezione di un link “sposta qui” comporta l’inserimento della categoria da spostare come ultimo figlio della categoria destinazione.</a:t>
+            </a:r>
+          </a:p>
+          <a:p>
+            <a:pPr marL="0" indent="0">
+              <a:buNone/>
+            </a:pPr>
+            <a:r>
+              <a:rPr lang="it-IT" sz="2000" dirty="0"/>
+              <a:t>Le modifiche effettuate da un utente e salvate nella base di dati diventano visibili agli altri utenti. Lo spostamento potrebbe creare un vuoto nella numerazione delle categorie figlie dello stesso padre.</a:t>
+            </a:r>
+          </a:p>
+          <a:p>
+            <a:pPr marL="0" indent="0">
+              <a:buNone/>
+            </a:pPr>
+            <a:endParaRPr lang="it-IT" sz="2000" dirty="0"/>
           </a:p>
         </p:txBody>
       </p:sp>
     </p:spTree>
     <p:extLst>
       <p:ext uri="{BB962C8B-B14F-4D97-AF65-F5344CB8AC3E}">
-        <p14:creationId xmlns:p14="http://schemas.microsoft.com/office/powerpoint/2010/main" val="2361489072"/>
+        <p14:creationId xmlns:p14="http://schemas.microsoft.com/office/powerpoint/2010/main" val="3447206923"/>
       </p:ext>
     </p:extLst>
   </p:cSld>
@@ -23144,17 +22604,21 @@
         </p:nvSpPr>
         <p:spPr>
           <a:xfrm>
-            <a:off x="838200" y="99009"/>
+            <a:off x="661554" y="0"/>
             <a:ext cx="10515600" cy="1325563"/>
           </a:xfrm>
         </p:spPr>
         <p:txBody>
-          <a:bodyPr/>
+          <a:bodyPr>
+            <a:normAutofit/>
+          </a:bodyPr>
           <a:lstStyle/>
           <a:p>
             <a:r>
-              <a:rPr lang="it-IT" dirty="0"/>
-              <a:t>Progetto 3: Catalogazione di immagini</a:t>
+              <a:rPr lang="it-IT" dirty="0">
+                <a:latin typeface="+mn-lt"/>
+              </a:rPr>
+              <a:t>Analisi dei dati</a:t>
             </a:r>
           </a:p>
         </p:txBody>
@@ -23177,8 +22641,8 @@
         </p:nvSpPr>
         <p:spPr>
           <a:xfrm>
-            <a:off x="838200" y="1235241"/>
-            <a:ext cx="10515600" cy="5213685"/>
+            <a:off x="661554" y="1090862"/>
+            <a:ext cx="10868892" cy="5213685"/>
           </a:xfrm>
         </p:spPr>
         <p:txBody>
@@ -23192,7 +22656,43 @@
             </a:pPr>
             <a:r>
               <a:rPr lang="it-IT" sz="2000" dirty="0"/>
-              <a:t>Un’applicazione permette all’utente di gestire una tassonomia di classificazione utile per etichettare immagini allo scopo di consentire la ricerca in base alla categoria. Dopo il login, l’utente accede a una pagina HOME in cui compare un albero gerarchico di categorie. Le categorie non dipendono dall’utente e sono in comune tra tutti gli utenti. Le categorie hanno nomi distinti.</a:t>
+              <a:t>Un’applicazione permette all’utente di gestire una tassonomia di classificazione utile per etichettare immagini allo scopo di consentire la ricerca in base alla categoria. Dopo il login, l’</a:t>
+            </a:r>
+            <a:r>
+              <a:rPr lang="it-IT" sz="2000" dirty="0">
+                <a:solidFill>
+                  <a:srgbClr val="FF0000"/>
+                </a:solidFill>
+              </a:rPr>
+              <a:t>utente</a:t>
+            </a:r>
+            <a:r>
+              <a:rPr lang="it-IT" sz="2000" dirty="0"/>
+              <a:t> accede a una pagina HOME in cui compare un albero gerarchico di </a:t>
+            </a:r>
+            <a:r>
+              <a:rPr lang="it-IT" sz="2000" dirty="0">
+                <a:solidFill>
+                  <a:srgbClr val="FF0000"/>
+                </a:solidFill>
+              </a:rPr>
+              <a:t>categorie</a:t>
+            </a:r>
+            <a:r>
+              <a:rPr lang="it-IT" sz="2000" dirty="0"/>
+              <a:t>. Le categorie non dipendono dall’utente e sono in comune tra tutti gli utenti. Le categorie hanno </a:t>
+            </a:r>
+            <a:r>
+              <a:rPr lang="it-IT" sz="2000" dirty="0">
+                <a:solidFill>
+                  <a:srgbClr val="00B050"/>
+                </a:solidFill>
+              </a:rPr>
+              <a:t>nomi</a:t>
+            </a:r>
+            <a:r>
+              <a:rPr lang="it-IT" sz="2000" dirty="0"/>
+              <a:t> distinti.</a:t>
             </a:r>
           </a:p>
           <a:p>
@@ -23209,15 +22709,51 @@
             </a:r>
             <a:r>
               <a:rPr lang="it-IT" sz="2000" dirty="0"/>
-              <a:t> nella pagina HOME in cui specifica il nome della nuova categoria e sceglie la categoria padre. L’invio della nuova categoria comporta l’aggiornamento dell’albero: la nuova categoria è appesa alla categoria padre come ultimo </a:t>
-            </a:r>
-            <a:r>
-              <a:rPr lang="it-IT" sz="2000" dirty="0" err="1"/>
+              <a:t> nella pagina HOME in cui specifica il nome della nuova categoria e sceglie la </a:t>
+            </a:r>
+            <a:r>
+              <a:rPr lang="it-IT" sz="2000" dirty="0">
+                <a:solidFill>
+                  <a:srgbClr val="00B050"/>
+                </a:solidFill>
+              </a:rPr>
+              <a:t>categoria padre</a:t>
+            </a:r>
+            <a:r>
+              <a:rPr lang="it-IT" sz="2000" dirty="0"/>
+              <a:t>. L’invio della nuova categoria comporta l’aggiornamento dell’albero: la nuova categoria è </a:t>
+            </a:r>
+            <a:r>
+              <a:rPr lang="it-IT" sz="2000" dirty="0">
+                <a:solidFill>
+                  <a:srgbClr val="0070C0"/>
+                </a:solidFill>
+              </a:rPr>
+              <a:t>appesa alla categoria padre come ultimo </a:t>
+            </a:r>
+            <a:r>
+              <a:rPr lang="it-IT" sz="2000" dirty="0" err="1">
+                <a:solidFill>
+                  <a:srgbClr val="0070C0"/>
+                </a:solidFill>
+              </a:rPr>
               <a:t>sottoelemento</a:t>
             </a:r>
             <a:r>
               <a:rPr lang="it-IT" sz="2000" dirty="0"/>
-              <a:t>. Alla nuova categoria viene assegnato un codice numerico che ne riflette la posizione. Per ogni categoria il numero massimo di sottocategorie è 9.</a:t>
+              <a:t>. Alla nuova categoria viene assegnato un codice numerico che ne riflette la </a:t>
+            </a:r>
+            <a:r>
+              <a:rPr lang="it-IT" sz="2000" dirty="0">
+                <a:solidFill>
+                  <a:srgbClr val="00B050"/>
+                </a:solidFill>
+              </a:rPr>
+              <a:t>posizione</a:t>
+            </a:r>
+            <a:r>
+              <a:rPr lang="it-IT" sz="2000" dirty="0"/>
+              <a:t>. Per ogni categoria il numero massimo di sottocategorie è 9.</a:t>
             </a:r>
           </a:p>
           <a:p>
@@ -23243,13 +22779,84 @@
               <a:buNone/>
             </a:pPr>
             <a:endParaRPr lang="it-IT" sz="2000" dirty="0"/>
+          </a:p>
+        </p:txBody>
+      </p:sp>
+      <p:sp>
+        <p:nvSpPr>
+          <p:cNvPr id="2" name="CasellaDiTesto 1">
+            <a:extLst>
+              <a:ext uri="{FF2B5EF4-FFF2-40B4-BE49-F238E27FC236}">
+                <a16:creationId xmlns:a16="http://schemas.microsoft.com/office/drawing/2014/main" id="{96B10EFC-4989-4772-8382-6D7A253E87E1}"/>
+              </a:ext>
+            </a:extLst>
+          </p:cNvPr>
+          <p:cNvSpPr txBox="1"/>
+          <p:nvPr/>
+        </p:nvSpPr>
+        <p:spPr>
+          <a:xfrm>
+            <a:off x="661554" y="6301812"/>
+            <a:ext cx="2695610" cy="369332"/>
+          </a:xfrm>
+          <a:prstGeom prst="rect">
+            <a:avLst/>
+          </a:prstGeom>
+          <a:noFill/>
+        </p:spPr>
+        <p:txBody>
+          <a:bodyPr wrap="none" rtlCol="0">
+            <a:spAutoFit/>
+          </a:bodyPr>
+          <a:lstStyle/>
+          <a:p>
+            <a:r>
+              <a:rPr lang="it-IT" dirty="0"/>
+              <a:t>(</a:t>
+            </a:r>
+            <a:r>
+              <a:rPr lang="it-IT" b="1" dirty="0">
+                <a:solidFill>
+                  <a:srgbClr val="FF0000"/>
+                </a:solidFill>
+              </a:rPr>
+              <a:t>Entità</a:t>
+            </a:r>
+            <a:r>
+              <a:rPr lang="it-IT" dirty="0"/>
+              <a:t>, </a:t>
+            </a:r>
+            <a:r>
+              <a:rPr lang="it-IT" b="1" dirty="0">
+                <a:solidFill>
+                  <a:srgbClr val="00B050"/>
+                </a:solidFill>
+              </a:rPr>
+              <a:t>attributi</a:t>
+            </a:r>
+            <a:r>
+              <a:rPr lang="it-IT" dirty="0"/>
+              <a:t>, </a:t>
+            </a:r>
+            <a:r>
+              <a:rPr lang="it-IT" b="1" dirty="0">
+                <a:solidFill>
+                  <a:srgbClr val="0070C0"/>
+                </a:solidFill>
+              </a:rPr>
+              <a:t>relazioni</a:t>
+            </a:r>
+            <a:r>
+              <a:rPr lang="it-IT" dirty="0"/>
+              <a:t>)</a:t>
+            </a:r>
           </a:p>
         </p:txBody>
       </p:sp>
     </p:spTree>
     <p:extLst>
       <p:ext uri="{BB962C8B-B14F-4D97-AF65-F5344CB8AC3E}">
-        <p14:creationId xmlns:p14="http://schemas.microsoft.com/office/powerpoint/2010/main" val="3155154473"/>
+        <p14:creationId xmlns:p14="http://schemas.microsoft.com/office/powerpoint/2010/main" val="511880433"/>
       </p:ext>
     </p:extLst>
   </p:cSld>
@@ -23278,480 +22885,6 @@
       </p:grpSpPr>
       <p:sp>
         <p:nvSpPr>
-          <p:cNvPr id="4" name="Titolo 3">
-            <a:extLst>
-              <a:ext uri="{FF2B5EF4-FFF2-40B4-BE49-F238E27FC236}">
-                <a16:creationId xmlns:a16="http://schemas.microsoft.com/office/drawing/2014/main" id="{85E9091D-F543-4CDC-A17B-B04B87A77565}"/>
-              </a:ext>
-            </a:extLst>
-          </p:cNvPr>
-          <p:cNvSpPr>
-            <a:spLocks noGrp="1"/>
-          </p:cNvSpPr>
-          <p:nvPr>
-            <p:ph type="title"/>
-          </p:nvPr>
-        </p:nvSpPr>
-        <p:spPr>
-          <a:xfrm>
-            <a:off x="838200" y="-16769"/>
-            <a:ext cx="10515600" cy="1325563"/>
-          </a:xfrm>
-        </p:spPr>
-        <p:txBody>
-          <a:bodyPr>
-            <a:normAutofit/>
-          </a:bodyPr>
-          <a:lstStyle/>
-          <a:p>
-            <a:r>
-              <a:rPr lang="it-IT" sz="4000" dirty="0"/>
-              <a:t>Analisi dei dati</a:t>
-            </a:r>
-          </a:p>
-        </p:txBody>
-      </p:sp>
-      <p:sp>
-        <p:nvSpPr>
-          <p:cNvPr id="5" name="Segnaposto contenuto 4">
-            <a:extLst>
-              <a:ext uri="{FF2B5EF4-FFF2-40B4-BE49-F238E27FC236}">
-                <a16:creationId xmlns:a16="http://schemas.microsoft.com/office/drawing/2014/main" id="{9A62D560-AFED-473C-80C1-8F270C53A78E}"/>
-              </a:ext>
-            </a:extLst>
-          </p:cNvPr>
-          <p:cNvSpPr>
-            <a:spLocks noGrp="1"/>
-          </p:cNvSpPr>
-          <p:nvPr>
-            <p:ph idx="1"/>
-          </p:nvPr>
-        </p:nvSpPr>
-        <p:spPr>
-          <a:xfrm>
-            <a:off x="838200" y="1090862"/>
-            <a:ext cx="10515600" cy="5213685"/>
-          </a:xfrm>
-        </p:spPr>
-        <p:txBody>
-          <a:bodyPr>
-            <a:normAutofit/>
-          </a:bodyPr>
-          <a:lstStyle/>
-          <a:p>
-            <a:pPr marL="0" indent="0">
-              <a:buNone/>
-            </a:pPr>
-            <a:r>
-              <a:rPr lang="it-IT" sz="2000" dirty="0"/>
-              <a:t>Un’applicazione permette all’utente di gestire una tassonomia di classificazione utile per etichettare immagini allo scopo di consentire la ricerca in base alla categoria. Dopo il login, l’</a:t>
-            </a:r>
-            <a:r>
-              <a:rPr lang="it-IT" sz="2000" dirty="0">
-                <a:solidFill>
-                  <a:srgbClr val="FF0000"/>
-                </a:solidFill>
-              </a:rPr>
-              <a:t>utente</a:t>
-            </a:r>
-            <a:r>
-              <a:rPr lang="it-IT" sz="2000" dirty="0"/>
-              <a:t> accede a una pagina HOME in cui compare un albero gerarchico di </a:t>
-            </a:r>
-            <a:r>
-              <a:rPr lang="it-IT" sz="2000" dirty="0">
-                <a:solidFill>
-                  <a:srgbClr val="FF0000"/>
-                </a:solidFill>
-              </a:rPr>
-              <a:t>categorie</a:t>
-            </a:r>
-            <a:r>
-              <a:rPr lang="it-IT" sz="2000" dirty="0"/>
-              <a:t>. Le categorie non dipendono dall’utente e sono in comune tra tutti gli utenti. Le categorie hanno </a:t>
-            </a:r>
-            <a:r>
-              <a:rPr lang="it-IT" sz="2000" dirty="0">
-                <a:solidFill>
-                  <a:srgbClr val="00B050"/>
-                </a:solidFill>
-              </a:rPr>
-              <a:t>nomi</a:t>
-            </a:r>
-            <a:r>
-              <a:rPr lang="it-IT" sz="2000" dirty="0"/>
-              <a:t> distinti.</a:t>
-            </a:r>
-          </a:p>
-          <a:p>
-            <a:pPr marL="0" indent="0">
-              <a:buNone/>
-            </a:pPr>
-            <a:r>
-              <a:rPr lang="it-IT" sz="2000" dirty="0"/>
-              <a:t>L’utente può inserire una nuova categoria nell’albero. Per fare ciò usa una </a:t>
-            </a:r>
-            <a:r>
-              <a:rPr lang="it-IT" sz="2000" dirty="0" err="1"/>
-              <a:t>form</a:t>
-            </a:r>
-            <a:r>
-              <a:rPr lang="it-IT" sz="2000" dirty="0"/>
-              <a:t> nella pagina HOME in cui specifica il nome della nuova categoria e sceglie la </a:t>
-            </a:r>
-            <a:r>
-              <a:rPr lang="it-IT" sz="2000" dirty="0">
-                <a:solidFill>
-                  <a:srgbClr val="00B050"/>
-                </a:solidFill>
-              </a:rPr>
-              <a:t>categoria padre</a:t>
-            </a:r>
-            <a:r>
-              <a:rPr lang="it-IT" sz="2000" dirty="0"/>
-              <a:t>. L’invio della nuova categoria comporta l’aggiornamento dell’albero: la nuova categoria è </a:t>
-            </a:r>
-            <a:r>
-              <a:rPr lang="it-IT" sz="2000" dirty="0">
-                <a:solidFill>
-                  <a:srgbClr val="0070C0"/>
-                </a:solidFill>
-              </a:rPr>
-              <a:t>appesa alla categoria padre come ultimo </a:t>
-            </a:r>
-            <a:r>
-              <a:rPr lang="it-IT" sz="2000" dirty="0" err="1">
-                <a:solidFill>
-                  <a:srgbClr val="0070C0"/>
-                </a:solidFill>
-              </a:rPr>
-              <a:t>sottoelemento</a:t>
-            </a:r>
-            <a:r>
-              <a:rPr lang="it-IT" sz="2000" dirty="0"/>
-              <a:t>. Alla nuova categoria viene assegnato un codice numerico che ne riflette la </a:t>
-            </a:r>
-            <a:r>
-              <a:rPr lang="it-IT" sz="2000" dirty="0">
-                <a:solidFill>
-                  <a:srgbClr val="00B050"/>
-                </a:solidFill>
-              </a:rPr>
-              <a:t>posizione</a:t>
-            </a:r>
-            <a:r>
-              <a:rPr lang="it-IT" sz="2000" dirty="0"/>
-              <a:t>. Per ogni categoria il numero massimo di sottocategorie è 9.</a:t>
-            </a:r>
-          </a:p>
-          <a:p>
-            <a:pPr marL="0" indent="0">
-              <a:buNone/>
-            </a:pPr>
-            <a:r>
-              <a:rPr lang="it-IT" sz="2000" dirty="0"/>
-              <a:t>Dopo la creazione di una categoria, la pagina HOME mostra l’albero aggiornato. L’utente può spostare di posizione una categoria: per fare ciò clicca sul link “sposta” associato alla categoria da spostare. A seguito di tale azione l’applicazione mostra, sempre nella HOME page, l’albero con evidenziato il sotto albero attestato sulla categoria da spostare: tutte le altre categorie hanno un link “sposta qui”. La selezione di un link “sposta qui” comporta l’inserimento della categoria da spostare come ultimo figlio della categoria destinazione.</a:t>
-            </a:r>
-          </a:p>
-          <a:p>
-            <a:pPr marL="0" indent="0">
-              <a:buNone/>
-            </a:pPr>
-            <a:r>
-              <a:rPr lang="it-IT" sz="2000" dirty="0"/>
-              <a:t>Le modifiche effettuate da un utente e salvate nella base di dati diventano visibili agli altri utenti. Lo spostamento potrebbe creare un vuoto nella numerazione delle categorie figlie dello stesso padre.</a:t>
-            </a:r>
-          </a:p>
-          <a:p>
-            <a:pPr marL="0" indent="0">
-              <a:buNone/>
-            </a:pPr>
-            <a:endParaRPr lang="it-IT" sz="2000" dirty="0"/>
-          </a:p>
-        </p:txBody>
-      </p:sp>
-      <p:sp>
-        <p:nvSpPr>
-          <p:cNvPr id="2" name="CasellaDiTesto 1">
-            <a:extLst>
-              <a:ext uri="{FF2B5EF4-FFF2-40B4-BE49-F238E27FC236}">
-                <a16:creationId xmlns:a16="http://schemas.microsoft.com/office/drawing/2014/main" id="{96B10EFC-4989-4772-8382-6D7A253E87E1}"/>
-              </a:ext>
-            </a:extLst>
-          </p:cNvPr>
-          <p:cNvSpPr txBox="1"/>
-          <p:nvPr/>
-        </p:nvSpPr>
-        <p:spPr>
-          <a:xfrm>
-            <a:off x="838200" y="6304547"/>
-            <a:ext cx="2695610" cy="369332"/>
-          </a:xfrm>
-          <a:prstGeom prst="rect">
-            <a:avLst/>
-          </a:prstGeom>
-          <a:noFill/>
-        </p:spPr>
-        <p:txBody>
-          <a:bodyPr wrap="none" rtlCol="0">
-            <a:spAutoFit/>
-          </a:bodyPr>
-          <a:lstStyle/>
-          <a:p>
-            <a:pPr marL="0" marR="0" lvl="0" indent="0" algn="l" defTabSz="914400" rtl="0" eaLnBrk="1" fontAlgn="auto" latinLnBrk="0" hangingPunct="1">
-              <a:lnSpc>
-                <a:spcPct val="100000"/>
-              </a:lnSpc>
-              <a:spcBef>
-                <a:spcPts val="0"/>
-              </a:spcBef>
-              <a:spcAft>
-                <a:spcPts val="0"/>
-              </a:spcAft>
-              <a:buClrTx/>
-              <a:buSzTx/>
-              <a:buFontTx/>
-              <a:buNone/>
-              <a:tabLst/>
-              <a:defRPr/>
-            </a:pPr>
-            <a:r>
-              <a:rPr kumimoji="0" lang="it-IT" sz="1800" b="0" i="0" u="none" strike="noStrike" kern="1200" cap="none" spc="0" normalizeH="0" baseline="0" noProof="0" dirty="0">
-                <a:ln>
-                  <a:noFill/>
-                </a:ln>
-                <a:solidFill>
-                  <a:prstClr val="black"/>
-                </a:solidFill>
-                <a:effectLst/>
-                <a:uLnTx/>
-                <a:uFillTx/>
-                <a:latin typeface="Calibri" panose="020F0502020204030204"/>
-                <a:ea typeface="+mn-ea"/>
-                <a:cs typeface="+mn-cs"/>
-              </a:rPr>
-              <a:t>(</a:t>
-            </a:r>
-            <a:r>
-              <a:rPr kumimoji="0" lang="it-IT" sz="1800" b="1" i="0" u="none" strike="noStrike" kern="1200" cap="none" spc="0" normalizeH="0" baseline="0" noProof="0" dirty="0">
-                <a:ln>
-                  <a:noFill/>
-                </a:ln>
-                <a:solidFill>
-                  <a:srgbClr val="FF0000"/>
-                </a:solidFill>
-                <a:effectLst/>
-                <a:uLnTx/>
-                <a:uFillTx/>
-                <a:latin typeface="Calibri" panose="020F0502020204030204"/>
-                <a:ea typeface="+mn-ea"/>
-                <a:cs typeface="+mn-cs"/>
-              </a:rPr>
-              <a:t>Entità</a:t>
-            </a:r>
-            <a:r>
-              <a:rPr kumimoji="0" lang="it-IT" sz="1800" b="0" i="0" u="none" strike="noStrike" kern="1200" cap="none" spc="0" normalizeH="0" baseline="0" noProof="0" dirty="0">
-                <a:ln>
-                  <a:noFill/>
-                </a:ln>
-                <a:solidFill>
-                  <a:prstClr val="black"/>
-                </a:solidFill>
-                <a:effectLst/>
-                <a:uLnTx/>
-                <a:uFillTx/>
-                <a:latin typeface="Calibri" panose="020F0502020204030204"/>
-                <a:ea typeface="+mn-ea"/>
-                <a:cs typeface="+mn-cs"/>
-              </a:rPr>
-              <a:t>, </a:t>
-            </a:r>
-            <a:r>
-              <a:rPr kumimoji="0" lang="it-IT" sz="1800" b="1" i="0" u="none" strike="noStrike" kern="1200" cap="none" spc="0" normalizeH="0" baseline="0" noProof="0" dirty="0">
-                <a:ln>
-                  <a:noFill/>
-                </a:ln>
-                <a:solidFill>
-                  <a:srgbClr val="00B050"/>
-                </a:solidFill>
-                <a:effectLst/>
-                <a:uLnTx/>
-                <a:uFillTx/>
-                <a:latin typeface="Calibri" panose="020F0502020204030204"/>
-                <a:ea typeface="+mn-ea"/>
-                <a:cs typeface="+mn-cs"/>
-              </a:rPr>
-              <a:t>attributi</a:t>
-            </a:r>
-            <a:r>
-              <a:rPr kumimoji="0" lang="it-IT" sz="1800" b="0" i="0" u="none" strike="noStrike" kern="1200" cap="none" spc="0" normalizeH="0" baseline="0" noProof="0" dirty="0">
-                <a:ln>
-                  <a:noFill/>
-                </a:ln>
-                <a:solidFill>
-                  <a:prstClr val="black"/>
-                </a:solidFill>
-                <a:effectLst/>
-                <a:uLnTx/>
-                <a:uFillTx/>
-                <a:latin typeface="Calibri" panose="020F0502020204030204"/>
-                <a:ea typeface="+mn-ea"/>
-                <a:cs typeface="+mn-cs"/>
-              </a:rPr>
-              <a:t>, </a:t>
-            </a:r>
-            <a:r>
-              <a:rPr kumimoji="0" lang="it-IT" sz="1800" b="1" i="0" u="none" strike="noStrike" kern="1200" cap="none" spc="0" normalizeH="0" baseline="0" noProof="0" dirty="0">
-                <a:ln>
-                  <a:noFill/>
-                </a:ln>
-                <a:solidFill>
-                  <a:srgbClr val="0070C0"/>
-                </a:solidFill>
-                <a:effectLst/>
-                <a:uLnTx/>
-                <a:uFillTx/>
-                <a:latin typeface="Calibri" panose="020F0502020204030204"/>
-                <a:ea typeface="+mn-ea"/>
-                <a:cs typeface="+mn-cs"/>
-              </a:rPr>
-              <a:t>relazioni</a:t>
-            </a:r>
-            <a:r>
-              <a:rPr kumimoji="0" lang="it-IT" sz="1800" b="0" i="0" u="none" strike="noStrike" kern="1200" cap="none" spc="0" normalizeH="0" baseline="0" noProof="0" dirty="0">
-                <a:ln>
-                  <a:noFill/>
-                </a:ln>
-                <a:solidFill>
-                  <a:prstClr val="black"/>
-                </a:solidFill>
-                <a:effectLst/>
-                <a:uLnTx/>
-                <a:uFillTx/>
-                <a:latin typeface="Calibri" panose="020F0502020204030204"/>
-                <a:ea typeface="+mn-ea"/>
-                <a:cs typeface="+mn-cs"/>
-              </a:rPr>
-              <a:t>)</a:t>
-            </a:r>
-          </a:p>
-        </p:txBody>
-      </p:sp>
-    </p:spTree>
-    <p:extLst>
-      <p:ext uri="{BB962C8B-B14F-4D97-AF65-F5344CB8AC3E}">
-        <p14:creationId xmlns:p14="http://schemas.microsoft.com/office/powerpoint/2010/main" val="1950333259"/>
-      </p:ext>
-    </p:extLst>
-  </p:cSld>
-  <p:clrMapOvr>
-    <a:masterClrMapping/>
-  </p:clrMapOvr>
-</p:sld>
-</file>
-
-<file path=ppt/slides/slide5.xml><?xml version="1.0" encoding="utf-8"?>
-<p:sld xmlns:a="http://schemas.openxmlformats.org/drawingml/2006/main" xmlns:r="http://schemas.openxmlformats.org/officeDocument/2006/relationships" xmlns:p="http://schemas.openxmlformats.org/presentationml/2006/main">
-  <p:cSld>
-    <p:spTree>
-      <p:nvGrpSpPr>
-        <p:cNvPr id="1" name=""/>
-        <p:cNvGrpSpPr/>
-        <p:nvPr/>
-      </p:nvGrpSpPr>
-      <p:grpSpPr>
-        <a:xfrm>
-          <a:off x="0" y="0"/>
-          <a:ext cx="0" cy="0"/>
-          <a:chOff x="0" y="0"/>
-          <a:chExt cx="0" cy="0"/>
-        </a:xfrm>
-      </p:grpSpPr>
-      <p:sp>
-        <p:nvSpPr>
-          <p:cNvPr id="2" name="Titolo 1">
-            <a:extLst>
-              <a:ext uri="{FF2B5EF4-FFF2-40B4-BE49-F238E27FC236}">
-                <a16:creationId xmlns:a16="http://schemas.microsoft.com/office/drawing/2014/main" id="{0C353B54-34BD-4BB6-86A4-8D0DB44A2BF8}"/>
-              </a:ext>
-            </a:extLst>
-          </p:cNvPr>
-          <p:cNvSpPr>
-            <a:spLocks noGrp="1"/>
-          </p:cNvSpPr>
-          <p:nvPr>
-            <p:ph type="title"/>
-          </p:nvPr>
-        </p:nvSpPr>
-        <p:spPr/>
-        <p:txBody>
-          <a:bodyPr/>
-          <a:lstStyle/>
-          <a:p>
-            <a:r>
-              <a:rPr lang="it-IT" dirty="0"/>
-              <a:t>Esempio dell’interfaccia</a:t>
-            </a:r>
-          </a:p>
-        </p:txBody>
-      </p:sp>
-      <p:sp>
-        <p:nvSpPr>
-          <p:cNvPr id="3" name="Segnaposto contenuto 2">
-            <a:extLst>
-              <a:ext uri="{FF2B5EF4-FFF2-40B4-BE49-F238E27FC236}">
-                <a16:creationId xmlns:a16="http://schemas.microsoft.com/office/drawing/2014/main" id="{DEB310DC-405C-4402-A76D-22F9B1C95DC1}"/>
-              </a:ext>
-            </a:extLst>
-          </p:cNvPr>
-          <p:cNvSpPr>
-            <a:spLocks noGrp="1"/>
-          </p:cNvSpPr>
-          <p:nvPr>
-            <p:ph idx="1"/>
-          </p:nvPr>
-        </p:nvSpPr>
-        <p:spPr/>
-        <p:txBody>
-          <a:bodyPr/>
-          <a:lstStyle/>
-          <a:p>
-            <a:endParaRPr lang="it-IT"/>
-          </a:p>
-        </p:txBody>
-      </p:sp>
-    </p:spTree>
-    <p:extLst>
-      <p:ext uri="{BB962C8B-B14F-4D97-AF65-F5344CB8AC3E}">
-        <p14:creationId xmlns:p14="http://schemas.microsoft.com/office/powerpoint/2010/main" val="2914926760"/>
-      </p:ext>
-    </p:extLst>
-  </p:cSld>
-  <p:clrMapOvr>
-    <a:masterClrMapping/>
-  </p:clrMapOvr>
-</p:sld>
-</file>
-
-<file path=ppt/slides/slide6.xml><?xml version="1.0" encoding="utf-8"?>
-<p:sld xmlns:a="http://schemas.openxmlformats.org/drawingml/2006/main" xmlns:r="http://schemas.openxmlformats.org/officeDocument/2006/relationships" xmlns:p="http://schemas.openxmlformats.org/presentationml/2006/main">
-  <p:cSld>
-    <p:spTree>
-      <p:nvGrpSpPr>
-        <p:cNvPr id="1" name=""/>
-        <p:cNvGrpSpPr/>
-        <p:nvPr/>
-      </p:nvGrpSpPr>
-      <p:grpSpPr>
-        <a:xfrm>
-          <a:off x="0" y="0"/>
-          <a:ext cx="0" cy="0"/>
-          <a:chOff x="0" y="0"/>
-          <a:chExt cx="0" cy="0"/>
-        </a:xfrm>
-      </p:grpSpPr>
-      <p:sp>
-        <p:nvSpPr>
           <p:cNvPr id="2" name="Title 1"/>
           <p:cNvSpPr>
             <a:spLocks noGrp="1"/>
@@ -23762,7 +22895,7 @@
         </p:nvSpPr>
         <p:spPr>
           <a:xfrm>
-            <a:off x="838200" y="523955"/>
+            <a:off x="838200" y="316364"/>
             <a:ext cx="10515600" cy="1325563"/>
           </a:xfrm>
         </p:spPr>
@@ -23772,11 +22905,15 @@
           <a:p>
             <a:pPr algn="ctr"/>
             <a:r>
-              <a:rPr lang="en-GB" dirty="0" err="1"/>
+              <a:rPr lang="en-GB" dirty="0" err="1">
+                <a:latin typeface="+mn-lt"/>
+              </a:rPr>
               <a:t>Progettazione</a:t>
             </a:r>
             <a:r>
-              <a:rPr lang="en-GB" dirty="0"/>
+              <a:rPr lang="en-GB" dirty="0">
+                <a:latin typeface="+mn-lt"/>
+              </a:rPr>
               <a:t> del database</a:t>
             </a:r>
           </a:p>
@@ -23790,7 +22927,7 @@
         </p:nvSpPr>
         <p:spPr>
           <a:xfrm>
-            <a:off x="3262354" y="3440964"/>
+            <a:off x="2620704" y="3535759"/>
             <a:ext cx="1607419" cy="587141"/>
           </a:xfrm>
           <a:prstGeom prst="rect">
@@ -23816,37 +22953,13 @@
           <a:bodyPr rtlCol="0" anchor="ctr"/>
           <a:lstStyle/>
           <a:p>
-            <a:pPr marL="0" marR="0" lvl="0" indent="0" algn="ctr" defTabSz="914400" rtl="0" eaLnBrk="1" fontAlgn="auto" latinLnBrk="0" hangingPunct="1">
-              <a:lnSpc>
-                <a:spcPct val="100000"/>
-              </a:lnSpc>
-              <a:spcBef>
-                <a:spcPts val="0"/>
-              </a:spcBef>
-              <a:spcAft>
-                <a:spcPts val="0"/>
-              </a:spcAft>
-              <a:buClrTx/>
-              <a:buSzTx/>
-              <a:buFontTx/>
-              <a:buNone/>
-              <a:tabLst/>
-              <a:defRPr/>
-            </a:pPr>
-            <a:r>
-              <a:rPr kumimoji="0" lang="en-GB" sz="1800" b="0" i="0" u="none" strike="noStrike" kern="1200" cap="none" spc="0" normalizeH="0" baseline="0" noProof="0" dirty="0">
-                <a:ln>
-                  <a:noFill/>
-                </a:ln>
+            <a:pPr algn="ctr"/>
+            <a:r>
+              <a:rPr lang="en-GB" dirty="0">
                 <a:solidFill>
                   <a:prstClr val="black"/>
                 </a:solidFill>
-                <a:effectLst/>
-                <a:uLnTx/>
-                <a:uFillTx/>
                 <a:latin typeface="Calibri" panose="020F0502020204030204"/>
-                <a:ea typeface="+mn-ea"/>
-                <a:cs typeface="+mn-cs"/>
               </a:rPr>
               <a:t>Category</a:t>
             </a:r>
@@ -23864,8 +22977,8 @@
         </p:nvCxnSpPr>
         <p:spPr>
           <a:xfrm flipV="1">
-            <a:off x="4869773" y="3205429"/>
-            <a:ext cx="2165474" cy="529106"/>
+            <a:off x="4228123" y="3205429"/>
+            <a:ext cx="2807124" cy="623901"/>
           </a:xfrm>
           <a:prstGeom prst="bentConnector2">
             <a:avLst/>
@@ -23897,8 +23010,8 @@
         </p:nvCxnSpPr>
         <p:spPr>
           <a:xfrm rot="10800000" flipV="1">
-            <a:off x="4066065" y="2947950"/>
-            <a:ext cx="2671581" cy="493013"/>
+            <a:off x="3424415" y="2947951"/>
+            <a:ext cx="3313231" cy="587808"/>
           </a:xfrm>
           <a:prstGeom prst="bentConnector2">
             <a:avLst/>
@@ -23927,7 +23040,7 @@
         </p:nvSpPr>
         <p:spPr>
           <a:xfrm>
-            <a:off x="5695869" y="3981642"/>
+            <a:off x="6274526" y="4142121"/>
             <a:ext cx="513282" cy="369332"/>
           </a:xfrm>
           <a:prstGeom prst="rect">
@@ -23941,37 +23054,12 @@
           </a:bodyPr>
           <a:lstStyle/>
           <a:p>
-            <a:pPr marL="0" marR="0" lvl="0" indent="0" algn="l" defTabSz="914400" rtl="0" eaLnBrk="1" fontAlgn="auto" latinLnBrk="0" hangingPunct="1">
-              <a:lnSpc>
-                <a:spcPct val="100000"/>
-              </a:lnSpc>
-              <a:spcBef>
-                <a:spcPts val="0"/>
-              </a:spcBef>
-              <a:spcAft>
-                <a:spcPts val="0"/>
-              </a:spcAft>
-              <a:buClrTx/>
-              <a:buSzTx/>
-              <a:buFontTx/>
-              <a:buNone/>
-              <a:tabLst/>
-              <a:defRPr/>
-            </a:pPr>
-            <a:r>
-              <a:rPr kumimoji="0" lang="en-GB" sz="1800" b="0" i="0" u="none" strike="noStrike" kern="1200" cap="none" spc="0" normalizeH="0" baseline="0" noProof="0" dirty="0">
-                <a:ln>
-                  <a:noFill/>
-                </a:ln>
+            <a:r>
+              <a:rPr lang="en-GB" dirty="0">
                 <a:solidFill>
                   <a:prstClr val="black"/>
                 </a:solidFill>
-                <a:effectLst/>
-                <a:uLnTx/>
-                <a:uFillTx/>
                 <a:latin typeface="Calibri" panose="020F0502020204030204"/>
-                <a:ea typeface="+mn-ea"/>
-                <a:cs typeface="+mn-cs"/>
               </a:rPr>
               <a:t>0:N</a:t>
             </a:r>
@@ -23986,7 +23074,7 @@
         </p:nvSpPr>
         <p:spPr>
           <a:xfrm>
-            <a:off x="5418133" y="3734534"/>
+            <a:off x="5885238" y="3915315"/>
             <a:ext cx="1068754" cy="307777"/>
           </a:xfrm>
           <a:prstGeom prst="rect">
@@ -24000,37 +23088,12 @@
           </a:bodyPr>
           <a:lstStyle/>
           <a:p>
-            <a:pPr marL="0" marR="0" lvl="0" indent="0" algn="l" defTabSz="914400" rtl="0" eaLnBrk="1" fontAlgn="auto" latinLnBrk="0" hangingPunct="1">
-              <a:lnSpc>
-                <a:spcPct val="100000"/>
-              </a:lnSpc>
-              <a:spcBef>
-                <a:spcPts val="0"/>
-              </a:spcBef>
-              <a:spcAft>
-                <a:spcPts val="0"/>
-              </a:spcAft>
-              <a:buClrTx/>
-              <a:buSzTx/>
-              <a:buFontTx/>
-              <a:buNone/>
-              <a:tabLst/>
-              <a:defRPr/>
-            </a:pPr>
-            <a:r>
-              <a:rPr kumimoji="0" lang="en-GB" sz="1400" b="0" i="0" u="none" strike="noStrike" kern="1200" cap="none" spc="0" normalizeH="0" baseline="0" noProof="0" dirty="0">
-                <a:ln>
-                  <a:noFill/>
-                </a:ln>
+            <a:r>
+              <a:rPr lang="en-GB" sz="1400" dirty="0">
                 <a:solidFill>
                   <a:prstClr val="black"/>
                 </a:solidFill>
-                <a:effectLst/>
-                <a:uLnTx/>
-                <a:uFillTx/>
                 <a:latin typeface="Calibri" panose="020F0502020204030204"/>
-                <a:ea typeface="+mn-ea"/>
-                <a:cs typeface="+mn-cs"/>
               </a:rPr>
               <a:t>has children</a:t>
             </a:r>
@@ -24071,36 +23134,12 @@
           <a:bodyPr rtlCol="0" anchor="ctr"/>
           <a:lstStyle/>
           <a:p>
-            <a:pPr marL="0" marR="0" lvl="0" indent="0" algn="ctr" defTabSz="914400" rtl="0" eaLnBrk="1" fontAlgn="auto" latinLnBrk="0" hangingPunct="1">
-              <a:lnSpc>
-                <a:spcPct val="100000"/>
-              </a:lnSpc>
-              <a:spcBef>
-                <a:spcPts val="0"/>
-              </a:spcBef>
-              <a:spcAft>
-                <a:spcPts val="0"/>
-              </a:spcAft>
-              <a:buClrTx/>
-              <a:buSzTx/>
-              <a:buFontTx/>
-              <a:buNone/>
-              <a:tabLst/>
-              <a:defRPr/>
-            </a:pPr>
-            <a:endParaRPr kumimoji="0" lang="en-GB" sz="1800" b="0" i="0" u="none" strike="noStrike" kern="1200" cap="none" spc="0" normalizeH="0" baseline="0" noProof="0">
-              <a:ln>
-                <a:noFill/>
-              </a:ln>
+            <a:pPr algn="ctr"/>
+            <a:endParaRPr lang="en-GB">
               <a:solidFill>
                 <a:prstClr val="black"/>
               </a:solidFill>
-              <a:effectLst/>
-              <a:uLnTx/>
-              <a:uFillTx/>
               <a:latin typeface="Calibri" panose="020F0502020204030204"/>
-              <a:ea typeface="+mn-ea"/>
-              <a:cs typeface="+mn-cs"/>
             </a:endParaRPr>
           </a:p>
         </p:txBody>
@@ -24113,7 +23152,7 @@
         </p:nvSpPr>
         <p:spPr>
           <a:xfrm>
-            <a:off x="5125609" y="2605516"/>
+            <a:off x="4371478" y="2615025"/>
             <a:ext cx="721672" cy="307777"/>
           </a:xfrm>
           <a:prstGeom prst="rect">
@@ -24127,56 +23166,14 @@
           </a:bodyPr>
           <a:lstStyle/>
           <a:p>
-            <a:pPr marL="0" marR="0" lvl="0" indent="0" algn="l" defTabSz="914400" rtl="0" eaLnBrk="1" fontAlgn="auto" latinLnBrk="0" hangingPunct="1">
-              <a:lnSpc>
-                <a:spcPct val="100000"/>
-              </a:lnSpc>
-              <a:spcBef>
-                <a:spcPts val="0"/>
-              </a:spcBef>
-              <a:spcAft>
-                <a:spcPts val="0"/>
-              </a:spcAft>
-              <a:buClrTx/>
-              <a:buSzTx/>
-              <a:buFontTx/>
-              <a:buNone/>
-              <a:tabLst/>
-              <a:defRPr/>
-            </a:pPr>
-            <a:r>
-              <a:rPr kumimoji="0" lang="en-GB" sz="1400" b="0" i="0" u="none" strike="noStrike" kern="1200" cap="none" spc="0" normalizeH="0" baseline="0" noProof="0">
-                <a:ln>
-                  <a:noFill/>
-                </a:ln>
+            <a:r>
+              <a:rPr lang="en-GB" sz="1400" dirty="0">
                 <a:solidFill>
                   <a:prstClr val="black"/>
                 </a:solidFill>
-                <a:effectLst/>
-                <a:uLnTx/>
-                <a:uFillTx/>
                 <a:latin typeface="Calibri" panose="020F0502020204030204"/>
-                <a:ea typeface="+mn-ea"/>
-                <a:cs typeface="+mn-cs"/>
               </a:rPr>
-              <a:t>child </a:t>
-            </a:r>
-            <a:r>
-              <a:rPr kumimoji="0" lang="en-GB" sz="1400" b="0" i="0" u="none" strike="noStrike" kern="1200" cap="none" spc="0" normalizeH="0" baseline="0" noProof="0" dirty="0">
-                <a:ln>
-                  <a:noFill/>
-                </a:ln>
-                <a:solidFill>
-                  <a:prstClr val="black"/>
-                </a:solidFill>
-                <a:effectLst/>
-                <a:uLnTx/>
-                <a:uFillTx/>
-                <a:latin typeface="Calibri" panose="020F0502020204030204"/>
-                <a:ea typeface="+mn-ea"/>
-                <a:cs typeface="+mn-cs"/>
-              </a:rPr>
-              <a:t>of</a:t>
+              <a:t>child of</a:t>
             </a:r>
           </a:p>
         </p:txBody>
@@ -24203,37 +23200,12 @@
           </a:bodyPr>
           <a:lstStyle/>
           <a:p>
-            <a:pPr marL="0" marR="0" lvl="0" indent="0" algn="l" defTabSz="914400" rtl="0" eaLnBrk="1" fontAlgn="auto" latinLnBrk="0" hangingPunct="1">
-              <a:lnSpc>
-                <a:spcPct val="100000"/>
-              </a:lnSpc>
-              <a:spcBef>
-                <a:spcPts val="0"/>
-              </a:spcBef>
-              <a:spcAft>
-                <a:spcPts val="0"/>
-              </a:spcAft>
-              <a:buClrTx/>
-              <a:buSzTx/>
-              <a:buFontTx/>
-              <a:buNone/>
-              <a:tabLst/>
-              <a:defRPr/>
-            </a:pPr>
-            <a:r>
-              <a:rPr kumimoji="0" lang="en-GB" sz="1800" b="0" i="0" u="none" strike="noStrike" kern="1200" cap="none" spc="0" normalizeH="0" baseline="0" noProof="0" dirty="0">
-                <a:ln>
-                  <a:noFill/>
-                </a:ln>
+            <a:r>
+              <a:rPr lang="en-GB" dirty="0">
                 <a:solidFill>
                   <a:prstClr val="black"/>
                 </a:solidFill>
-                <a:effectLst/>
-                <a:uLnTx/>
-                <a:uFillTx/>
                 <a:latin typeface="Calibri" panose="020F0502020204030204"/>
-                <a:ea typeface="+mn-ea"/>
-                <a:cs typeface="+mn-cs"/>
               </a:rPr>
               <a:t>0:N</a:t>
             </a:r>
@@ -24262,37 +23234,12 @@
           </a:bodyPr>
           <a:lstStyle/>
           <a:p>
-            <a:pPr marL="0" marR="0" lvl="0" indent="0" algn="l" defTabSz="914400" rtl="0" eaLnBrk="1" fontAlgn="auto" latinLnBrk="0" hangingPunct="1">
-              <a:lnSpc>
-                <a:spcPct val="100000"/>
-              </a:lnSpc>
-              <a:spcBef>
-                <a:spcPts val="0"/>
-              </a:spcBef>
-              <a:spcAft>
-                <a:spcPts val="0"/>
-              </a:spcAft>
-              <a:buClrTx/>
-              <a:buSzTx/>
-              <a:buFontTx/>
-              <a:buNone/>
-              <a:tabLst/>
-              <a:defRPr/>
-            </a:pPr>
-            <a:r>
-              <a:rPr kumimoji="0" lang="en-GB" sz="1400" b="0" i="0" u="none" strike="noStrike" kern="1200" cap="none" spc="0" normalizeH="0" baseline="0" noProof="0" dirty="0">
-                <a:ln>
-                  <a:noFill/>
-                </a:ln>
+            <a:r>
+              <a:rPr lang="en-GB" sz="1400" dirty="0">
                 <a:solidFill>
                   <a:srgbClr val="FF0000"/>
                 </a:solidFill>
-                <a:effectLst/>
-                <a:uLnTx/>
-                <a:uFillTx/>
                 <a:latin typeface="Calibri" panose="020F0502020204030204"/>
-                <a:ea typeface="+mn-ea"/>
-                <a:cs typeface="+mn-cs"/>
               </a:rPr>
               <a:t>  </a:t>
             </a:r>
@@ -24307,8 +23254,8 @@
         </p:nvSpPr>
         <p:spPr>
           <a:xfrm>
-            <a:off x="3287411" y="4062342"/>
-            <a:ext cx="777777" cy="738664"/>
+            <a:off x="2545197" y="4177608"/>
+            <a:ext cx="859531" cy="830997"/>
           </a:xfrm>
           <a:prstGeom prst="rect">
             <a:avLst/>
@@ -24321,126 +23268,37 @@
           </a:bodyPr>
           <a:lstStyle/>
           <a:p>
-            <a:pPr marL="0" marR="0" lvl="0" indent="0" algn="l" defTabSz="914400" rtl="0" eaLnBrk="1" fontAlgn="auto" latinLnBrk="0" hangingPunct="1">
-              <a:lnSpc>
-                <a:spcPct val="100000"/>
-              </a:lnSpc>
-              <a:spcBef>
-                <a:spcPts val="0"/>
-              </a:spcBef>
-              <a:spcAft>
-                <a:spcPts val="0"/>
-              </a:spcAft>
-              <a:buClrTx/>
-              <a:buSzTx/>
-              <a:buFontTx/>
-              <a:buNone/>
-              <a:tabLst/>
-              <a:defRPr/>
-            </a:pPr>
-            <a:r>
-              <a:rPr kumimoji="0" lang="en-GB" sz="1400" b="0" i="0" u="sng" strike="noStrike" kern="1200" cap="none" spc="0" normalizeH="0" baseline="0" noProof="0" dirty="0">
-                <a:ln>
-                  <a:noFill/>
-                </a:ln>
+            <a:r>
+              <a:rPr lang="en-GB" sz="1600" b="1" u="sng" dirty="0">
                 <a:solidFill>
                   <a:prstClr val="black"/>
                 </a:solidFill>
-                <a:effectLst/>
-                <a:uLnTx/>
-                <a:uFillTx/>
                 <a:latin typeface="Calibri" panose="020F0502020204030204"/>
-                <a:ea typeface="+mn-ea"/>
-                <a:cs typeface="+mn-cs"/>
               </a:rPr>
-              <a:t>Id</a:t>
-            </a:r>
-          </a:p>
-          <a:p>
-            <a:pPr marL="0" marR="0" lvl="0" indent="0" algn="l" defTabSz="914400" rtl="0" eaLnBrk="1" fontAlgn="auto" latinLnBrk="0" hangingPunct="1">
-              <a:lnSpc>
-                <a:spcPct val="100000"/>
-              </a:lnSpc>
-              <a:spcBef>
-                <a:spcPts val="0"/>
-              </a:spcBef>
-              <a:spcAft>
-                <a:spcPts val="0"/>
-              </a:spcAft>
-              <a:buClrTx/>
-              <a:buSzTx/>
-              <a:buFontTx/>
-              <a:buNone/>
-              <a:tabLst/>
-              <a:defRPr/>
-            </a:pPr>
-            <a:r>
-              <a:rPr kumimoji="0" lang="en-GB" sz="1400" b="0" i="0" u="sng" strike="noStrike" kern="1200" cap="none" spc="0" normalizeH="0" baseline="0" noProof="0" dirty="0">
-                <a:ln>
-                  <a:noFill/>
-                </a:ln>
+              <a:t>id</a:t>
+            </a:r>
+          </a:p>
+          <a:p>
+            <a:r>
+              <a:rPr lang="en-GB" sz="1600" dirty="0">
                 <a:solidFill>
                   <a:prstClr val="black"/>
                 </a:solidFill>
-                <a:effectLst/>
-                <a:uLnTx/>
-                <a:uFillTx/>
                 <a:latin typeface="Calibri" panose="020F0502020204030204"/>
-                <a:ea typeface="+mn-ea"/>
-                <a:cs typeface="+mn-cs"/>
               </a:rPr>
               <a:t>name</a:t>
             </a:r>
           </a:p>
           <a:p>
-            <a:pPr marL="0" marR="0" lvl="0" indent="0" algn="l" defTabSz="914400" rtl="0" eaLnBrk="1" fontAlgn="auto" latinLnBrk="0" hangingPunct="1">
-              <a:lnSpc>
-                <a:spcPct val="100000"/>
-              </a:lnSpc>
-              <a:spcBef>
-                <a:spcPts val="0"/>
-              </a:spcBef>
-              <a:spcAft>
-                <a:spcPts val="0"/>
-              </a:spcAft>
-              <a:buClrTx/>
-              <a:buSzTx/>
-              <a:buFontTx/>
-              <a:buNone/>
-              <a:tabLst/>
-              <a:defRPr/>
-            </a:pPr>
-            <a:r>
-              <a:rPr kumimoji="0" lang="en-GB" sz="1400" b="0" i="0" u="sng" strike="noStrike" kern="1200" cap="none" spc="0" normalizeH="0" baseline="0" noProof="0" dirty="0">
-                <a:ln>
-                  <a:noFill/>
-                </a:ln>
+            <a:r>
+              <a:rPr lang="en-GB" sz="1600" dirty="0">
                 <a:solidFill>
                   <a:prstClr val="black"/>
                 </a:solidFill>
-                <a:effectLst/>
-                <a:uLnTx/>
-                <a:uFillTx/>
                 <a:latin typeface="Calibri" panose="020F0502020204030204"/>
-                <a:ea typeface="+mn-ea"/>
-                <a:cs typeface="+mn-cs"/>
               </a:rPr>
               <a:t>position</a:t>
             </a:r>
-            <a:endParaRPr kumimoji="0" lang="en-GB" sz="1400" b="0" i="0" u="none" strike="noStrike" kern="1200" cap="none" spc="0" normalizeH="0" baseline="0" noProof="0" dirty="0">
-              <a:ln>
-                <a:noFill/>
-              </a:ln>
-              <a:solidFill>
-                <a:prstClr val="black"/>
-              </a:solidFill>
-              <a:effectLst/>
-              <a:uLnTx/>
-              <a:uFillTx/>
-              <a:latin typeface="Calibri" panose="020F0502020204030204"/>
-              <a:ea typeface="+mn-ea"/>
-              <a:cs typeface="+mn-cs"/>
-            </a:endParaRPr>
           </a:p>
         </p:txBody>
       </p:sp>
@@ -24453,7 +23311,7 @@
         <p:spPr>
           <a:xfrm>
             <a:off x="6731226" y="2402630"/>
-            <a:ext cx="752898" cy="307777"/>
+            <a:ext cx="734560" cy="307777"/>
           </a:xfrm>
           <a:prstGeom prst="rect">
             <a:avLst/>
@@ -24466,40 +23324,21 @@
           </a:bodyPr>
           <a:lstStyle/>
           <a:p>
-            <a:pPr marL="0" marR="0" lvl="0" indent="0" algn="l" defTabSz="914400" rtl="0" eaLnBrk="1" fontAlgn="auto" latinLnBrk="0" hangingPunct="1">
-              <a:lnSpc>
-                <a:spcPct val="100000"/>
-              </a:lnSpc>
-              <a:spcBef>
-                <a:spcPts val="0"/>
-              </a:spcBef>
-              <a:spcAft>
-                <a:spcPts val="0"/>
-              </a:spcAft>
-              <a:buClrTx/>
-              <a:buSzTx/>
-              <a:buFontTx/>
-              <a:buNone/>
-              <a:tabLst/>
-              <a:defRPr/>
-            </a:pPr>
-            <a:r>
-              <a:rPr kumimoji="0" lang="en-GB" sz="1400" b="0" i="0" u="none" strike="noStrike" kern="1200" cap="none" spc="0" normalizeH="0" baseline="0" noProof="0" dirty="0">
-                <a:ln>
-                  <a:noFill/>
-                </a:ln>
+            <a:r>
+              <a:rPr lang="en-GB" sz="1400" dirty="0" err="1">
                 <a:solidFill>
                   <a:prstClr val="black"/>
                 </a:solidFill>
-                <a:effectLst/>
-                <a:uLnTx/>
-                <a:uFillTx/>
                 <a:latin typeface="Calibri" panose="020F0502020204030204"/>
-                <a:ea typeface="+mn-ea"/>
-                <a:cs typeface="+mn-cs"/>
               </a:rPr>
-              <a:t>relation</a:t>
-            </a:r>
+              <a:t>subcats</a:t>
+            </a:r>
+            <a:endParaRPr lang="en-GB" sz="1400" dirty="0">
+              <a:solidFill>
+                <a:prstClr val="black"/>
+              </a:solidFill>
+              <a:latin typeface="Calibri" panose="020F0502020204030204"/>
+            </a:endParaRPr>
           </a:p>
         </p:txBody>
       </p:sp>
@@ -24511,8 +23350,8 @@
         </p:nvSpPr>
         <p:spPr>
           <a:xfrm>
-            <a:off x="2523710" y="5872380"/>
-            <a:ext cx="4734116" cy="461665"/>
+            <a:off x="4643134" y="5823447"/>
+            <a:ext cx="2905732" cy="461665"/>
           </a:xfrm>
           <a:prstGeom prst="rect">
             <a:avLst/>
@@ -24525,53 +23364,38 @@
           </a:bodyPr>
           <a:lstStyle/>
           <a:p>
-            <a:pPr marL="457200" marR="0" lvl="0" indent="-457200" algn="l" defTabSz="914400" rtl="0" eaLnBrk="1" fontAlgn="auto" latinLnBrk="0" hangingPunct="1">
-              <a:lnSpc>
-                <a:spcPct val="100000"/>
-              </a:lnSpc>
-              <a:spcBef>
-                <a:spcPts val="0"/>
-              </a:spcBef>
-              <a:spcAft>
-                <a:spcPts val="0"/>
-              </a:spcAft>
-              <a:buClrTx/>
-              <a:buSzTx/>
-              <a:buFont typeface="Arial" panose="020B0604020202020204" pitchFamily="34" charset="0"/>
-              <a:buChar char="•"/>
-              <a:tabLst/>
-              <a:defRPr/>
-            </a:pPr>
-            <a:r>
-              <a:rPr kumimoji="0" lang="en-GB" sz="2400" b="0" i="0" u="none" strike="noStrike" kern="1200" cap="none" spc="0" normalizeH="0" baseline="0" noProof="0" dirty="0">
-                <a:ln>
-                  <a:noFill/>
-                </a:ln>
+            <a:r>
+              <a:rPr lang="en-GB" sz="2400" dirty="0">
                 <a:solidFill>
                   <a:prstClr val="black"/>
                 </a:solidFill>
-                <a:effectLst/>
-                <a:uLnTx/>
-                <a:uFillTx/>
                 <a:latin typeface="Calibri" panose="020F0502020204030204"/>
-                <a:ea typeface="+mn-ea"/>
-                <a:cs typeface="+mn-cs"/>
               </a:rPr>
-              <a:t>This is a case of N:M relationship</a:t>
-            </a:r>
-            <a:endParaRPr kumimoji="0" lang="en-GB" sz="2400" b="0" i="0" u="none" strike="noStrike" kern="1200" cap="none" spc="0" normalizeH="0" baseline="0" noProof="0" dirty="0">
-              <a:ln>
-                <a:noFill/>
-              </a:ln>
+              <a:t>Caso di </a:t>
+            </a:r>
+            <a:r>
+              <a:rPr lang="en-GB" sz="2400" dirty="0" err="1">
+                <a:solidFill>
+                  <a:prstClr val="black"/>
+                </a:solidFill>
+                <a:latin typeface="Calibri" panose="020F0502020204030204"/>
+              </a:rPr>
+              <a:t>relazione</a:t>
+            </a:r>
+            <a:r>
+              <a:rPr lang="en-GB" sz="2400" dirty="0">
+                <a:solidFill>
+                  <a:prstClr val="black"/>
+                </a:solidFill>
+                <a:latin typeface="Calibri" panose="020F0502020204030204"/>
+              </a:rPr>
+              <a:t> N:M</a:t>
+            </a:r>
+            <a:endParaRPr lang="en-GB" sz="2400" dirty="0">
               <a:solidFill>
                 <a:srgbClr val="FF0000"/>
               </a:solidFill>
-              <a:effectLst/>
-              <a:uLnTx/>
-              <a:uFillTx/>
               <a:latin typeface="Calibri" panose="020F0502020204030204"/>
-              <a:ea typeface="+mn-ea"/>
-              <a:cs typeface="+mn-cs"/>
             </a:endParaRPr>
           </a:p>
         </p:txBody>
@@ -24843,36 +23667,20 @@
             </a:lvl9pPr>
           </a:lstStyle>
           <a:p>
-            <a:pPr marL="0" marR="0" lvl="0" indent="0" algn="ctr" defTabSz="914400" rtl="0" eaLnBrk="1" fontAlgn="auto" latinLnBrk="0" hangingPunct="1">
-              <a:lnSpc>
-                <a:spcPct val="100000"/>
-              </a:lnSpc>
-              <a:spcBef>
-                <a:spcPts val="0"/>
-              </a:spcBef>
-              <a:spcAft>
-                <a:spcPts val="0"/>
-              </a:spcAft>
-              <a:buClr>
-                <a:srgbClr val="000000"/>
-              </a:buClr>
-              <a:buSzTx/>
-              <a:buFont typeface="Arial"/>
-              <a:buNone/>
-              <a:tabLst/>
-              <a:defRPr/>
+            <a:pPr marL="0" marR="0" lvl="0" indent="0" algn="ctr" rtl="0">
+              <a:spcBef>
+                <a:spcPts val="0"/>
+              </a:spcBef>
+              <a:spcAft>
+                <a:spcPts val="0"/>
+              </a:spcAft>
+              <a:buNone/>
             </a:pPr>
             <a:r>
-              <a:rPr kumimoji="0" lang="es-419" sz="1800" b="0" i="0" u="none" strike="noStrike" kern="1200" cap="none" spc="0" normalizeH="0" baseline="0" noProof="0">
-                <a:ln>
-                  <a:noFill/>
-                </a:ln>
+              <a:rPr lang="es-419" sz="1800">
                 <a:solidFill>
-                  <a:prstClr val="black"/>
+                  <a:schemeClr val="dk1"/>
                 </a:solidFill>
-                <a:effectLst/>
-                <a:uLnTx/>
-                <a:uFillTx/>
                 <a:latin typeface="Calibri"/>
                 <a:ea typeface="Calibri"/>
                 <a:cs typeface="Calibri"/>
@@ -24880,16 +23688,10 @@
               </a:rPr>
               <a:t>User</a:t>
             </a:r>
-            <a:endParaRPr kumimoji="0" sz="1800" b="0" i="0" u="none" strike="noStrike" kern="1200" cap="none" spc="0" normalizeH="0" baseline="0" noProof="0">
-              <a:ln>
-                <a:noFill/>
-              </a:ln>
+            <a:endParaRPr sz="1800">
               <a:solidFill>
-                <a:prstClr val="black"/>
+                <a:schemeClr val="dk1"/>
               </a:solidFill>
-              <a:effectLst/>
-              <a:uLnTx/>
-              <a:uFillTx/>
               <a:latin typeface="Calibri"/>
               <a:ea typeface="Calibri"/>
               <a:cs typeface="Calibri"/>
@@ -25157,89 +23959,43 @@
             </a:lvl9pPr>
           </a:lstStyle>
           <a:p>
-            <a:pPr marL="0" marR="0" lvl="0" indent="0" algn="r" defTabSz="914400" rtl="0" eaLnBrk="1" fontAlgn="auto" latinLnBrk="0" hangingPunct="1">
-              <a:lnSpc>
-                <a:spcPct val="100000"/>
-              </a:lnSpc>
-              <a:spcBef>
-                <a:spcPts val="0"/>
-              </a:spcBef>
-              <a:spcAft>
-                <a:spcPts val="0"/>
-              </a:spcAft>
-              <a:buClr>
-                <a:srgbClr val="000000"/>
-              </a:buClr>
-              <a:buSzTx/>
-              <a:buFont typeface="Arial"/>
-              <a:buNone/>
-              <a:tabLst/>
-              <a:defRPr/>
+            <a:pPr marL="0" marR="0" lvl="0" indent="0" algn="r" rtl="0">
+              <a:spcBef>
+                <a:spcPts val="0"/>
+              </a:spcBef>
+              <a:spcAft>
+                <a:spcPts val="0"/>
+              </a:spcAft>
+              <a:buNone/>
             </a:pPr>
             <a:r>
-              <a:rPr kumimoji="0" lang="es-419" sz="1800" b="1" i="0" u="none" strike="noStrike" kern="1200" cap="none" spc="0" normalizeH="0" baseline="0" noProof="0">
-                <a:ln>
-                  <a:noFill/>
-                </a:ln>
+              <a:rPr lang="es-419" sz="1600" b="1" u="sng" dirty="0">
                 <a:solidFill>
-                  <a:prstClr val="black"/>
+                  <a:schemeClr val="dk1"/>
                 </a:solidFill>
-                <a:effectLst/>
-                <a:uLnTx/>
-                <a:uFillTx/>
                 <a:latin typeface="Calibri"/>
-                <a:ea typeface="Calibri"/>
                 <a:cs typeface="Calibri"/>
                 <a:sym typeface="Calibri"/>
               </a:rPr>
-              <a:t>ID</a:t>
-            </a:r>
-            <a:endParaRPr kumimoji="0" sz="1800" b="1" i="0" u="none" strike="noStrike" kern="1200" cap="none" spc="0" normalizeH="0" baseline="0" noProof="0">
-              <a:ln>
-                <a:noFill/>
-              </a:ln>
-              <a:solidFill>
-                <a:srgbClr val="000000"/>
-              </a:solidFill>
-              <a:effectLst/>
-              <a:uLnTx/>
-              <a:uFillTx/>
-              <a:latin typeface="Arial"/>
-              <a:cs typeface="Arial"/>
-              <a:sym typeface="Arial"/>
-            </a:endParaRPr>
-          </a:p>
-          <a:p>
-            <a:pPr marL="0" marR="0" lvl="0" indent="0" algn="r" defTabSz="914400" rtl="0" eaLnBrk="1" fontAlgn="auto" latinLnBrk="0" hangingPunct="1">
-              <a:lnSpc>
-                <a:spcPct val="100000"/>
-              </a:lnSpc>
-              <a:spcBef>
-                <a:spcPts val="0"/>
-              </a:spcBef>
-              <a:spcAft>
-                <a:spcPts val="0"/>
-              </a:spcAft>
-              <a:buClr>
-                <a:srgbClr val="000000"/>
-              </a:buClr>
-              <a:buSzTx/>
-              <a:buFont typeface="Arial"/>
-              <a:buNone/>
-              <a:tabLst/>
-              <a:defRPr/>
+              <a:t>id</a:t>
+            </a:r>
+            <a:endParaRPr sz="1600" b="1" u="sng" dirty="0"/>
+          </a:p>
+          <a:p>
+            <a:pPr marL="0" marR="0" lvl="0" indent="0" algn="r" rtl="0">
+              <a:spcBef>
+                <a:spcPts val="0"/>
+              </a:spcBef>
+              <a:spcAft>
+                <a:spcPts val="0"/>
+              </a:spcAft>
+              <a:buNone/>
             </a:pPr>
             <a:r>
-              <a:rPr kumimoji="0" lang="es-419" sz="1600" b="0" i="0" u="none" strike="noStrike" kern="1200" cap="none" spc="0" normalizeH="0" baseline="0" noProof="0">
-                <a:ln>
-                  <a:noFill/>
-                </a:ln>
+              <a:rPr lang="es-419" sz="1600" b="0" i="0" u="none" strike="noStrike" cap="none" dirty="0">
                 <a:solidFill>
-                  <a:prstClr val="black"/>
+                  <a:schemeClr val="dk1"/>
                 </a:solidFill>
-                <a:effectLst/>
-                <a:uLnTx/>
-                <a:uFillTx/>
                 <a:latin typeface="Calibri"/>
                 <a:ea typeface="Calibri"/>
                 <a:cs typeface="Calibri"/>
@@ -25247,16 +24003,10 @@
               </a:rPr>
               <a:t>username</a:t>
             </a:r>
-            <a:endParaRPr kumimoji="0" sz="1600" b="0" i="0" u="none" strike="noStrike" kern="1200" cap="none" spc="0" normalizeH="0" baseline="0" noProof="0">
-              <a:ln>
-                <a:noFill/>
-              </a:ln>
+            <a:endParaRPr sz="1600" b="0" i="0" u="none" strike="noStrike" cap="none" dirty="0">
               <a:solidFill>
-                <a:prstClr val="black"/>
+                <a:schemeClr val="dk1"/>
               </a:solidFill>
-              <a:effectLst/>
-              <a:uLnTx/>
-              <a:uFillTx/>
               <a:latin typeface="Calibri"/>
               <a:ea typeface="Calibri"/>
               <a:cs typeface="Calibri"/>
@@ -25264,36 +24014,20 @@
             </a:endParaRPr>
           </a:p>
           <a:p>
-            <a:pPr marL="0" marR="0" lvl="0" indent="0" algn="r" defTabSz="914400" rtl="0" eaLnBrk="1" fontAlgn="auto" latinLnBrk="0" hangingPunct="1">
-              <a:lnSpc>
-                <a:spcPct val="100000"/>
-              </a:lnSpc>
-              <a:spcBef>
-                <a:spcPts val="0"/>
-              </a:spcBef>
-              <a:spcAft>
-                <a:spcPts val="0"/>
-              </a:spcAft>
-              <a:buClr>
-                <a:srgbClr val="000000"/>
-              </a:buClr>
-              <a:buSzTx/>
-              <a:buFont typeface="Arial"/>
-              <a:buNone/>
-              <a:tabLst/>
-              <a:defRPr/>
+            <a:pPr marL="0" marR="0" lvl="0" indent="0" algn="r" rtl="0">
+              <a:spcBef>
+                <a:spcPts val="0"/>
+              </a:spcBef>
+              <a:spcAft>
+                <a:spcPts val="0"/>
+              </a:spcAft>
+              <a:buNone/>
             </a:pPr>
             <a:r>
-              <a:rPr kumimoji="0" lang="es-419" sz="1600" b="0" i="0" u="none" strike="noStrike" kern="1200" cap="none" spc="0" normalizeH="0" baseline="0" noProof="0">
-                <a:ln>
-                  <a:noFill/>
-                </a:ln>
+              <a:rPr lang="es-419" sz="1600" b="0" i="0" u="none" strike="noStrike" cap="none" dirty="0">
                 <a:solidFill>
-                  <a:prstClr val="black"/>
+                  <a:schemeClr val="dk1"/>
                 </a:solidFill>
-                <a:effectLst/>
-                <a:uLnTx/>
-                <a:uFillTx/>
                 <a:latin typeface="Calibri"/>
                 <a:ea typeface="Calibri"/>
                 <a:cs typeface="Calibri"/>
@@ -25301,16 +24035,10 @@
               </a:rPr>
               <a:t>password</a:t>
             </a:r>
-            <a:endParaRPr kumimoji="0" sz="1600" b="0" i="0" u="none" strike="noStrike" kern="1200" cap="none" spc="0" normalizeH="0" baseline="0" noProof="0">
-              <a:ln>
-                <a:noFill/>
-              </a:ln>
+            <a:endParaRPr sz="1600" b="0" i="0" u="none" strike="noStrike" cap="none" dirty="0">
               <a:solidFill>
-                <a:prstClr val="black"/>
+                <a:schemeClr val="dk1"/>
               </a:solidFill>
-              <a:effectLst/>
-              <a:uLnTx/>
-              <a:uFillTx/>
               <a:latin typeface="Calibri"/>
               <a:ea typeface="Calibri"/>
               <a:cs typeface="Calibri"/>
@@ -25318,36 +24046,20 @@
             </a:endParaRPr>
           </a:p>
           <a:p>
-            <a:pPr marL="0" marR="0" lvl="0" indent="0" algn="r" defTabSz="914400" rtl="0" eaLnBrk="1" fontAlgn="auto" latinLnBrk="0" hangingPunct="1">
-              <a:lnSpc>
-                <a:spcPct val="100000"/>
-              </a:lnSpc>
-              <a:spcBef>
-                <a:spcPts val="0"/>
-              </a:spcBef>
-              <a:spcAft>
-                <a:spcPts val="0"/>
-              </a:spcAft>
-              <a:buClr>
-                <a:srgbClr val="000000"/>
-              </a:buClr>
-              <a:buSzTx/>
-              <a:buFont typeface="Arial"/>
-              <a:buNone/>
-              <a:tabLst/>
-              <a:defRPr/>
+            <a:pPr marL="0" marR="0" lvl="0" indent="0" algn="r" rtl="0">
+              <a:spcBef>
+                <a:spcPts val="0"/>
+              </a:spcBef>
+              <a:spcAft>
+                <a:spcPts val="0"/>
+              </a:spcAft>
+              <a:buNone/>
             </a:pPr>
             <a:r>
-              <a:rPr kumimoji="0" lang="es-419" sz="1600" b="0" i="0" u="none" strike="noStrike" kern="1200" cap="none" spc="0" normalizeH="0" baseline="0" noProof="0">
-                <a:ln>
-                  <a:noFill/>
-                </a:ln>
+              <a:rPr lang="es-419" sz="1600" dirty="0">
                 <a:solidFill>
-                  <a:prstClr val="black"/>
+                  <a:schemeClr val="dk1"/>
                 </a:solidFill>
-                <a:effectLst/>
-                <a:uLnTx/>
-                <a:uFillTx/>
                 <a:latin typeface="Calibri"/>
                 <a:ea typeface="Calibri"/>
                 <a:cs typeface="Calibri"/>
@@ -25355,16 +24067,10 @@
               </a:rPr>
               <a:t>name</a:t>
             </a:r>
-            <a:endParaRPr kumimoji="0" sz="1600" b="0" i="0" u="none" strike="noStrike" kern="1200" cap="none" spc="0" normalizeH="0" baseline="0" noProof="0">
-              <a:ln>
-                <a:noFill/>
-              </a:ln>
+            <a:endParaRPr sz="1600" dirty="0">
               <a:solidFill>
-                <a:prstClr val="black"/>
+                <a:schemeClr val="dk1"/>
               </a:solidFill>
-              <a:effectLst/>
-              <a:uLnTx/>
-              <a:uFillTx/>
               <a:latin typeface="Calibri"/>
               <a:ea typeface="Calibri"/>
               <a:cs typeface="Calibri"/>
@@ -25372,36 +24078,20 @@
             </a:endParaRPr>
           </a:p>
           <a:p>
-            <a:pPr marL="0" marR="0" lvl="0" indent="0" algn="r" defTabSz="914400" rtl="0" eaLnBrk="1" fontAlgn="auto" latinLnBrk="0" hangingPunct="1">
-              <a:lnSpc>
-                <a:spcPct val="100000"/>
-              </a:lnSpc>
-              <a:spcBef>
-                <a:spcPts val="0"/>
-              </a:spcBef>
-              <a:spcAft>
-                <a:spcPts val="0"/>
-              </a:spcAft>
-              <a:buClr>
-                <a:srgbClr val="000000"/>
-              </a:buClr>
-              <a:buSzTx/>
-              <a:buFont typeface="Arial"/>
-              <a:buNone/>
-              <a:tabLst/>
-              <a:defRPr/>
+            <a:pPr marL="0" marR="0" lvl="0" indent="0" algn="r" rtl="0">
+              <a:spcBef>
+                <a:spcPts val="0"/>
+              </a:spcBef>
+              <a:spcAft>
+                <a:spcPts val="0"/>
+              </a:spcAft>
+              <a:buNone/>
             </a:pPr>
             <a:r>
-              <a:rPr kumimoji="0" lang="es-419" sz="1600" b="0" i="0" u="none" strike="noStrike" kern="1200" cap="none" spc="0" normalizeH="0" baseline="0" noProof="0">
-                <a:ln>
-                  <a:noFill/>
-                </a:ln>
+              <a:rPr lang="es-419" sz="1600" dirty="0">
                 <a:solidFill>
-                  <a:prstClr val="black"/>
+                  <a:schemeClr val="dk1"/>
                 </a:solidFill>
-                <a:effectLst/>
-                <a:uLnTx/>
-                <a:uFillTx/>
                 <a:latin typeface="Calibri"/>
                 <a:ea typeface="Calibri"/>
                 <a:cs typeface="Calibri"/>
@@ -25409,16 +24099,10 @@
               </a:rPr>
               <a:t>surname</a:t>
             </a:r>
-            <a:endParaRPr kumimoji="0" sz="1600" b="0" i="0" u="none" strike="noStrike" kern="1200" cap="none" spc="0" normalizeH="0" baseline="0" noProof="0">
-              <a:ln>
-                <a:noFill/>
-              </a:ln>
+            <a:endParaRPr sz="1600" dirty="0">
               <a:solidFill>
-                <a:prstClr val="black"/>
+                <a:schemeClr val="dk1"/>
               </a:solidFill>
-              <a:effectLst/>
-              <a:uLnTx/>
-              <a:uFillTx/>
               <a:latin typeface="Calibri"/>
               <a:ea typeface="Calibri"/>
               <a:cs typeface="Calibri"/>
@@ -25430,7 +24114,400 @@
     </p:spTree>
     <p:extLst>
       <p:ext uri="{BB962C8B-B14F-4D97-AF65-F5344CB8AC3E}">
-        <p14:creationId xmlns:p14="http://schemas.microsoft.com/office/powerpoint/2010/main" val="235916922"/>
+        <p14:creationId xmlns:p14="http://schemas.microsoft.com/office/powerpoint/2010/main" val="2976245937"/>
+      </p:ext>
+    </p:extLst>
+  </p:cSld>
+  <p:clrMapOvr>
+    <a:masterClrMapping/>
+  </p:clrMapOvr>
+</p:sld>
+</file>
+
+<file path=ppt/slides/slide5.xml><?xml version="1.0" encoding="utf-8"?>
+<p:sld xmlns:a="http://schemas.openxmlformats.org/drawingml/2006/main" xmlns:r="http://schemas.openxmlformats.org/officeDocument/2006/relationships" xmlns:p="http://schemas.openxmlformats.org/presentationml/2006/main">
+  <p:cSld>
+    <p:spTree>
+      <p:nvGrpSpPr>
+        <p:cNvPr id="1" name=""/>
+        <p:cNvGrpSpPr/>
+        <p:nvPr/>
+      </p:nvGrpSpPr>
+      <p:grpSpPr>
+        <a:xfrm>
+          <a:off x="0" y="0"/>
+          <a:ext cx="0" cy="0"/>
+          <a:chOff x="0" y="0"/>
+          <a:chExt cx="0" cy="0"/>
+        </a:xfrm>
+      </p:grpSpPr>
+      <p:sp>
+        <p:nvSpPr>
+          <p:cNvPr id="2" name="Titolo 1">
+            <a:extLst>
+              <a:ext uri="{FF2B5EF4-FFF2-40B4-BE49-F238E27FC236}">
+                <a16:creationId xmlns:a16="http://schemas.microsoft.com/office/drawing/2014/main" id="{67282455-4C19-444E-BFE7-FA39C0103B6F}"/>
+              </a:ext>
+            </a:extLst>
+          </p:cNvPr>
+          <p:cNvSpPr>
+            <a:spLocks noGrp="1"/>
+          </p:cNvSpPr>
+          <p:nvPr>
+            <p:ph type="title"/>
+          </p:nvPr>
+        </p:nvSpPr>
+        <p:spPr/>
+        <p:txBody>
+          <a:bodyPr/>
+          <a:lstStyle/>
+          <a:p>
+            <a:r>
+              <a:rPr lang="it-IT" dirty="0">
+                <a:latin typeface="+mn-lt"/>
+              </a:rPr>
+              <a:t>Schema database locale</a:t>
+            </a:r>
+          </a:p>
+        </p:txBody>
+      </p:sp>
+      <p:sp>
+        <p:nvSpPr>
+          <p:cNvPr id="3" name="Segnaposto contenuto 2">
+            <a:extLst>
+              <a:ext uri="{FF2B5EF4-FFF2-40B4-BE49-F238E27FC236}">
+                <a16:creationId xmlns:a16="http://schemas.microsoft.com/office/drawing/2014/main" id="{153667B8-3E6F-4D6B-858E-03ECE1963BA6}"/>
+              </a:ext>
+            </a:extLst>
+          </p:cNvPr>
+          <p:cNvSpPr>
+            <a:spLocks noGrp="1"/>
+          </p:cNvSpPr>
+          <p:nvPr>
+            <p:ph idx="1"/>
+          </p:nvPr>
+        </p:nvSpPr>
+        <p:spPr/>
+        <p:txBody>
+          <a:bodyPr>
+            <a:normAutofit/>
+          </a:bodyPr>
+          <a:lstStyle/>
+          <a:p>
+            <a:pPr marL="0" indent="0">
+              <a:buNone/>
+            </a:pPr>
+            <a:r>
+              <a:rPr lang="it-IT" sz="2400" dirty="0"/>
+              <a:t>CREATE TABLE `</a:t>
+            </a:r>
+            <a:r>
+              <a:rPr lang="it-IT" sz="2400" b="1" dirty="0"/>
+              <a:t>user</a:t>
+            </a:r>
+            <a:r>
+              <a:rPr lang="it-IT" sz="2400" dirty="0"/>
+              <a:t>` (  </a:t>
+            </a:r>
+          </a:p>
+          <a:p>
+            <a:pPr marL="0" indent="0">
+              <a:buNone/>
+            </a:pPr>
+            <a:r>
+              <a:rPr lang="it-IT" sz="2400" dirty="0"/>
+              <a:t>	`id` </a:t>
+            </a:r>
+            <a:r>
+              <a:rPr lang="it-IT" sz="2400" dirty="0" err="1"/>
+              <a:t>int</a:t>
+            </a:r>
+            <a:r>
+              <a:rPr lang="it-IT" sz="2400" dirty="0"/>
+              <a:t> NOT NULL AUTO_INCREMENT,  </a:t>
+            </a:r>
+          </a:p>
+          <a:p>
+            <a:pPr marL="0" indent="0">
+              <a:buNone/>
+            </a:pPr>
+            <a:r>
+              <a:rPr lang="it-IT" sz="2400" dirty="0"/>
+              <a:t>	`username` </a:t>
+            </a:r>
+            <a:r>
+              <a:rPr lang="it-IT" sz="2400" dirty="0" err="1"/>
+              <a:t>varchar</a:t>
+            </a:r>
+            <a:r>
+              <a:rPr lang="it-IT" sz="2400" dirty="0"/>
+              <a:t>(45) NOT NULL,  </a:t>
+            </a:r>
+          </a:p>
+          <a:p>
+            <a:pPr marL="0" indent="0">
+              <a:buNone/>
+            </a:pPr>
+            <a:r>
+              <a:rPr lang="it-IT" sz="2400" dirty="0"/>
+              <a:t>	`password` </a:t>
+            </a:r>
+            <a:r>
+              <a:rPr lang="it-IT" sz="2400" dirty="0" err="1"/>
+              <a:t>varchar</a:t>
+            </a:r>
+            <a:r>
+              <a:rPr lang="it-IT" sz="2400" dirty="0"/>
+              <a:t>(45) NOT NULL,  </a:t>
+            </a:r>
+          </a:p>
+          <a:p>
+            <a:pPr marL="0" indent="0">
+              <a:buNone/>
+            </a:pPr>
+            <a:r>
+              <a:rPr lang="it-IT" sz="2400" dirty="0"/>
+              <a:t>	`name` </a:t>
+            </a:r>
+            <a:r>
+              <a:rPr lang="it-IT" sz="2400" dirty="0" err="1"/>
+              <a:t>varchar</a:t>
+            </a:r>
+            <a:r>
+              <a:rPr lang="it-IT" sz="2400" dirty="0"/>
+              <a:t>(45) NOT NULL,  </a:t>
+            </a:r>
+          </a:p>
+          <a:p>
+            <a:pPr marL="0" indent="0">
+              <a:buNone/>
+            </a:pPr>
+            <a:r>
+              <a:rPr lang="it-IT" sz="2400" dirty="0"/>
+              <a:t>	`</a:t>
+            </a:r>
+            <a:r>
+              <a:rPr lang="it-IT" sz="2400" dirty="0" err="1"/>
+              <a:t>surname</a:t>
+            </a:r>
+            <a:r>
+              <a:rPr lang="it-IT" sz="2400" dirty="0"/>
+              <a:t>` </a:t>
+            </a:r>
+            <a:r>
+              <a:rPr lang="it-IT" sz="2400" dirty="0" err="1"/>
+              <a:t>varchar</a:t>
+            </a:r>
+            <a:r>
+              <a:rPr lang="it-IT" sz="2400" dirty="0"/>
+              <a:t>(45) NOT NULL,  </a:t>
+            </a:r>
+          </a:p>
+          <a:p>
+            <a:pPr marL="0" indent="0">
+              <a:buNone/>
+            </a:pPr>
+            <a:r>
+              <a:rPr lang="it-IT" sz="2400" dirty="0"/>
+              <a:t>	PRIMARY KEY (`id`),  </a:t>
+            </a:r>
+          </a:p>
+          <a:p>
+            <a:pPr marL="0" indent="0">
+              <a:buNone/>
+            </a:pPr>
+            <a:r>
+              <a:rPr lang="it-IT" sz="2400" dirty="0"/>
+              <a:t>	UNIQUE KEY `</a:t>
+            </a:r>
+            <a:r>
+              <a:rPr lang="it-IT" sz="2400" dirty="0" err="1"/>
+              <a:t>username_UNIQUE</a:t>
+            </a:r>
+            <a:r>
+              <a:rPr lang="it-IT" sz="2400" dirty="0"/>
+              <a:t>` (`username`)</a:t>
+            </a:r>
+          </a:p>
+          <a:p>
+            <a:pPr marL="0" indent="0">
+              <a:buNone/>
+            </a:pPr>
+            <a:r>
+              <a:rPr lang="it-IT" sz="2400" dirty="0"/>
+              <a:t>)</a:t>
+            </a:r>
+          </a:p>
+        </p:txBody>
+      </p:sp>
+    </p:spTree>
+    <p:extLst>
+      <p:ext uri="{BB962C8B-B14F-4D97-AF65-F5344CB8AC3E}">
+        <p14:creationId xmlns:p14="http://schemas.microsoft.com/office/powerpoint/2010/main" val="949205422"/>
+      </p:ext>
+    </p:extLst>
+  </p:cSld>
+  <p:clrMapOvr>
+    <a:masterClrMapping/>
+  </p:clrMapOvr>
+</p:sld>
+</file>
+
+<file path=ppt/slides/slide6.xml><?xml version="1.0" encoding="utf-8"?>
+<p:sld xmlns:a="http://schemas.openxmlformats.org/drawingml/2006/main" xmlns:r="http://schemas.openxmlformats.org/officeDocument/2006/relationships" xmlns:p="http://schemas.openxmlformats.org/presentationml/2006/main">
+  <p:cSld>
+    <p:spTree>
+      <p:nvGrpSpPr>
+        <p:cNvPr id="1" name=""/>
+        <p:cNvGrpSpPr/>
+        <p:nvPr/>
+      </p:nvGrpSpPr>
+      <p:grpSpPr>
+        <a:xfrm>
+          <a:off x="0" y="0"/>
+          <a:ext cx="0" cy="0"/>
+          <a:chOff x="0" y="0"/>
+          <a:chExt cx="0" cy="0"/>
+        </a:xfrm>
+      </p:grpSpPr>
+      <p:sp>
+        <p:nvSpPr>
+          <p:cNvPr id="2" name="Titolo 1">
+            <a:extLst>
+              <a:ext uri="{FF2B5EF4-FFF2-40B4-BE49-F238E27FC236}">
+                <a16:creationId xmlns:a16="http://schemas.microsoft.com/office/drawing/2014/main" id="{67282455-4C19-444E-BFE7-FA39C0103B6F}"/>
+              </a:ext>
+            </a:extLst>
+          </p:cNvPr>
+          <p:cNvSpPr>
+            <a:spLocks noGrp="1"/>
+          </p:cNvSpPr>
+          <p:nvPr>
+            <p:ph type="title"/>
+          </p:nvPr>
+        </p:nvSpPr>
+        <p:spPr/>
+        <p:txBody>
+          <a:bodyPr/>
+          <a:lstStyle/>
+          <a:p>
+            <a:r>
+              <a:rPr lang="it-IT" dirty="0">
+                <a:latin typeface="+mn-lt"/>
+              </a:rPr>
+              <a:t>Schema database locale</a:t>
+            </a:r>
+          </a:p>
+        </p:txBody>
+      </p:sp>
+      <p:sp>
+        <p:nvSpPr>
+          <p:cNvPr id="3" name="Segnaposto contenuto 2">
+            <a:extLst>
+              <a:ext uri="{FF2B5EF4-FFF2-40B4-BE49-F238E27FC236}">
+                <a16:creationId xmlns:a16="http://schemas.microsoft.com/office/drawing/2014/main" id="{153667B8-3E6F-4D6B-858E-03ECE1963BA6}"/>
+              </a:ext>
+            </a:extLst>
+          </p:cNvPr>
+          <p:cNvSpPr>
+            <a:spLocks noGrp="1"/>
+          </p:cNvSpPr>
+          <p:nvPr>
+            <p:ph idx="1"/>
+          </p:nvPr>
+        </p:nvSpPr>
+        <p:spPr/>
+        <p:txBody>
+          <a:bodyPr>
+            <a:normAutofit/>
+          </a:bodyPr>
+          <a:lstStyle/>
+          <a:p>
+            <a:pPr marL="0" indent="0">
+              <a:buNone/>
+            </a:pPr>
+            <a:r>
+              <a:rPr lang="en-US" sz="2400" dirty="0"/>
+              <a:t>CREATE TABLE `</a:t>
+            </a:r>
+            <a:r>
+              <a:rPr lang="en-US" sz="2400" b="1" dirty="0"/>
+              <a:t>category</a:t>
+            </a:r>
+            <a:r>
+              <a:rPr lang="en-US" sz="2400" dirty="0"/>
+              <a:t>` (  </a:t>
+            </a:r>
+          </a:p>
+          <a:p>
+            <a:pPr marL="0" indent="0">
+              <a:buNone/>
+            </a:pPr>
+            <a:r>
+              <a:rPr lang="en-US" sz="2400" dirty="0"/>
+              <a:t>	`id` int NOT NULL AUTO_INCREMENT,  </a:t>
+            </a:r>
+          </a:p>
+          <a:p>
+            <a:pPr marL="0" indent="0">
+              <a:buNone/>
+            </a:pPr>
+            <a:r>
+              <a:rPr lang="en-US" sz="2400" dirty="0"/>
+              <a:t>	`name` varchar(45) NOT NULL,  </a:t>
+            </a:r>
+          </a:p>
+          <a:p>
+            <a:pPr marL="0" indent="0">
+              <a:buNone/>
+            </a:pPr>
+            <a:r>
+              <a:rPr lang="en-US" sz="2400" dirty="0"/>
+              <a:t>	`position` varchar(45) NOT NULL,  </a:t>
+            </a:r>
+          </a:p>
+          <a:p>
+            <a:pPr marL="0" indent="0">
+              <a:buNone/>
+            </a:pPr>
+            <a:r>
+              <a:rPr lang="en-US" sz="2400" dirty="0"/>
+              <a:t>	PRIMARY KEY (`id`),  </a:t>
+            </a:r>
+          </a:p>
+          <a:p>
+            <a:pPr marL="0" indent="0">
+              <a:buNone/>
+            </a:pPr>
+            <a:r>
+              <a:rPr lang="en-US" sz="2400" dirty="0"/>
+              <a:t>	UNIQUE KEY `</a:t>
+            </a:r>
+            <a:r>
+              <a:rPr lang="en-US" sz="2400" dirty="0" err="1"/>
+              <a:t>name_UNIQUE</a:t>
+            </a:r>
+            <a:r>
+              <a:rPr lang="en-US" sz="2400" dirty="0"/>
+              <a:t>` (`name`)</a:t>
+            </a:r>
+          </a:p>
+          <a:p>
+            <a:pPr marL="0" indent="0">
+              <a:buNone/>
+            </a:pPr>
+            <a:r>
+              <a:rPr lang="en-US" sz="2400" dirty="0"/>
+              <a:t>)</a:t>
+            </a:r>
+            <a:endParaRPr lang="it-IT" sz="2400" dirty="0"/>
+          </a:p>
+        </p:txBody>
+      </p:sp>
+    </p:spTree>
+    <p:extLst>
+      <p:ext uri="{BB962C8B-B14F-4D97-AF65-F5344CB8AC3E}">
+        <p14:creationId xmlns:p14="http://schemas.microsoft.com/office/powerpoint/2010/main" val="2635664426"/>
       </p:ext>
     </p:extLst>
   </p:cSld>
@@ -25479,7 +24556,9 @@
           <a:lstStyle/>
           <a:p>
             <a:r>
-              <a:rPr lang="it-IT" dirty="0"/>
+              <a:rPr lang="it-IT" dirty="0">
+                <a:latin typeface="+mn-lt"/>
+              </a:rPr>
               <a:t>Schema database locale</a:t>
             </a:r>
           </a:p>
@@ -25501,10 +24580,15 @@
             <p:ph idx="1"/>
           </p:nvPr>
         </p:nvSpPr>
-        <p:spPr/>
+        <p:spPr>
+          <a:xfrm>
+            <a:off x="838200" y="1825625"/>
+            <a:ext cx="10515600" cy="4351338"/>
+          </a:xfrm>
+        </p:spPr>
         <p:txBody>
           <a:bodyPr>
-            <a:normAutofit lnSpcReduction="10000"/>
+            <a:normAutofit/>
           </a:bodyPr>
           <a:lstStyle/>
           <a:p>
@@ -25512,8 +24596,16 @@
               <a:buNone/>
             </a:pPr>
             <a:r>
-              <a:rPr lang="it-IT" dirty="0"/>
-              <a:t>CREATE TABLE `user` (  </a:t>
+              <a:rPr lang="en-US" sz="2400" dirty="0"/>
+              <a:t>CREATE TABLE `</a:t>
+            </a:r>
+            <a:r>
+              <a:rPr lang="en-US" sz="2400" b="1" dirty="0" err="1"/>
+              <a:t>subcats</a:t>
+            </a:r>
+            <a:r>
+              <a:rPr lang="en-US" sz="2400" dirty="0"/>
+              <a:t>` (  </a:t>
             </a:r>
           </a:p>
           <a:p>
@@ -25521,16 +24613,8 @@
               <a:buNone/>
             </a:pPr>
             <a:r>
-              <a:rPr lang="it-IT" dirty="0"/>
-              <a:t>`id` </a:t>
-            </a:r>
-            <a:r>
-              <a:rPr lang="it-IT" dirty="0" err="1"/>
-              <a:t>int</a:t>
-            </a:r>
-            <a:r>
-              <a:rPr lang="it-IT" dirty="0"/>
-              <a:t> NOT NULL AUTO_INCREMENT,  </a:t>
+              <a:rPr lang="en-US" sz="2400" dirty="0"/>
+              <a:t>	`father` int NOT NULL,  </a:t>
             </a:r>
           </a:p>
           <a:p>
@@ -25538,16 +24622,8 @@
               <a:buNone/>
             </a:pPr>
             <a:r>
-              <a:rPr lang="it-IT" dirty="0"/>
-              <a:t>`username` </a:t>
-            </a:r>
-            <a:r>
-              <a:rPr lang="it-IT" dirty="0" err="1"/>
-              <a:t>varchar</a:t>
-            </a:r>
-            <a:r>
-              <a:rPr lang="it-IT" dirty="0"/>
-              <a:t>(45) NOT NULL,  </a:t>
+              <a:rPr lang="en-US" sz="2400" dirty="0"/>
+              <a:t>	`child` int NOT NULL,  </a:t>
             </a:r>
           </a:p>
           <a:p>
@@ -25555,16 +24631,16 @@
               <a:buNone/>
             </a:pPr>
             <a:r>
-              <a:rPr lang="it-IT" dirty="0"/>
-              <a:t>`password` </a:t>
-            </a:r>
-            <a:r>
-              <a:rPr lang="it-IT" dirty="0" err="1"/>
-              <a:t>varchar</a:t>
-            </a:r>
-            <a:r>
-              <a:rPr lang="it-IT" dirty="0"/>
-              <a:t>(45) NOT NULL,  </a:t>
+              <a:rPr lang="en-US" sz="2400" dirty="0"/>
+              <a:t>	PRIMARY KEY (`</a:t>
+            </a:r>
+            <a:r>
+              <a:rPr lang="en-US" sz="2400" dirty="0" err="1"/>
+              <a:t>father`,`child</a:t>
+            </a:r>
+            <a:r>
+              <a:rPr lang="en-US" sz="2400" dirty="0"/>
+              <a:t>`),  </a:t>
             </a:r>
           </a:p>
           <a:p>
@@ -25572,16 +24648,16 @@
               <a:buNone/>
             </a:pPr>
             <a:r>
-              <a:rPr lang="it-IT" dirty="0"/>
-              <a:t>`name` </a:t>
-            </a:r>
-            <a:r>
-              <a:rPr lang="it-IT" dirty="0" err="1"/>
-              <a:t>varchar</a:t>
-            </a:r>
-            <a:r>
-              <a:rPr lang="it-IT" dirty="0"/>
-              <a:t>(45) NOT NULL,  </a:t>
+              <a:rPr lang="en-US" sz="2400" dirty="0"/>
+              <a:t>	KEY `</a:t>
+            </a:r>
+            <a:r>
+              <a:rPr lang="en-US" sz="2400" dirty="0" err="1"/>
+              <a:t>childtocategory_idx</a:t>
+            </a:r>
+            <a:r>
+              <a:rPr lang="en-US" sz="2400" dirty="0"/>
+              <a:t>` (`child`),  </a:t>
             </a:r>
           </a:p>
           <a:p>
@@ -25589,24 +24665,16 @@
               <a:buNone/>
             </a:pPr>
             <a:r>
-              <a:rPr lang="it-IT" dirty="0"/>
-              <a:t>`</a:t>
-            </a:r>
-            <a:r>
-              <a:rPr lang="it-IT" dirty="0" err="1"/>
-              <a:t>surname</a:t>
-            </a:r>
-            <a:r>
-              <a:rPr lang="it-IT" dirty="0"/>
-              <a:t>` </a:t>
-            </a:r>
-            <a:r>
-              <a:rPr lang="it-IT" dirty="0" err="1"/>
-              <a:t>varchar</a:t>
-            </a:r>
-            <a:r>
-              <a:rPr lang="it-IT" dirty="0"/>
-              <a:t>(45) NOT NULL,  </a:t>
+              <a:rPr lang="en-US" sz="2400" dirty="0"/>
+              <a:t>	CONSTRAINT `</a:t>
+            </a:r>
+            <a:r>
+              <a:rPr lang="en-US" sz="2400" dirty="0" err="1"/>
+              <a:t>childtocategory</a:t>
+            </a:r>
+            <a:r>
+              <a:rPr lang="en-US" sz="2400" dirty="0"/>
+              <a:t>` FOREIGN KEY (`child`) REFERENCES 	`category` (`id`),  </a:t>
             </a:r>
           </a:p>
           <a:p>
@@ -25614,8 +24682,16 @@
               <a:buNone/>
             </a:pPr>
             <a:r>
-              <a:rPr lang="it-IT" dirty="0"/>
-              <a:t>PRIMARY KEY (`id`),  </a:t>
+              <a:rPr lang="en-US" sz="2400" dirty="0"/>
+              <a:t>	CONSTRAINT `</a:t>
+            </a:r>
+            <a:r>
+              <a:rPr lang="en-US" sz="2400" dirty="0" err="1"/>
+              <a:t>fathertocategory</a:t>
+            </a:r>
+            <a:r>
+              <a:rPr lang="en-US" sz="2400" dirty="0"/>
+              <a:t>` FOREIGN KEY (`father`) REFERENCES 	`category` (`id`)</a:t>
             </a:r>
           </a:p>
           <a:p>
@@ -25623,33 +24699,17 @@
               <a:buNone/>
             </a:pPr>
             <a:r>
-              <a:rPr lang="it-IT" dirty="0"/>
-              <a:t>UNIQUE KEY `</a:t>
-            </a:r>
-            <a:r>
-              <a:rPr lang="it-IT" dirty="0" err="1"/>
-              <a:t>Username_UNIQUE</a:t>
-            </a:r>
-            <a:r>
-              <a:rPr lang="it-IT" dirty="0"/>
-              <a:t>` (`username`)</a:t>
-            </a:r>
-          </a:p>
-          <a:p>
-            <a:pPr marL="0" indent="0">
-              <a:buNone/>
-            </a:pPr>
-            <a:r>
-              <a:rPr lang="it-IT" dirty="0"/>
+              <a:rPr lang="en-US" sz="2400" dirty="0"/>
               <a:t>)</a:t>
             </a:r>
+            <a:endParaRPr lang="it-IT" sz="2400" dirty="0"/>
           </a:p>
         </p:txBody>
       </p:sp>
     </p:spTree>
     <p:extLst>
       <p:ext uri="{BB962C8B-B14F-4D97-AF65-F5344CB8AC3E}">
-        <p14:creationId xmlns:p14="http://schemas.microsoft.com/office/powerpoint/2010/main" val="918785800"/>
+        <p14:creationId xmlns:p14="http://schemas.microsoft.com/office/powerpoint/2010/main" val="2844965842"/>
       </p:ext>
     </p:extLst>
   </p:cSld>
@@ -25678,10 +24738,10 @@
       </p:grpSpPr>
       <p:sp>
         <p:nvSpPr>
-          <p:cNvPr id="2" name="Titolo 1">
+          <p:cNvPr id="4" name="Titolo 3">
             <a:extLst>
               <a:ext uri="{FF2B5EF4-FFF2-40B4-BE49-F238E27FC236}">
-                <a16:creationId xmlns:a16="http://schemas.microsoft.com/office/drawing/2014/main" id="{67282455-4C19-444E-BFE7-FA39C0103B6F}"/>
+                <a16:creationId xmlns:a16="http://schemas.microsoft.com/office/drawing/2014/main" id="{85E9091D-F543-4CDC-A17B-B04B87A77565}"/>
               </a:ext>
             </a:extLst>
           </p:cNvPr>
@@ -25692,24 +24752,31 @@
             <p:ph type="title"/>
           </p:nvPr>
         </p:nvSpPr>
-        <p:spPr/>
+        <p:spPr>
+          <a:xfrm>
+            <a:off x="838200" y="-16769"/>
+            <a:ext cx="10515600" cy="1325563"/>
+          </a:xfrm>
+        </p:spPr>
         <p:txBody>
           <a:bodyPr/>
           <a:lstStyle/>
           <a:p>
             <a:r>
-              <a:rPr lang="it-IT" dirty="0"/>
-              <a:t>Schema database locale</a:t>
-            </a:r>
-          </a:p>
-        </p:txBody>
-      </p:sp>
-      <p:sp>
-        <p:nvSpPr>
-          <p:cNvPr id="3" name="Segnaposto contenuto 2">
+              <a:rPr lang="it-IT" dirty="0">
+                <a:latin typeface="+mn-lt"/>
+              </a:rPr>
+              <a:t>Analisi dei requisiti dell’applicazione</a:t>
+            </a:r>
+          </a:p>
+        </p:txBody>
+      </p:sp>
+      <p:sp>
+        <p:nvSpPr>
+          <p:cNvPr id="5" name="Segnaposto contenuto 4">
             <a:extLst>
               <a:ext uri="{FF2B5EF4-FFF2-40B4-BE49-F238E27FC236}">
-                <a16:creationId xmlns:a16="http://schemas.microsoft.com/office/drawing/2014/main" id="{153667B8-3E6F-4D6B-858E-03ECE1963BA6}"/>
+                <a16:creationId xmlns:a16="http://schemas.microsoft.com/office/drawing/2014/main" id="{9A62D560-AFED-473C-80C1-8F270C53A78E}"/>
               </a:ext>
             </a:extLst>
           </p:cNvPr>
@@ -25720,7 +24787,12 @@
             <p:ph idx="1"/>
           </p:nvPr>
         </p:nvSpPr>
-        <p:spPr/>
+        <p:spPr>
+          <a:xfrm>
+            <a:off x="838200" y="1090862"/>
+            <a:ext cx="10515600" cy="5213685"/>
+          </a:xfrm>
+        </p:spPr>
         <p:txBody>
           <a:bodyPr>
             <a:normAutofit/>
@@ -25731,8 +24803,54 @@
               <a:buNone/>
             </a:pPr>
             <a:r>
-              <a:rPr lang="en-US" dirty="0"/>
-              <a:t>CREATE TABLE `category` (  </a:t>
+              <a:rPr lang="it-IT" sz="2000" dirty="0"/>
+              <a:t>Un’applicazione permette all’utente di gestire una tassonomia di classificazione utile per etichettare immagini allo scopo di consentire la ricerca in base alla categoria. Dopo il </a:t>
+            </a:r>
+            <a:r>
+              <a:rPr lang="it-IT" sz="2000" dirty="0">
+                <a:solidFill>
+                  <a:schemeClr val="accent4">
+                    <a:lumMod val="75000"/>
+                  </a:schemeClr>
+                </a:solidFill>
+              </a:rPr>
+              <a:t>login</a:t>
+            </a:r>
+            <a:r>
+              <a:rPr lang="it-IT" sz="2000" dirty="0"/>
+              <a:t>, l’utente </a:t>
+            </a:r>
+            <a:r>
+              <a:rPr lang="it-IT" sz="2000" dirty="0">
+                <a:solidFill>
+                  <a:srgbClr val="0070C0"/>
+                </a:solidFill>
+              </a:rPr>
+              <a:t>accede a una pagina </a:t>
+            </a:r>
+            <a:r>
+              <a:rPr lang="it-IT" sz="2000" dirty="0">
+                <a:solidFill>
+                  <a:srgbClr val="FF0000"/>
+                </a:solidFill>
+              </a:rPr>
+              <a:t>HOME</a:t>
+            </a:r>
+            <a:r>
+              <a:rPr lang="it-IT" sz="2000" dirty="0"/>
+              <a:t> in cui compare </a:t>
+            </a:r>
+            <a:r>
+              <a:rPr lang="it-IT" sz="2000" dirty="0">
+                <a:solidFill>
+                  <a:srgbClr val="00B050"/>
+                </a:solidFill>
+              </a:rPr>
+              <a:t>un albero gerarchico di categorie</a:t>
+            </a:r>
+            <a:r>
+              <a:rPr lang="it-IT" sz="2000" dirty="0"/>
+              <a:t>. Le categorie non dipendono dall’utente e sono in comune tra tutti gli utenti. Le categorie hanno nomi distinti.</a:t>
             </a:r>
           </a:p>
           <a:p>
@@ -25740,8 +24858,70 @@
               <a:buNone/>
             </a:pPr>
             <a:r>
-              <a:rPr lang="en-US" dirty="0"/>
-              <a:t>`id` int NOT NULL AUTO_INCREMENT,  </a:t>
+              <a:rPr lang="it-IT" sz="2000" dirty="0"/>
+              <a:t>L’utente può </a:t>
+            </a:r>
+            <a:r>
+              <a:rPr lang="it-IT" sz="2000" dirty="0">
+                <a:solidFill>
+                  <a:schemeClr val="accent4">
+                    <a:lumMod val="75000"/>
+                  </a:schemeClr>
+                </a:solidFill>
+              </a:rPr>
+              <a:t>inserire una nuova categoria nell’albero</a:t>
+            </a:r>
+            <a:r>
+              <a:rPr lang="it-IT" sz="2000" dirty="0"/>
+              <a:t>. Per fare ciò usa una</a:t>
+            </a:r>
+            <a:r>
+              <a:rPr lang="it-IT" sz="2000" dirty="0">
+                <a:solidFill>
+                  <a:srgbClr val="00B050"/>
+                </a:solidFill>
+              </a:rPr>
+              <a:t> </a:t>
+            </a:r>
+            <a:r>
+              <a:rPr lang="it-IT" sz="2000" dirty="0" err="1">
+                <a:solidFill>
+                  <a:srgbClr val="00B050"/>
+                </a:solidFill>
+              </a:rPr>
+              <a:t>form</a:t>
+            </a:r>
+            <a:r>
+              <a:rPr lang="it-IT" sz="2000" dirty="0">
+                <a:solidFill>
+                  <a:srgbClr val="00B050"/>
+                </a:solidFill>
+              </a:rPr>
+              <a:t> </a:t>
+            </a:r>
+            <a:r>
+              <a:rPr lang="it-IT" sz="2000" dirty="0"/>
+              <a:t>nella pagina HOME in cui specifica il nome della nuova categoria e sceglie la categoria padre. L’</a:t>
+            </a:r>
+            <a:r>
+              <a:rPr lang="it-IT" sz="2000" dirty="0">
+                <a:solidFill>
+                  <a:srgbClr val="0070C0"/>
+                </a:solidFill>
+              </a:rPr>
+              <a:t>invio</a:t>
+            </a:r>
+            <a:r>
+              <a:rPr lang="it-IT" sz="2000" dirty="0"/>
+              <a:t> della nuova categoria comporta l’aggiornamento dell’albero: la nuova categoria è appesa alla categoria padre come ultimo </a:t>
+            </a:r>
+            <a:r>
+              <a:rPr lang="it-IT" sz="2000" dirty="0" err="1"/>
+              <a:t>sottoelemento</a:t>
+            </a:r>
+            <a:r>
+              <a:rPr lang="it-IT" sz="2000" dirty="0"/>
+              <a:t>. Alla nuova categoria viene assegnato un codice numerico che ne riflette la posizione. Per ogni categoria il numero massimo di sottocategorie è 9.</a:t>
             </a:r>
           </a:p>
           <a:p>
@@ -25749,8 +24929,70 @@
               <a:buNone/>
             </a:pPr>
             <a:r>
-              <a:rPr lang="en-US" dirty="0"/>
-              <a:t>`name` varchar(45) NOT NULL,  </a:t>
+              <a:rPr lang="it-IT" sz="2000" dirty="0"/>
+              <a:t>Dopo la creazione di una categoria, la pagina HOME mostra l’albero aggiornato. L’utente può </a:t>
+            </a:r>
+            <a:r>
+              <a:rPr lang="it-IT" sz="2000" dirty="0">
+                <a:solidFill>
+                  <a:schemeClr val="accent4">
+                    <a:lumMod val="75000"/>
+                  </a:schemeClr>
+                </a:solidFill>
+              </a:rPr>
+              <a:t>spostare di posizione una categoria</a:t>
+            </a:r>
+            <a:r>
+              <a:rPr lang="it-IT" sz="2000" dirty="0"/>
+              <a:t>: per fare ciò </a:t>
+            </a:r>
+            <a:r>
+              <a:rPr lang="it-IT" sz="2000" dirty="0">
+                <a:solidFill>
+                  <a:srgbClr val="0070C0"/>
+                </a:solidFill>
+              </a:rPr>
+              <a:t>clicca</a:t>
+            </a:r>
+            <a:r>
+              <a:rPr lang="it-IT" sz="2000" dirty="0"/>
+              <a:t> sul </a:t>
+            </a:r>
+            <a:r>
+              <a:rPr lang="it-IT" sz="2000" dirty="0">
+                <a:solidFill>
+                  <a:srgbClr val="00B050"/>
+                </a:solidFill>
+              </a:rPr>
+              <a:t>link “sposta” </a:t>
+            </a:r>
+            <a:r>
+              <a:rPr lang="it-IT" sz="2000" dirty="0"/>
+              <a:t>associato alla categoria da spostare. A seguito di tale azione l’applicazione mostra, sempre nella HOME page, l’albero con evidenziato il sotto albero attestato sulla categoria da spostare: tutte le altre categorie hanno un </a:t>
+            </a:r>
+            <a:r>
+              <a:rPr lang="it-IT" sz="2000" dirty="0">
+                <a:solidFill>
+                  <a:srgbClr val="00B050"/>
+                </a:solidFill>
+              </a:rPr>
+              <a:t>link “sposta qui”</a:t>
+            </a:r>
+            <a:r>
+              <a:rPr lang="it-IT" sz="2000" dirty="0"/>
+              <a:t>. La </a:t>
+            </a:r>
+            <a:r>
+              <a:rPr lang="it-IT" sz="2000" dirty="0">
+                <a:solidFill>
+                  <a:srgbClr val="0070C0"/>
+                </a:solidFill>
+              </a:rPr>
+              <a:t>selezione di un link</a:t>
+            </a:r>
+            <a:r>
+              <a:rPr lang="it-IT" sz="2000" dirty="0"/>
+              <a:t> “sposta qui” comporta l’inserimento della categoria da spostare come ultimo figlio della categoria destinazione.</a:t>
             </a:r>
           </a:p>
           <a:p>
@@ -25758,69 +25000,115 @@
               <a:buNone/>
             </a:pPr>
             <a:r>
-              <a:rPr lang="en-US" dirty="0"/>
-              <a:t>`position` int NOT NULL,  </a:t>
+              <a:rPr lang="it-IT" sz="2000" dirty="0"/>
+              <a:t>Le modifiche effettuate da un utente e salvate nella base di dati diventano visibili agli altri utenti. Lo spostamento potrebbe creare un vuoto nella numerazione delle categorie figlie dello stesso padre.</a:t>
             </a:r>
           </a:p>
           <a:p>
             <a:pPr marL="0" indent="0">
               <a:buNone/>
             </a:pPr>
-            <a:r>
-              <a:rPr lang="en-US" dirty="0"/>
-              <a:t>`</a:t>
-            </a:r>
-            <a:r>
-              <a:rPr lang="en-US" dirty="0" err="1"/>
-              <a:t>num_child</a:t>
-            </a:r>
-            <a:r>
-              <a:rPr lang="en-US" dirty="0"/>
-              <a:t>` int NOT NULL DEFAULT '0’,  </a:t>
-            </a:r>
-          </a:p>
-          <a:p>
-            <a:pPr marL="0" indent="0">
-              <a:buNone/>
-            </a:pPr>
-            <a:r>
-              <a:rPr lang="en-US" dirty="0"/>
-              <a:t>PRIMARY KEY (`id`),  </a:t>
-            </a:r>
-          </a:p>
-          <a:p>
-            <a:pPr marL="0" indent="0">
-              <a:buNone/>
-            </a:pPr>
-            <a:r>
-              <a:rPr lang="en-US" dirty="0"/>
-              <a:t>UNIQUE KEY `</a:t>
-            </a:r>
-            <a:r>
-              <a:rPr lang="en-US" dirty="0" err="1"/>
-              <a:t>Name_UNIQUE</a:t>
-            </a:r>
-            <a:r>
-              <a:rPr lang="en-US" dirty="0"/>
-              <a:t>` (`name`)</a:t>
-            </a:r>
-          </a:p>
-          <a:p>
-            <a:pPr marL="0" indent="0">
-              <a:buNone/>
-            </a:pPr>
-            <a:r>
-              <a:rPr lang="en-US" dirty="0"/>
+            <a:endParaRPr lang="it-IT" sz="2000" dirty="0"/>
+          </a:p>
+        </p:txBody>
+      </p:sp>
+      <p:sp>
+        <p:nvSpPr>
+          <p:cNvPr id="2" name="CasellaDiTesto 1">
+            <a:extLst>
+              <a:ext uri="{FF2B5EF4-FFF2-40B4-BE49-F238E27FC236}">
+                <a16:creationId xmlns:a16="http://schemas.microsoft.com/office/drawing/2014/main" id="{96B10EFC-4989-4772-8382-6D7A253E87E1}"/>
+              </a:ext>
+            </a:extLst>
+          </p:cNvPr>
+          <p:cNvSpPr txBox="1"/>
+          <p:nvPr/>
+        </p:nvSpPr>
+        <p:spPr>
+          <a:xfrm>
+            <a:off x="838200" y="6304547"/>
+            <a:ext cx="3603551" cy="369332"/>
+          </a:xfrm>
+          <a:prstGeom prst="rect">
+            <a:avLst/>
+          </a:prstGeom>
+          <a:noFill/>
+        </p:spPr>
+        <p:txBody>
+          <a:bodyPr wrap="none" rtlCol="0">
+            <a:spAutoFit/>
+          </a:bodyPr>
+          <a:lstStyle/>
+          <a:p>
+            <a:r>
+              <a:rPr lang="it-IT" dirty="0"/>
+              <a:t>(</a:t>
+            </a:r>
+            <a:r>
+              <a:rPr lang="it-IT" b="1" dirty="0">
+                <a:solidFill>
+                  <a:srgbClr val="FF0000"/>
+                </a:solidFill>
+              </a:rPr>
+              <a:t>Pagine</a:t>
+            </a:r>
+            <a:r>
+              <a:rPr lang="it-IT" dirty="0"/>
+              <a:t>, </a:t>
+            </a:r>
+            <a:r>
+              <a:rPr lang="it-IT" b="1" dirty="0">
+                <a:solidFill>
+                  <a:srgbClr val="00B050"/>
+                </a:solidFill>
+              </a:rPr>
+              <a:t>componenti</a:t>
+            </a:r>
+            <a:r>
+              <a:rPr lang="it-IT" dirty="0"/>
+              <a:t>, </a:t>
+            </a:r>
+            <a:r>
+              <a:rPr lang="it-IT" b="1" dirty="0">
+                <a:solidFill>
+                  <a:srgbClr val="0070C0"/>
+                </a:solidFill>
+              </a:rPr>
+              <a:t>eventi</a:t>
+            </a:r>
+            <a:r>
+              <a:rPr lang="it-IT" dirty="0"/>
+              <a:t>,</a:t>
+            </a:r>
+            <a:r>
+              <a:rPr lang="it-IT" dirty="0">
+                <a:solidFill>
+                  <a:srgbClr val="0070C0"/>
+                </a:solidFill>
+              </a:rPr>
+              <a:t> </a:t>
+            </a:r>
+            <a:r>
+              <a:rPr lang="it-IT" b="1" dirty="0">
+                <a:solidFill>
+                  <a:schemeClr val="accent4">
+                    <a:lumMod val="75000"/>
+                  </a:schemeClr>
+                </a:solidFill>
+              </a:rPr>
+              <a:t>azioni</a:t>
+            </a:r>
+            <a:r>
+              <a:rPr lang="it-IT" dirty="0"/>
               <a:t>)</a:t>
             </a:r>
-            <a:endParaRPr lang="it-IT" dirty="0"/>
           </a:p>
         </p:txBody>
       </p:sp>
     </p:spTree>
     <p:extLst>
       <p:ext uri="{BB962C8B-B14F-4D97-AF65-F5344CB8AC3E}">
-        <p14:creationId xmlns:p14="http://schemas.microsoft.com/office/powerpoint/2010/main" val="3668619195"/>
+        <p14:creationId xmlns:p14="http://schemas.microsoft.com/office/powerpoint/2010/main" val="43280946"/>
       </p:ext>
     </p:extLst>
   </p:cSld>
@@ -25852,7 +25140,7 @@
           <p:cNvPr id="2" name="Titolo 1">
             <a:extLst>
               <a:ext uri="{FF2B5EF4-FFF2-40B4-BE49-F238E27FC236}">
-                <a16:creationId xmlns:a16="http://schemas.microsoft.com/office/drawing/2014/main" id="{67282455-4C19-444E-BFE7-FA39C0103B6F}"/>
+                <a16:creationId xmlns:a16="http://schemas.microsoft.com/office/drawing/2014/main" id="{6007D813-4A39-4AA9-992F-632FE8BE3EB3}"/>
               </a:ext>
             </a:extLst>
           </p:cNvPr>
@@ -25869,8 +25157,10 @@
           <a:lstStyle/>
           <a:p>
             <a:r>
-              <a:rPr lang="it-IT" dirty="0"/>
-              <a:t>Schema database locale</a:t>
+              <a:rPr lang="it-IT" dirty="0">
+                <a:latin typeface="+mn-lt"/>
+              </a:rPr>
+              <a:t>Completamento delle specifiche</a:t>
             </a:r>
           </a:p>
         </p:txBody>
@@ -25880,7 +25170,7 @@
           <p:cNvPr id="3" name="Segnaposto contenuto 2">
             <a:extLst>
               <a:ext uri="{FF2B5EF4-FFF2-40B4-BE49-F238E27FC236}">
-                <a16:creationId xmlns:a16="http://schemas.microsoft.com/office/drawing/2014/main" id="{153667B8-3E6F-4D6B-858E-03ECE1963BA6}"/>
+                <a16:creationId xmlns:a16="http://schemas.microsoft.com/office/drawing/2014/main" id="{D9E45FC6-B724-4116-BDFB-097E35E31870}"/>
               </a:ext>
             </a:extLst>
           </p:cNvPr>
@@ -25893,113 +25183,82 @@
         </p:nvSpPr>
         <p:spPr/>
         <p:txBody>
-          <a:bodyPr>
-            <a:normAutofit fontScale="92500" lnSpcReduction="10000"/>
-          </a:bodyPr>
+          <a:bodyPr/>
           <a:lstStyle/>
           <a:p>
-            <a:pPr marL="0" indent="0">
-              <a:buNone/>
+            <a:pPr>
+              <a:buFontTx/>
+              <a:buChar char="-"/>
             </a:pPr>
             <a:r>
-              <a:rPr lang="en-US" dirty="0"/>
-              <a:t>CREATE TABLE `relations` (  </a:t>
-            </a:r>
-          </a:p>
-          <a:p>
-            <a:pPr marL="0" indent="0">
-              <a:buNone/>
+              <a:rPr lang="it-IT" dirty="0"/>
+              <a:t>Si effettua il login nella </a:t>
+            </a:r>
+            <a:r>
+              <a:rPr lang="it-IT" dirty="0">
+                <a:solidFill>
+                  <a:srgbClr val="FF0000"/>
+                </a:solidFill>
+              </a:rPr>
+              <a:t>pagina di default </a:t>
+            </a:r>
+            <a:r>
+              <a:rPr lang="it-IT" dirty="0"/>
+              <a:t>tramite una</a:t>
+            </a:r>
+            <a:r>
+              <a:rPr lang="it-IT" dirty="0">
+                <a:solidFill>
+                  <a:srgbClr val="00B050"/>
+                </a:solidFill>
+              </a:rPr>
+              <a:t> </a:t>
+            </a:r>
+            <a:r>
+              <a:rPr lang="it-IT" dirty="0" err="1">
+                <a:solidFill>
+                  <a:srgbClr val="00B050"/>
+                </a:solidFill>
+              </a:rPr>
+              <a:t>form</a:t>
+            </a:r>
+            <a:r>
+              <a:rPr lang="it-IT" dirty="0"/>
+              <a:t>.</a:t>
+            </a:r>
+          </a:p>
+          <a:p>
+            <a:pPr>
+              <a:buFontTx/>
+              <a:buChar char="-"/>
             </a:pPr>
             <a:r>
-              <a:rPr lang="en-US" dirty="0"/>
-              <a:t>`father` int NOT NULL,  </a:t>
-            </a:r>
-          </a:p>
-          <a:p>
-            <a:pPr marL="0" indent="0">
-              <a:buNone/>
+              <a:rPr lang="it-IT" dirty="0"/>
+              <a:t>Le categorie non possono avere nomi nulli.</a:t>
+            </a:r>
+          </a:p>
+          <a:p>
+            <a:pPr>
+              <a:buFontTx/>
+              <a:buChar char="-"/>
             </a:pPr>
             <a:r>
-              <a:rPr lang="en-US" dirty="0"/>
-              <a:t>`child` int NOT NULL,  </a:t>
-            </a:r>
-          </a:p>
-          <a:p>
-            <a:pPr marL="0" indent="0">
-              <a:buNone/>
+              <a:rPr lang="it-IT" dirty="0"/>
+              <a:t>Non è possibile spostare una categoria in una delle sue sottocategorie.</a:t>
+            </a:r>
+          </a:p>
+          <a:p>
+            <a:pPr>
+              <a:buFontTx/>
+              <a:buChar char="-"/>
             </a:pPr>
-            <a:r>
-              <a:rPr lang="en-US" dirty="0"/>
-              <a:t>PRIMARY KEY (`</a:t>
-            </a:r>
-            <a:r>
-              <a:rPr lang="en-US" dirty="0" err="1"/>
-              <a:t>father`,`child</a:t>
-            </a:r>
-            <a:r>
-              <a:rPr lang="en-US" dirty="0"/>
-              <a:t>`),  </a:t>
-            </a:r>
-          </a:p>
-          <a:p>
-            <a:pPr marL="0" indent="0">
-              <a:buNone/>
+            <a:endParaRPr lang="it-IT" dirty="0"/>
+          </a:p>
+          <a:p>
+            <a:pPr>
+              <a:buFontTx/>
+              <a:buChar char="-"/>
             </a:pPr>
-            <a:r>
-              <a:rPr lang="en-US" dirty="0"/>
-              <a:t>KEY `</a:t>
-            </a:r>
-            <a:r>
-              <a:rPr lang="en-US" dirty="0" err="1"/>
-              <a:t>childtocategory_idx</a:t>
-            </a:r>
-            <a:r>
-              <a:rPr lang="en-US" dirty="0"/>
-              <a:t>` (`child`),  </a:t>
-            </a:r>
-          </a:p>
-          <a:p>
-            <a:pPr marL="0" indent="0">
-              <a:buNone/>
-            </a:pPr>
-            <a:r>
-              <a:rPr lang="en-US" dirty="0"/>
-              <a:t>CONSTRAINT `</a:t>
-            </a:r>
-            <a:r>
-              <a:rPr lang="en-US" dirty="0" err="1"/>
-              <a:t>childtocategory</a:t>
-            </a:r>
-            <a:r>
-              <a:rPr lang="en-US" dirty="0"/>
-              <a:t>` FOREIGN KEY (`child`) REFERENCES `category` (`id`),  </a:t>
-            </a:r>
-          </a:p>
-          <a:p>
-            <a:pPr marL="0" indent="0">
-              <a:buNone/>
-            </a:pPr>
-            <a:r>
-              <a:rPr lang="en-US" dirty="0"/>
-              <a:t>CONSTRAINT `</a:t>
-            </a:r>
-            <a:r>
-              <a:rPr lang="en-US" dirty="0" err="1"/>
-              <a:t>fathertocategory</a:t>
-            </a:r>
-            <a:r>
-              <a:rPr lang="en-US" dirty="0"/>
-              <a:t>` FOREIGN KEY (`father`) REFERENCES `category` (`id`)</a:t>
-            </a:r>
-          </a:p>
-          <a:p>
-            <a:pPr marL="0" indent="0">
-              <a:buNone/>
-            </a:pPr>
-            <a:r>
-              <a:rPr lang="en-US" dirty="0"/>
-              <a:t>)</a:t>
-            </a:r>
             <a:endParaRPr lang="it-IT" dirty="0"/>
           </a:p>
         </p:txBody>
@@ -26007,7 +25266,7 @@
     </p:spTree>
     <p:extLst>
       <p:ext uri="{BB962C8B-B14F-4D97-AF65-F5344CB8AC3E}">
-        <p14:creationId xmlns:p14="http://schemas.microsoft.com/office/powerpoint/2010/main" val="3274201187"/>
+        <p14:creationId xmlns:p14="http://schemas.microsoft.com/office/powerpoint/2010/main" val="2164763676"/>
       </p:ext>
     </p:extLst>
   </p:cSld>

--- a/Documents/ImgCatalogRIA.pptx
+++ b/Documents/ImgCatalogRIA.pptx
@@ -31634,7 +31634,7 @@
         <p:spPr>
           <a:xfrm>
             <a:off x="6274526" y="4142121"/>
-            <a:ext cx="513282" cy="369332"/>
+            <a:ext cx="481222" cy="369332"/>
           </a:xfrm>
           <a:prstGeom prst="rect">
             <a:avLst/>
@@ -31654,7 +31654,7 @@
                 </a:solidFill>
                 <a:latin typeface="Calibri" panose="020F0502020204030204"/>
               </a:rPr>
-              <a:t>0:N</a:t>
+              <a:t>0:9</a:t>
             </a:r>
           </a:p>
         </p:txBody>
@@ -31745,7 +31745,7 @@
         </p:nvSpPr>
         <p:spPr>
           <a:xfrm>
-            <a:off x="4371478" y="2615025"/>
+            <a:off x="3424413" y="2634057"/>
             <a:ext cx="721672" cy="307777"/>
           </a:xfrm>
           <a:prstGeom prst="rect">
@@ -31779,8 +31779,8 @@
         </p:nvSpPr>
         <p:spPr>
           <a:xfrm>
-            <a:off x="3470862" y="2979756"/>
-            <a:ext cx="513282" cy="369332"/>
+            <a:off x="3544638" y="2941834"/>
+            <a:ext cx="481222" cy="369332"/>
           </a:xfrm>
           <a:prstGeom prst="rect">
             <a:avLst/>
@@ -31800,7 +31800,7 @@
                 </a:solidFill>
                 <a:latin typeface="Calibri" panose="020F0502020204030204"/>
               </a:rPr>
-              <a:t>0:N</a:t>
+              <a:t>0:1</a:t>
             </a:r>
           </a:p>
         </p:txBody>
@@ -31943,8 +31943,8 @@
         </p:nvSpPr>
         <p:spPr>
           <a:xfrm>
-            <a:off x="4643134" y="5823447"/>
-            <a:ext cx="2905732" cy="461665"/>
+            <a:off x="2109877" y="5616769"/>
+            <a:ext cx="8696420" cy="830997"/>
           </a:xfrm>
           <a:prstGeom prst="rect">
             <a:avLst/>
@@ -31957,6 +31957,15 @@
           </a:bodyPr>
           <a:lstStyle/>
           <a:p>
+            <a:r>
+              <a:rPr lang="en-GB" sz="2400" dirty="0" err="1">
+                <a:solidFill>
+                  <a:prstClr val="black"/>
+                </a:solidFill>
+                <a:latin typeface="Calibri" panose="020F0502020204030204"/>
+              </a:rPr>
+              <a:t>Ogni</a:t>
+            </a:r>
             <a:r>
               <a:rPr lang="en-GB" sz="2400" dirty="0">
                 <a:solidFill>
@@ -31964,7 +31973,7 @@
                 </a:solidFill>
                 <a:latin typeface="Calibri" panose="020F0502020204030204"/>
               </a:rPr>
-              <a:t>Caso di </a:t>
+              <a:t> </a:t>
             </a:r>
             <a:r>
               <a:rPr lang="en-GB" sz="2400" dirty="0" err="1">
@@ -31973,7 +31982,7 @@
                 </a:solidFill>
                 <a:latin typeface="Calibri" panose="020F0502020204030204"/>
               </a:rPr>
-              <a:t>relazione</a:t>
+              <a:t>categoria</a:t>
             </a:r>
             <a:r>
               <a:rPr lang="en-GB" sz="2400" dirty="0">
@@ -31982,7 +31991,198 @@
                 </a:solidFill>
                 <a:latin typeface="Calibri" panose="020F0502020204030204"/>
               </a:rPr>
-              <a:t> N:M</a:t>
+              <a:t> </a:t>
+            </a:r>
+            <a:r>
+              <a:rPr lang="en-GB" sz="2400" dirty="0" err="1">
+                <a:solidFill>
+                  <a:prstClr val="black"/>
+                </a:solidFill>
+                <a:latin typeface="Calibri" panose="020F0502020204030204"/>
+              </a:rPr>
+              <a:t>può</a:t>
+            </a:r>
+            <a:r>
+              <a:rPr lang="en-GB" sz="2400" dirty="0">
+                <a:solidFill>
+                  <a:prstClr val="black"/>
+                </a:solidFill>
+                <a:latin typeface="Calibri" panose="020F0502020204030204"/>
+              </a:rPr>
+              <a:t> </a:t>
+            </a:r>
+            <a:r>
+              <a:rPr lang="en-GB" sz="2400" dirty="0" err="1">
+                <a:solidFill>
+                  <a:prstClr val="black"/>
+                </a:solidFill>
+                <a:latin typeface="Calibri" panose="020F0502020204030204"/>
+              </a:rPr>
+              <a:t>avere</a:t>
+            </a:r>
+            <a:r>
+              <a:rPr lang="en-GB" sz="2400" dirty="0">
+                <a:solidFill>
+                  <a:prstClr val="black"/>
+                </a:solidFill>
+                <a:latin typeface="Calibri" panose="020F0502020204030204"/>
+              </a:rPr>
+              <a:t> al </a:t>
+            </a:r>
+            <a:r>
+              <a:rPr lang="en-GB" sz="2400" dirty="0" err="1">
+                <a:solidFill>
+                  <a:prstClr val="black"/>
+                </a:solidFill>
+                <a:latin typeface="Calibri" panose="020F0502020204030204"/>
+              </a:rPr>
+              <a:t>massimo</a:t>
+            </a:r>
+            <a:r>
+              <a:rPr lang="en-GB" sz="2400" dirty="0">
+                <a:solidFill>
+                  <a:prstClr val="black"/>
+                </a:solidFill>
+                <a:latin typeface="Calibri" panose="020F0502020204030204"/>
+              </a:rPr>
+              <a:t> 9 </a:t>
+            </a:r>
+            <a:r>
+              <a:rPr lang="en-GB" sz="2400" dirty="0" err="1">
+                <a:solidFill>
+                  <a:prstClr val="black"/>
+                </a:solidFill>
+                <a:latin typeface="Calibri" panose="020F0502020204030204"/>
+              </a:rPr>
+              <a:t>categorie</a:t>
+            </a:r>
+            <a:r>
+              <a:rPr lang="en-GB" sz="2400" dirty="0">
+                <a:solidFill>
+                  <a:prstClr val="black"/>
+                </a:solidFill>
+                <a:latin typeface="Calibri" panose="020F0502020204030204"/>
+              </a:rPr>
+              <a:t> </a:t>
+            </a:r>
+            <a:r>
+              <a:rPr lang="en-GB" sz="2400" dirty="0" err="1">
+                <a:solidFill>
+                  <a:prstClr val="black"/>
+                </a:solidFill>
+                <a:latin typeface="Calibri" panose="020F0502020204030204"/>
+              </a:rPr>
+              <a:t>figlie</a:t>
+            </a:r>
+            <a:r>
+              <a:rPr lang="en-GB" sz="2400" dirty="0">
+                <a:solidFill>
+                  <a:prstClr val="black"/>
+                </a:solidFill>
+                <a:latin typeface="Calibri" panose="020F0502020204030204"/>
+              </a:rPr>
+              <a:t>,</a:t>
+            </a:r>
+          </a:p>
+          <a:p>
+            <a:r>
+              <a:rPr lang="en-GB" sz="2400" dirty="0">
+                <a:solidFill>
+                  <a:prstClr val="black"/>
+                </a:solidFill>
+                <a:latin typeface="Calibri" panose="020F0502020204030204"/>
+              </a:rPr>
+              <a:t>ed è </a:t>
+            </a:r>
+            <a:r>
+              <a:rPr lang="en-GB" sz="2400" dirty="0" err="1">
+                <a:solidFill>
+                  <a:prstClr val="black"/>
+                </a:solidFill>
+                <a:latin typeface="Calibri" panose="020F0502020204030204"/>
+              </a:rPr>
+              <a:t>figlio</a:t>
+            </a:r>
+            <a:r>
+              <a:rPr lang="en-GB" sz="2400" dirty="0">
+                <a:solidFill>
+                  <a:prstClr val="black"/>
+                </a:solidFill>
+                <a:latin typeface="Calibri" panose="020F0502020204030204"/>
+              </a:rPr>
+              <a:t> di una </a:t>
+            </a:r>
+            <a:r>
+              <a:rPr lang="en-GB" sz="2400" dirty="0" err="1">
+                <a:solidFill>
+                  <a:prstClr val="black"/>
+                </a:solidFill>
+                <a:latin typeface="Calibri" panose="020F0502020204030204"/>
+              </a:rPr>
+              <a:t>categoria</a:t>
+            </a:r>
+            <a:r>
+              <a:rPr lang="en-GB" sz="2400" dirty="0">
+                <a:solidFill>
+                  <a:prstClr val="black"/>
+                </a:solidFill>
+                <a:latin typeface="Calibri" panose="020F0502020204030204"/>
+              </a:rPr>
+              <a:t> (</a:t>
+            </a:r>
+            <a:r>
+              <a:rPr lang="en-GB" sz="2400" dirty="0" err="1">
+                <a:solidFill>
+                  <a:prstClr val="black"/>
+                </a:solidFill>
+                <a:latin typeface="Calibri" panose="020F0502020204030204"/>
+              </a:rPr>
+              <a:t>tranne</a:t>
+            </a:r>
+            <a:r>
+              <a:rPr lang="en-GB" sz="2400" dirty="0">
+                <a:solidFill>
+                  <a:prstClr val="black"/>
+                </a:solidFill>
+                <a:latin typeface="Calibri" panose="020F0502020204030204"/>
+              </a:rPr>
+              <a:t> root </a:t>
+            </a:r>
+            <a:r>
+              <a:rPr lang="en-GB" sz="2400" dirty="0" err="1">
+                <a:solidFill>
+                  <a:prstClr val="black"/>
+                </a:solidFill>
+                <a:latin typeface="Calibri" panose="020F0502020204030204"/>
+              </a:rPr>
+              <a:t>che</a:t>
+            </a:r>
+            <a:r>
+              <a:rPr lang="en-GB" sz="2400" dirty="0">
+                <a:solidFill>
+                  <a:prstClr val="black"/>
+                </a:solidFill>
+                <a:latin typeface="Calibri" panose="020F0502020204030204"/>
+              </a:rPr>
+              <a:t> non ha </a:t>
+            </a:r>
+            <a:r>
+              <a:rPr lang="en-GB" sz="2400" dirty="0" err="1">
+                <a:solidFill>
+                  <a:prstClr val="black"/>
+                </a:solidFill>
+                <a:latin typeface="Calibri" panose="020F0502020204030204"/>
+              </a:rPr>
+              <a:t>categoria</a:t>
+            </a:r>
+            <a:r>
+              <a:rPr lang="en-GB" sz="2400" dirty="0">
+                <a:solidFill>
+                  <a:prstClr val="black"/>
+                </a:solidFill>
+                <a:latin typeface="Calibri" panose="020F0502020204030204"/>
+              </a:rPr>
+              <a:t> padre).</a:t>
             </a:r>
             <a:endParaRPr lang="en-GB" sz="2400" dirty="0">
               <a:solidFill>
